--- a/Slides_4.pptx
+++ b/Slides_4.pptx
@@ -104,6 +104,11 @@
       </a:defRPr>
     </a:lvl9pPr>
   </p:defaultTextStyle>
+  <p:extLst>
+    <p:ext uri="{EFAFB233-063F-42B5-8137-9DF3F51BA10A}">
+      <p15:sldGuideLst xmlns:p15="http://schemas.microsoft.com/office/powerpoint/2012/main"/>
+    </p:ext>
+  </p:extLst>
 </p:presentation>
 </file>
 
@@ -254,7 +259,7 @@
           <a:p>
             <a:fld id="{4150043F-6FEE-4056-8DBA-75E5011D4B03}" type="datetimeFigureOut">
               <a:rPr lang="en-GB" smtClean="0"/>
-              <a:t>15/01/2023</a:t>
+              <a:t>22/01/2023</a:t>
             </a:fld>
             <a:endParaRPr lang="en-GB"/>
           </a:p>
@@ -452,7 +457,7 @@
           <a:p>
             <a:fld id="{4150043F-6FEE-4056-8DBA-75E5011D4B03}" type="datetimeFigureOut">
               <a:rPr lang="en-GB" smtClean="0"/>
-              <a:t>15/01/2023</a:t>
+              <a:t>22/01/2023</a:t>
             </a:fld>
             <a:endParaRPr lang="en-GB"/>
           </a:p>
@@ -660,7 +665,7 @@
           <a:p>
             <a:fld id="{4150043F-6FEE-4056-8DBA-75E5011D4B03}" type="datetimeFigureOut">
               <a:rPr lang="en-GB" smtClean="0"/>
-              <a:t>15/01/2023</a:t>
+              <a:t>22/01/2023</a:t>
             </a:fld>
             <a:endParaRPr lang="en-GB"/>
           </a:p>
@@ -858,7 +863,7 @@
           <a:p>
             <a:fld id="{4150043F-6FEE-4056-8DBA-75E5011D4B03}" type="datetimeFigureOut">
               <a:rPr lang="en-GB" smtClean="0"/>
-              <a:t>15/01/2023</a:t>
+              <a:t>22/01/2023</a:t>
             </a:fld>
             <a:endParaRPr lang="en-GB"/>
           </a:p>
@@ -1133,7 +1138,7 @@
           <a:p>
             <a:fld id="{4150043F-6FEE-4056-8DBA-75E5011D4B03}" type="datetimeFigureOut">
               <a:rPr lang="en-GB" smtClean="0"/>
-              <a:t>15/01/2023</a:t>
+              <a:t>22/01/2023</a:t>
             </a:fld>
             <a:endParaRPr lang="en-GB"/>
           </a:p>
@@ -1398,7 +1403,7 @@
           <a:p>
             <a:fld id="{4150043F-6FEE-4056-8DBA-75E5011D4B03}" type="datetimeFigureOut">
               <a:rPr lang="en-GB" smtClean="0"/>
-              <a:t>15/01/2023</a:t>
+              <a:t>22/01/2023</a:t>
             </a:fld>
             <a:endParaRPr lang="en-GB"/>
           </a:p>
@@ -1810,7 +1815,7 @@
           <a:p>
             <a:fld id="{4150043F-6FEE-4056-8DBA-75E5011D4B03}" type="datetimeFigureOut">
               <a:rPr lang="en-GB" smtClean="0"/>
-              <a:t>15/01/2023</a:t>
+              <a:t>22/01/2023</a:t>
             </a:fld>
             <a:endParaRPr lang="en-GB"/>
           </a:p>
@@ -1951,7 +1956,7 @@
           <a:p>
             <a:fld id="{4150043F-6FEE-4056-8DBA-75E5011D4B03}" type="datetimeFigureOut">
               <a:rPr lang="en-GB" smtClean="0"/>
-              <a:t>15/01/2023</a:t>
+              <a:t>22/01/2023</a:t>
             </a:fld>
             <a:endParaRPr lang="en-GB"/>
           </a:p>
@@ -2064,7 +2069,7 @@
           <a:p>
             <a:fld id="{4150043F-6FEE-4056-8DBA-75E5011D4B03}" type="datetimeFigureOut">
               <a:rPr lang="en-GB" smtClean="0"/>
-              <a:t>15/01/2023</a:t>
+              <a:t>22/01/2023</a:t>
             </a:fld>
             <a:endParaRPr lang="en-GB"/>
           </a:p>
@@ -2375,7 +2380,7 @@
           <a:p>
             <a:fld id="{4150043F-6FEE-4056-8DBA-75E5011D4B03}" type="datetimeFigureOut">
               <a:rPr lang="en-GB" smtClean="0"/>
-              <a:t>15/01/2023</a:t>
+              <a:t>22/01/2023</a:t>
             </a:fld>
             <a:endParaRPr lang="en-GB"/>
           </a:p>
@@ -2663,7 +2668,7 @@
           <a:p>
             <a:fld id="{4150043F-6FEE-4056-8DBA-75E5011D4B03}" type="datetimeFigureOut">
               <a:rPr lang="en-GB" smtClean="0"/>
-              <a:t>15/01/2023</a:t>
+              <a:t>22/01/2023</a:t>
             </a:fld>
             <a:endParaRPr lang="en-GB"/>
           </a:p>
@@ -2904,7 +2909,7 @@
           <a:p>
             <a:fld id="{4150043F-6FEE-4056-8DBA-75E5011D4B03}" type="datetimeFigureOut">
               <a:rPr lang="en-GB" smtClean="0"/>
-              <a:t>15/01/2023</a:t>
+              <a:t>22/01/2023</a:t>
             </a:fld>
             <a:endParaRPr lang="en-GB"/>
           </a:p>
@@ -3371,15 +3376,22 @@
           <a:lstStyle/>
           <a:p>
             <a:r>
-              <a:rPr lang="en-US" dirty="0">
+              <a:rPr lang="en-US">
                 <a:solidFill>
                   <a:schemeClr val="bg1">
                     <a:lumMod val="50000"/>
                   </a:schemeClr>
                 </a:solidFill>
               </a:rPr>
-              <a:t>Lecture 2/10</a:t>
-            </a:r>
+              <a:t>Lecture 4/10</a:t>
+            </a:r>
+            <a:endParaRPr lang="en-US" dirty="0">
+              <a:solidFill>
+                <a:schemeClr val="bg1">
+                  <a:lumMod val="50000"/>
+                </a:schemeClr>
+              </a:solidFill>
+            </a:endParaRPr>
           </a:p>
         </p:txBody>
       </p:sp>

--- a/Slides_4.pptx
+++ b/Slides_4.pptx
@@ -6,6 +6,10 @@
   </p:sldMasterIdLst>
   <p:sldIdLst>
     <p:sldId id="256" r:id="rId2"/>
+    <p:sldId id="261" r:id="rId3"/>
+    <p:sldId id="258" r:id="rId4"/>
+    <p:sldId id="260" r:id="rId5"/>
+    <p:sldId id="259" r:id="rId6"/>
   </p:sldIdLst>
   <p:sldSz cx="12192000" cy="6858000"/>
   <p:notesSz cx="6858000" cy="9144000"/>
@@ -3376,7 +3380,7 @@
           <a:lstStyle/>
           <a:p>
             <a:r>
-              <a:rPr lang="en-US">
+              <a:rPr lang="en-US" dirty="0">
                 <a:solidFill>
                   <a:schemeClr val="bg1">
                     <a:lumMod val="50000"/>
@@ -3385,13 +3389,6 @@
               </a:rPr>
               <a:t>Lecture 4/10</a:t>
             </a:r>
-            <a:endParaRPr lang="en-US" dirty="0">
-              <a:solidFill>
-                <a:schemeClr val="bg1">
-                  <a:lumMod val="50000"/>
-                </a:schemeClr>
-              </a:solidFill>
-            </a:endParaRPr>
           </a:p>
         </p:txBody>
       </p:sp>
@@ -3399,6 +3396,313 @@
     <p:extLst>
       <p:ext uri="{BB962C8B-B14F-4D97-AF65-F5344CB8AC3E}">
         <p14:creationId xmlns:p14="http://schemas.microsoft.com/office/powerpoint/2010/main" val="3667752640"/>
+      </p:ext>
+    </p:extLst>
+  </p:cSld>
+  <p:clrMapOvr>
+    <a:masterClrMapping/>
+  </p:clrMapOvr>
+</p:sld>
+</file>
+
+<file path=ppt/slides/slide2.xml><?xml version="1.0" encoding="utf-8"?>
+<p:sld xmlns:a="http://schemas.openxmlformats.org/drawingml/2006/main" xmlns:r="http://schemas.openxmlformats.org/officeDocument/2006/relationships" xmlns:p="http://schemas.openxmlformats.org/presentationml/2006/main">
+  <p:cSld>
+    <p:spTree>
+      <p:nvGrpSpPr>
+        <p:cNvPr id="1" name=""/>
+        <p:cNvGrpSpPr/>
+        <p:nvPr/>
+      </p:nvGrpSpPr>
+      <p:grpSpPr>
+        <a:xfrm>
+          <a:off x="0" y="0"/>
+          <a:ext cx="0" cy="0"/>
+          <a:chOff x="0" y="0"/>
+          <a:chExt cx="0" cy="0"/>
+        </a:xfrm>
+      </p:grpSpPr>
+      <p:sp>
+        <p:nvSpPr>
+          <p:cNvPr id="2" name="Title 1">
+            <a:extLst>
+              <a:ext uri="{FF2B5EF4-FFF2-40B4-BE49-F238E27FC236}">
+                <a16:creationId xmlns:a16="http://schemas.microsoft.com/office/drawing/2014/main" id="{A29535A4-D8A7-EBBA-1095-BF26A087E7E9}"/>
+              </a:ext>
+            </a:extLst>
+          </p:cNvPr>
+          <p:cNvSpPr>
+            <a:spLocks noGrp="1"/>
+          </p:cNvSpPr>
+          <p:nvPr>
+            <p:ph type="title"/>
+          </p:nvPr>
+        </p:nvSpPr>
+        <p:spPr/>
+        <p:txBody>
+          <a:bodyPr/>
+          <a:lstStyle/>
+          <a:p>
+            <a:r>
+              <a:rPr lang="en-US" dirty="0"/>
+              <a:t>Preceptrons</a:t>
+            </a:r>
+          </a:p>
+        </p:txBody>
+      </p:sp>
+    </p:spTree>
+    <p:extLst>
+      <p:ext uri="{BB962C8B-B14F-4D97-AF65-F5344CB8AC3E}">
+        <p14:creationId xmlns:p14="http://schemas.microsoft.com/office/powerpoint/2010/main" val="4014027879"/>
+      </p:ext>
+    </p:extLst>
+  </p:cSld>
+  <p:clrMapOvr>
+    <a:masterClrMapping/>
+  </p:clrMapOvr>
+</p:sld>
+</file>
+
+<file path=ppt/slides/slide3.xml><?xml version="1.0" encoding="utf-8"?>
+<p:sld xmlns:a="http://schemas.openxmlformats.org/drawingml/2006/main" xmlns:r="http://schemas.openxmlformats.org/officeDocument/2006/relationships" xmlns:p="http://schemas.openxmlformats.org/presentationml/2006/main">
+  <p:cSld>
+    <p:spTree>
+      <p:nvGrpSpPr>
+        <p:cNvPr id="1" name=""/>
+        <p:cNvGrpSpPr/>
+        <p:nvPr/>
+      </p:nvGrpSpPr>
+      <p:grpSpPr>
+        <a:xfrm>
+          <a:off x="0" y="0"/>
+          <a:ext cx="0" cy="0"/>
+          <a:chOff x="0" y="0"/>
+          <a:chExt cx="0" cy="0"/>
+        </a:xfrm>
+      </p:grpSpPr>
+      <p:sp>
+        <p:nvSpPr>
+          <p:cNvPr id="2" name="Title 1">
+            <a:extLst>
+              <a:ext uri="{FF2B5EF4-FFF2-40B4-BE49-F238E27FC236}">
+                <a16:creationId xmlns:a16="http://schemas.microsoft.com/office/drawing/2014/main" id="{52E5C877-FCC4-8B10-50C2-924FFD68CD9A}"/>
+              </a:ext>
+            </a:extLst>
+          </p:cNvPr>
+          <p:cNvSpPr>
+            <a:spLocks noGrp="1"/>
+          </p:cNvSpPr>
+          <p:nvPr>
+            <p:ph type="title"/>
+          </p:nvPr>
+        </p:nvSpPr>
+        <p:spPr/>
+        <p:txBody>
+          <a:bodyPr/>
+          <a:lstStyle/>
+          <a:p>
+            <a:r>
+              <a:rPr lang="en-US" dirty="0"/>
+              <a:t>Convolutional layer</a:t>
+            </a:r>
+          </a:p>
+        </p:txBody>
+      </p:sp>
+      <p:sp>
+        <p:nvSpPr>
+          <p:cNvPr id="3" name="Content Placeholder 2">
+            <a:extLst>
+              <a:ext uri="{FF2B5EF4-FFF2-40B4-BE49-F238E27FC236}">
+                <a16:creationId xmlns:a16="http://schemas.microsoft.com/office/drawing/2014/main" id="{98167828-7134-6384-2712-0B3A039FCF08}"/>
+              </a:ext>
+            </a:extLst>
+          </p:cNvPr>
+          <p:cNvSpPr>
+            <a:spLocks noGrp="1"/>
+          </p:cNvSpPr>
+          <p:nvPr>
+            <p:ph idx="1"/>
+          </p:nvPr>
+        </p:nvSpPr>
+        <p:spPr/>
+        <p:txBody>
+          <a:bodyPr/>
+          <a:lstStyle/>
+          <a:p>
+            <a:endParaRPr lang="en-US"/>
+          </a:p>
+        </p:txBody>
+      </p:sp>
+    </p:spTree>
+    <p:extLst>
+      <p:ext uri="{BB962C8B-B14F-4D97-AF65-F5344CB8AC3E}">
+        <p14:creationId xmlns:p14="http://schemas.microsoft.com/office/powerpoint/2010/main" val="3173564647"/>
+      </p:ext>
+    </p:extLst>
+  </p:cSld>
+  <p:clrMapOvr>
+    <a:masterClrMapping/>
+  </p:clrMapOvr>
+</p:sld>
+</file>
+
+<file path=ppt/slides/slide4.xml><?xml version="1.0" encoding="utf-8"?>
+<p:sld xmlns:a="http://schemas.openxmlformats.org/drawingml/2006/main" xmlns:r="http://schemas.openxmlformats.org/officeDocument/2006/relationships" xmlns:p="http://schemas.openxmlformats.org/presentationml/2006/main">
+  <p:cSld>
+    <p:spTree>
+      <p:nvGrpSpPr>
+        <p:cNvPr id="1" name=""/>
+        <p:cNvGrpSpPr/>
+        <p:nvPr/>
+      </p:nvGrpSpPr>
+      <p:grpSpPr>
+        <a:xfrm>
+          <a:off x="0" y="0"/>
+          <a:ext cx="0" cy="0"/>
+          <a:chOff x="0" y="0"/>
+          <a:chExt cx="0" cy="0"/>
+        </a:xfrm>
+      </p:grpSpPr>
+      <p:sp>
+        <p:nvSpPr>
+          <p:cNvPr id="2" name="Title 1">
+            <a:extLst>
+              <a:ext uri="{FF2B5EF4-FFF2-40B4-BE49-F238E27FC236}">
+                <a16:creationId xmlns:a16="http://schemas.microsoft.com/office/drawing/2014/main" id="{16764117-189B-1877-CA45-9F7123D63B76}"/>
+              </a:ext>
+            </a:extLst>
+          </p:cNvPr>
+          <p:cNvSpPr>
+            <a:spLocks noGrp="1"/>
+          </p:cNvSpPr>
+          <p:nvPr>
+            <p:ph type="title"/>
+          </p:nvPr>
+        </p:nvSpPr>
+        <p:spPr/>
+        <p:txBody>
+          <a:bodyPr/>
+          <a:lstStyle/>
+          <a:p>
+            <a:r>
+              <a:rPr lang="en-US" dirty="0"/>
+              <a:t>Pooling layer</a:t>
+            </a:r>
+          </a:p>
+        </p:txBody>
+      </p:sp>
+      <p:sp>
+        <p:nvSpPr>
+          <p:cNvPr id="3" name="Content Placeholder 2">
+            <a:extLst>
+              <a:ext uri="{FF2B5EF4-FFF2-40B4-BE49-F238E27FC236}">
+                <a16:creationId xmlns:a16="http://schemas.microsoft.com/office/drawing/2014/main" id="{22E0D011-8745-6293-698B-6437B9781305}"/>
+              </a:ext>
+            </a:extLst>
+          </p:cNvPr>
+          <p:cNvSpPr>
+            <a:spLocks noGrp="1"/>
+          </p:cNvSpPr>
+          <p:nvPr>
+            <p:ph idx="1"/>
+          </p:nvPr>
+        </p:nvSpPr>
+        <p:spPr/>
+        <p:txBody>
+          <a:bodyPr/>
+          <a:lstStyle/>
+          <a:p>
+            <a:endParaRPr lang="en-US"/>
+          </a:p>
+        </p:txBody>
+      </p:sp>
+    </p:spTree>
+    <p:extLst>
+      <p:ext uri="{BB962C8B-B14F-4D97-AF65-F5344CB8AC3E}">
+        <p14:creationId xmlns:p14="http://schemas.microsoft.com/office/powerpoint/2010/main" val="1112517747"/>
+      </p:ext>
+    </p:extLst>
+  </p:cSld>
+  <p:clrMapOvr>
+    <a:masterClrMapping/>
+  </p:clrMapOvr>
+</p:sld>
+</file>
+
+<file path=ppt/slides/slide5.xml><?xml version="1.0" encoding="utf-8"?>
+<p:sld xmlns:a="http://schemas.openxmlformats.org/drawingml/2006/main" xmlns:r="http://schemas.openxmlformats.org/officeDocument/2006/relationships" xmlns:p="http://schemas.openxmlformats.org/presentationml/2006/main">
+  <p:cSld>
+    <p:spTree>
+      <p:nvGrpSpPr>
+        <p:cNvPr id="1" name=""/>
+        <p:cNvGrpSpPr/>
+        <p:nvPr/>
+      </p:nvGrpSpPr>
+      <p:grpSpPr>
+        <a:xfrm>
+          <a:off x="0" y="0"/>
+          <a:ext cx="0" cy="0"/>
+          <a:chOff x="0" y="0"/>
+          <a:chExt cx="0" cy="0"/>
+        </a:xfrm>
+      </p:grpSpPr>
+      <p:sp>
+        <p:nvSpPr>
+          <p:cNvPr id="2" name="Title 1">
+            <a:extLst>
+              <a:ext uri="{FF2B5EF4-FFF2-40B4-BE49-F238E27FC236}">
+                <a16:creationId xmlns:a16="http://schemas.microsoft.com/office/drawing/2014/main" id="{5A21BA05-7638-0136-E7AA-B527B05967B9}"/>
+              </a:ext>
+            </a:extLst>
+          </p:cNvPr>
+          <p:cNvSpPr>
+            <a:spLocks noGrp="1"/>
+          </p:cNvSpPr>
+          <p:nvPr>
+            <p:ph type="title"/>
+          </p:nvPr>
+        </p:nvSpPr>
+        <p:spPr/>
+        <p:txBody>
+          <a:bodyPr/>
+          <a:lstStyle/>
+          <a:p>
+            <a:r>
+              <a:rPr lang="en-US" dirty="0"/>
+              <a:t>SoftMax Layer</a:t>
+            </a:r>
+          </a:p>
+        </p:txBody>
+      </p:sp>
+      <p:sp>
+        <p:nvSpPr>
+          <p:cNvPr id="3" name="Content Placeholder 2">
+            <a:extLst>
+              <a:ext uri="{FF2B5EF4-FFF2-40B4-BE49-F238E27FC236}">
+                <a16:creationId xmlns:a16="http://schemas.microsoft.com/office/drawing/2014/main" id="{164E258A-F80A-420F-EC17-E3E0064F7DEB}"/>
+              </a:ext>
+            </a:extLst>
+          </p:cNvPr>
+          <p:cNvSpPr>
+            <a:spLocks noGrp="1"/>
+          </p:cNvSpPr>
+          <p:nvPr>
+            <p:ph idx="1"/>
+          </p:nvPr>
+        </p:nvSpPr>
+        <p:spPr/>
+        <p:txBody>
+          <a:bodyPr/>
+          <a:lstStyle/>
+          <a:p>
+            <a:endParaRPr lang="en-US"/>
+          </a:p>
+        </p:txBody>
+      </p:sp>
+    </p:spTree>
+    <p:extLst>
+      <p:ext uri="{BB962C8B-B14F-4D97-AF65-F5344CB8AC3E}">
+        <p14:creationId xmlns:p14="http://schemas.microsoft.com/office/powerpoint/2010/main" val="3949010796"/>
       </p:ext>
     </p:extLst>
   </p:cSld>

--- a/Slides_4.pptx
+++ b/Slides_4.pptx
@@ -6,7 +6,7 @@
   </p:sldMasterIdLst>
   <p:sldIdLst>
     <p:sldId id="256" r:id="rId2"/>
-    <p:sldId id="261" r:id="rId3"/>
+    <p:sldId id="264" r:id="rId3"/>
     <p:sldId id="258" r:id="rId4"/>
     <p:sldId id="260" r:id="rId5"/>
     <p:sldId id="259" r:id="rId6"/>
@@ -3422,6 +3422,45 @@
           <a:chExt cx="0" cy="0"/>
         </a:xfrm>
       </p:grpSpPr>
+      <p:pic>
+        <p:nvPicPr>
+          <p:cNvPr id="11" name="Graphic 10">
+            <a:extLst>
+              <a:ext uri="{FF2B5EF4-FFF2-40B4-BE49-F238E27FC236}">
+                <a16:creationId xmlns:a16="http://schemas.microsoft.com/office/drawing/2014/main" id="{51AC4214-6FCC-0FCC-A079-2268C72A75D3}"/>
+              </a:ext>
+            </a:extLst>
+          </p:cNvPr>
+          <p:cNvPicPr>
+            <a:picLocks noChangeAspect="1"/>
+          </p:cNvPicPr>
+          <p:nvPr/>
+        </p:nvPicPr>
+        <p:blipFill>
+          <a:blip r:embed="rId2">
+            <a:extLst>
+              <a:ext uri="{28A0092B-C50C-407E-A947-70E740481C1C}">
+                <a14:useLocalDpi xmlns:a14="http://schemas.microsoft.com/office/drawing/2010/main" val="0"/>
+              </a:ext>
+              <a:ext uri="{96DAC541-7B7A-43D3-8B79-37D633B846F1}">
+                <asvg:svgBlip xmlns:asvg="http://schemas.microsoft.com/office/drawing/2016/SVG/main" r:embed="rId3"/>
+              </a:ext>
+            </a:extLst>
+          </a:blip>
+          <a:stretch>
+            <a:fillRect/>
+          </a:stretch>
+        </p:blipFill>
+        <p:spPr>
+          <a:xfrm>
+            <a:off x="3230458" y="1401763"/>
+            <a:ext cx="5731083" cy="4775200"/>
+          </a:xfrm>
+          <a:prstGeom prst="rect">
+            <a:avLst/>
+          </a:prstGeom>
+        </p:spPr>
+      </p:pic>
       <p:sp>
         <p:nvSpPr>
           <p:cNvPr id="2" name="Title 1">
@@ -3453,7 +3492,7 @@
     </p:spTree>
     <p:extLst>
       <p:ext uri="{BB962C8B-B14F-4D97-AF65-F5344CB8AC3E}">
-        <p14:creationId xmlns:p14="http://schemas.microsoft.com/office/powerpoint/2010/main" val="4014027879"/>
+        <p14:creationId xmlns:p14="http://schemas.microsoft.com/office/powerpoint/2010/main" val="2124096507"/>
       </p:ext>
     </p:extLst>
   </p:cSld>

--- a/Slides_4.pptx
+++ b/Slides_4.pptx
@@ -7,9 +7,10 @@
   <p:sldIdLst>
     <p:sldId id="256" r:id="rId2"/>
     <p:sldId id="264" r:id="rId3"/>
-    <p:sldId id="258" r:id="rId4"/>
-    <p:sldId id="260" r:id="rId5"/>
-    <p:sldId id="259" r:id="rId6"/>
+    <p:sldId id="262" r:id="rId4"/>
+    <p:sldId id="258" r:id="rId5"/>
+    <p:sldId id="260" r:id="rId6"/>
+    <p:sldId id="259" r:id="rId7"/>
   </p:sldIdLst>
   <p:sldSz cx="12192000" cy="6858000"/>
   <p:notesSz cx="6858000" cy="9144000"/>
@@ -3524,7 +3525,7 @@
           <p:cNvPr id="2" name="Title 1">
             <a:extLst>
               <a:ext uri="{FF2B5EF4-FFF2-40B4-BE49-F238E27FC236}">
-                <a16:creationId xmlns:a16="http://schemas.microsoft.com/office/drawing/2014/main" id="{52E5C877-FCC4-8B10-50C2-924FFD68CD9A}"/>
+                <a16:creationId xmlns:a16="http://schemas.microsoft.com/office/drawing/2014/main" id="{A29535A4-D8A7-EBBA-1095-BF26A087E7E9}"/>
               </a:ext>
             </a:extLst>
           </p:cNvPr>
@@ -3542,46 +3543,602 @@
           <a:p>
             <a:r>
               <a:rPr lang="en-US" dirty="0"/>
-              <a:t>Convolutional layer</a:t>
-            </a:r>
-          </a:p>
-        </p:txBody>
-      </p:sp>
-      <p:sp>
-        <p:nvSpPr>
-          <p:cNvPr id="3" name="Content Placeholder 2">
-            <a:extLst>
-              <a:ext uri="{FF2B5EF4-FFF2-40B4-BE49-F238E27FC236}">
-                <a16:creationId xmlns:a16="http://schemas.microsoft.com/office/drawing/2014/main" id="{98167828-7134-6384-2712-0B3A039FCF08}"/>
-              </a:ext>
-            </a:extLst>
-          </p:cNvPr>
-          <p:cNvSpPr>
-            <a:spLocks noGrp="1"/>
-          </p:cNvSpPr>
-          <p:nvPr>
-            <p:ph idx="1"/>
-          </p:nvPr>
-        </p:nvSpPr>
-        <p:spPr/>
-        <p:txBody>
-          <a:bodyPr/>
-          <a:lstStyle/>
-          <a:p>
-            <a:endParaRPr lang="en-US"/>
-          </a:p>
-        </p:txBody>
-      </p:sp>
+              <a:t>1D </a:t>
+            </a:r>
+            <a:r>
+              <a:rPr lang="fr-FR" dirty="0"/>
+              <a:t>perceptron</a:t>
+            </a:r>
+            <a:endParaRPr lang="en-US" dirty="0"/>
+          </a:p>
+        </p:txBody>
+      </p:sp>
+      <p:pic>
+        <p:nvPicPr>
+          <p:cNvPr id="9" name="Graphic 8">
+            <a:extLst>
+              <a:ext uri="{FF2B5EF4-FFF2-40B4-BE49-F238E27FC236}">
+                <a16:creationId xmlns:a16="http://schemas.microsoft.com/office/drawing/2014/main" id="{B463DC08-8BB9-9C81-614F-83DF2D85AEF3}"/>
+              </a:ext>
+            </a:extLst>
+          </p:cNvPr>
+          <p:cNvPicPr>
+            <a:picLocks noChangeAspect="1"/>
+          </p:cNvPicPr>
+          <p:nvPr/>
+        </p:nvPicPr>
+        <p:blipFill>
+          <a:blip r:embed="rId2">
+            <a:extLst>
+              <a:ext uri="{28A0092B-C50C-407E-A947-70E740481C1C}">
+                <a14:useLocalDpi xmlns:a14="http://schemas.microsoft.com/office/drawing/2010/main" val="0"/>
+              </a:ext>
+              <a:ext uri="{96DAC541-7B7A-43D3-8B79-37D633B846F1}">
+                <asvg:svgBlip xmlns:asvg="http://schemas.microsoft.com/office/drawing/2016/SVG/main" r:embed="rId3"/>
+              </a:ext>
+            </a:extLst>
+          </a:blip>
+          <a:stretch>
+            <a:fillRect/>
+          </a:stretch>
+        </p:blipFill>
+        <p:spPr>
+          <a:xfrm>
+            <a:off x="3230457" y="1401763"/>
+            <a:ext cx="5683329" cy="4775200"/>
+          </a:xfrm>
+          <a:prstGeom prst="rect">
+            <a:avLst/>
+          </a:prstGeom>
+        </p:spPr>
+      </p:pic>
+      <p:sp>
+        <p:nvSpPr>
+          <p:cNvPr id="5" name="TextBox 4">
+            <a:extLst>
+              <a:ext uri="{FF2B5EF4-FFF2-40B4-BE49-F238E27FC236}">
+                <a16:creationId xmlns:a16="http://schemas.microsoft.com/office/drawing/2014/main" id="{0B6C031C-3AC6-6B98-2988-8B3CA4D1C3A0}"/>
+              </a:ext>
+            </a:extLst>
+          </p:cNvPr>
+          <p:cNvSpPr txBox="1"/>
+          <p:nvPr/>
+        </p:nvSpPr>
+        <p:spPr>
+          <a:xfrm>
+            <a:off x="838200" y="6204635"/>
+            <a:ext cx="10515600" cy="369332"/>
+          </a:xfrm>
+          <a:prstGeom prst="rect">
+            <a:avLst/>
+          </a:prstGeom>
+          <a:noFill/>
+        </p:spPr>
+        <p:txBody>
+          <a:bodyPr wrap="square">
+            <a:spAutoFit/>
+          </a:bodyPr>
+          <a:lstStyle/>
+          <a:p>
+            <a:pPr algn="ctr"/>
+            <a:r>
+              <a:rPr lang="en-US" dirty="0"/>
+              <a:t>“any continuous function can be approximated by a 2 layers perceptron” (with ReLU activation)</a:t>
+            </a:r>
+          </a:p>
+        </p:txBody>
+      </p:sp>
+      <mc:AlternateContent xmlns:mc="http://schemas.openxmlformats.org/markup-compatibility/2006">
+        <mc:Choice xmlns:a14="http://schemas.microsoft.com/office/drawing/2010/main" Requires="a14">
+          <p:sp>
+            <p:nvSpPr>
+              <p:cNvPr id="6" name="TextBox 5">
+                <a:extLst>
+                  <a:ext uri="{FF2B5EF4-FFF2-40B4-BE49-F238E27FC236}">
+                    <a16:creationId xmlns:a16="http://schemas.microsoft.com/office/drawing/2014/main" id="{D158D40C-E0BD-ECB2-FD59-123F63DA568F}"/>
+                  </a:ext>
+                </a:extLst>
+              </p:cNvPr>
+              <p:cNvSpPr txBox="1"/>
+              <p:nvPr/>
+            </p:nvSpPr>
+            <p:spPr>
+              <a:xfrm>
+                <a:off x="2862471" y="3462457"/>
+                <a:ext cx="548099" cy="646331"/>
+              </a:xfrm>
+              <a:prstGeom prst="rect">
+                <a:avLst/>
+              </a:prstGeom>
+              <a:noFill/>
+            </p:spPr>
+            <p:txBody>
+              <a:bodyPr wrap="none" rtlCol="0">
+                <a:spAutoFit/>
+              </a:bodyPr>
+              <a:lstStyle/>
+              <a:p>
+                <a14:m>
+                  <m:oMathPara xmlns:m="http://schemas.openxmlformats.org/officeDocument/2006/math">
+                    <m:oMathParaPr>
+                      <m:jc m:val="centerGroup"/>
+                    </m:oMathParaPr>
+                    <m:oMath xmlns:m="http://schemas.openxmlformats.org/officeDocument/2006/math">
+                      <m:r>
+                        <a:rPr lang="en-US" sz="3600" b="0" i="1" smtClean="0">
+                          <a:latin typeface="Cambria Math" panose="02040503050406030204" pitchFamily="18" charset="0"/>
+                        </a:rPr>
+                        <m:t>𝑥</m:t>
+                      </m:r>
+                    </m:oMath>
+                  </m:oMathPara>
+                </a14:m>
+                <a:endParaRPr lang="en-US" dirty="0"/>
+              </a:p>
+            </p:txBody>
+          </p:sp>
+        </mc:Choice>
+        <mc:Fallback>
+          <p:sp>
+            <p:nvSpPr>
+              <p:cNvPr id="6" name="TextBox 5">
+                <a:extLst>
+                  <a:ext uri="{FF2B5EF4-FFF2-40B4-BE49-F238E27FC236}">
+                    <a16:creationId xmlns:a16="http://schemas.microsoft.com/office/drawing/2014/main" id="{D158D40C-E0BD-ECB2-FD59-123F63DA568F}"/>
+                  </a:ext>
+                </a:extLst>
+              </p:cNvPr>
+              <p:cNvSpPr txBox="1">
+                <a:spLocks noRot="1" noChangeAspect="1" noMove="1" noResize="1" noEditPoints="1" noAdjustHandles="1" noChangeArrowheads="1" noChangeShapeType="1" noTextEdit="1"/>
+              </p:cNvSpPr>
+              <p:nvPr/>
+            </p:nvSpPr>
+            <p:spPr>
+              <a:xfrm>
+                <a:off x="2862471" y="3462457"/>
+                <a:ext cx="548099" cy="646331"/>
+              </a:xfrm>
+              <a:prstGeom prst="rect">
+                <a:avLst/>
+              </a:prstGeom>
+              <a:blipFill>
+                <a:blip r:embed="rId4"/>
+                <a:stretch>
+                  <a:fillRect/>
+                </a:stretch>
+              </a:blipFill>
+            </p:spPr>
+            <p:txBody>
+              <a:bodyPr/>
+              <a:lstStyle/>
+              <a:p>
+                <a:r>
+                  <a:rPr lang="en-US">
+                    <a:noFill/>
+                  </a:rPr>
+                  <a:t> </a:t>
+                </a:r>
+              </a:p>
+            </p:txBody>
+          </p:sp>
+        </mc:Fallback>
+      </mc:AlternateContent>
+      <mc:AlternateContent xmlns:mc="http://schemas.openxmlformats.org/markup-compatibility/2006">
+        <mc:Choice xmlns:a14="http://schemas.microsoft.com/office/drawing/2010/main" Requires="a14">
+          <p:sp>
+            <p:nvSpPr>
+              <p:cNvPr id="7" name="TextBox 6">
+                <a:extLst>
+                  <a:ext uri="{FF2B5EF4-FFF2-40B4-BE49-F238E27FC236}">
+                    <a16:creationId xmlns:a16="http://schemas.microsoft.com/office/drawing/2014/main" id="{D99CA6BF-6AA9-C621-DEC2-4BA49110C200}"/>
+                  </a:ext>
+                </a:extLst>
+              </p:cNvPr>
+              <p:cNvSpPr txBox="1"/>
+              <p:nvPr/>
+            </p:nvSpPr>
+            <p:spPr>
+              <a:xfrm>
+                <a:off x="8910388" y="3462457"/>
+                <a:ext cx="554832" cy="646331"/>
+              </a:xfrm>
+              <a:prstGeom prst="rect">
+                <a:avLst/>
+              </a:prstGeom>
+              <a:noFill/>
+            </p:spPr>
+            <p:txBody>
+              <a:bodyPr wrap="none" rtlCol="0">
+                <a:spAutoFit/>
+              </a:bodyPr>
+              <a:lstStyle/>
+              <a:p>
+                <a14:m>
+                  <m:oMathPara xmlns:m="http://schemas.openxmlformats.org/officeDocument/2006/math">
+                    <m:oMathParaPr>
+                      <m:jc m:val="centerGroup"/>
+                    </m:oMathParaPr>
+                    <m:oMath xmlns:m="http://schemas.openxmlformats.org/officeDocument/2006/math">
+                      <m:r>
+                        <a:rPr lang="en-US" sz="3600" b="0" i="1" smtClean="0">
+                          <a:latin typeface="Cambria Math" panose="02040503050406030204" pitchFamily="18" charset="0"/>
+                        </a:rPr>
+                        <m:t>𝑦</m:t>
+                      </m:r>
+                    </m:oMath>
+                  </m:oMathPara>
+                </a14:m>
+                <a:endParaRPr lang="en-US" sz="3600" dirty="0"/>
+              </a:p>
+            </p:txBody>
+          </p:sp>
+        </mc:Choice>
+        <mc:Fallback>
+          <p:sp>
+            <p:nvSpPr>
+              <p:cNvPr id="7" name="TextBox 6">
+                <a:extLst>
+                  <a:ext uri="{FF2B5EF4-FFF2-40B4-BE49-F238E27FC236}">
+                    <a16:creationId xmlns:a16="http://schemas.microsoft.com/office/drawing/2014/main" id="{D99CA6BF-6AA9-C621-DEC2-4BA49110C200}"/>
+                  </a:ext>
+                </a:extLst>
+              </p:cNvPr>
+              <p:cNvSpPr txBox="1">
+                <a:spLocks noRot="1" noChangeAspect="1" noMove="1" noResize="1" noEditPoints="1" noAdjustHandles="1" noChangeArrowheads="1" noChangeShapeType="1" noTextEdit="1"/>
+              </p:cNvSpPr>
+              <p:nvPr/>
+            </p:nvSpPr>
+            <p:spPr>
+              <a:xfrm>
+                <a:off x="8910388" y="3462457"/>
+                <a:ext cx="554832" cy="646331"/>
+              </a:xfrm>
+              <a:prstGeom prst="rect">
+                <a:avLst/>
+              </a:prstGeom>
+              <a:blipFill>
+                <a:blip r:embed="rId5"/>
+                <a:stretch>
+                  <a:fillRect/>
+                </a:stretch>
+              </a:blipFill>
+            </p:spPr>
+            <p:txBody>
+              <a:bodyPr/>
+              <a:lstStyle/>
+              <a:p>
+                <a:r>
+                  <a:rPr lang="en-US">
+                    <a:noFill/>
+                  </a:rPr>
+                  <a:t> </a:t>
+                </a:r>
+              </a:p>
+            </p:txBody>
+          </p:sp>
+        </mc:Fallback>
+      </mc:AlternateContent>
+      <p:cxnSp>
+        <p:nvCxnSpPr>
+          <p:cNvPr id="10" name="Straight Arrow Connector 9">
+            <a:extLst>
+              <a:ext uri="{FF2B5EF4-FFF2-40B4-BE49-F238E27FC236}">
+                <a16:creationId xmlns:a16="http://schemas.microsoft.com/office/drawing/2014/main" id="{83E37750-D938-BF38-592B-737723EB202A}"/>
+              </a:ext>
+            </a:extLst>
+          </p:cNvPr>
+          <p:cNvCxnSpPr>
+            <a:cxnSpLocks/>
+            <a:stCxn id="6" idx="3"/>
+            <a:endCxn id="7" idx="1"/>
+          </p:cNvCxnSpPr>
+          <p:nvPr/>
+        </p:nvCxnSpPr>
+        <p:spPr>
+          <a:xfrm>
+            <a:off x="3410570" y="3785623"/>
+            <a:ext cx="5499818" cy="0"/>
+          </a:xfrm>
+          <a:prstGeom prst="straightConnector1">
+            <a:avLst/>
+          </a:prstGeom>
+          <a:ln w="76200">
+            <a:solidFill>
+              <a:schemeClr val="tx1"/>
+            </a:solidFill>
+            <a:headEnd type="none" w="med" len="med"/>
+            <a:tailEnd type="arrow" w="med" len="med"/>
+          </a:ln>
+        </p:spPr>
+        <p:style>
+          <a:lnRef idx="1">
+            <a:schemeClr val="accent1"/>
+          </a:lnRef>
+          <a:fillRef idx="0">
+            <a:schemeClr val="accent1"/>
+          </a:fillRef>
+          <a:effectRef idx="0">
+            <a:schemeClr val="accent1"/>
+          </a:effectRef>
+          <a:fontRef idx="minor">
+            <a:schemeClr val="tx1"/>
+          </a:fontRef>
+        </p:style>
+      </p:cxnSp>
     </p:spTree>
     <p:extLst>
       <p:ext uri="{BB962C8B-B14F-4D97-AF65-F5344CB8AC3E}">
-        <p14:creationId xmlns:p14="http://schemas.microsoft.com/office/powerpoint/2010/main" val="3173564647"/>
+        <p14:creationId xmlns:p14="http://schemas.microsoft.com/office/powerpoint/2010/main" val="267719233"/>
       </p:ext>
     </p:extLst>
   </p:cSld>
   <p:clrMapOvr>
     <a:masterClrMapping/>
   </p:clrMapOvr>
+  <p:timing>
+    <p:tnLst>
+      <p:par>
+        <p:cTn id="1" dur="indefinite" restart="never" nodeType="tmRoot">
+          <p:childTnLst>
+            <p:seq concurrent="1" nextAc="seek">
+              <p:cTn id="2" dur="indefinite" nodeType="mainSeq">
+                <p:childTnLst>
+                  <p:par>
+                    <p:cTn id="3" fill="hold">
+                      <p:stCondLst>
+                        <p:cond delay="indefinite"/>
+                      </p:stCondLst>
+                      <p:childTnLst>
+                        <p:par>
+                          <p:cTn id="4" fill="hold">
+                            <p:stCondLst>
+                              <p:cond delay="0"/>
+                            </p:stCondLst>
+                            <p:childTnLst>
+                              <p:par>
+                                <p:cTn id="5" presetID="10" presetClass="entr" presetSubtype="0" fill="hold" grpId="0" nodeType="clickEffect">
+                                  <p:stCondLst>
+                                    <p:cond delay="0"/>
+                                  </p:stCondLst>
+                                  <p:childTnLst>
+                                    <p:set>
+                                      <p:cBhvr>
+                                        <p:cTn id="6" dur="1" fill="hold">
+                                          <p:stCondLst>
+                                            <p:cond delay="0"/>
+                                          </p:stCondLst>
+                                        </p:cTn>
+                                        <p:tgtEl>
+                                          <p:spTgt spid="6"/>
+                                        </p:tgtEl>
+                                        <p:attrNameLst>
+                                          <p:attrName>style.visibility</p:attrName>
+                                        </p:attrNameLst>
+                                      </p:cBhvr>
+                                      <p:to>
+                                        <p:strVal val="visible"/>
+                                      </p:to>
+                                    </p:set>
+                                    <p:animEffect transition="in" filter="fade">
+                                      <p:cBhvr>
+                                        <p:cTn id="7" dur="500"/>
+                                        <p:tgtEl>
+                                          <p:spTgt spid="6"/>
+                                        </p:tgtEl>
+                                      </p:cBhvr>
+                                    </p:animEffect>
+                                  </p:childTnLst>
+                                </p:cTn>
+                              </p:par>
+                            </p:childTnLst>
+                          </p:cTn>
+                        </p:par>
+                        <p:par>
+                          <p:cTn id="8" fill="hold">
+                            <p:stCondLst>
+                              <p:cond delay="500"/>
+                            </p:stCondLst>
+                            <p:childTnLst>
+                              <p:par>
+                                <p:cTn id="9" presetID="22" presetClass="entr" presetSubtype="8" fill="hold" nodeType="afterEffect">
+                                  <p:stCondLst>
+                                    <p:cond delay="0"/>
+                                  </p:stCondLst>
+                                  <p:childTnLst>
+                                    <p:set>
+                                      <p:cBhvr>
+                                        <p:cTn id="10" dur="1" fill="hold">
+                                          <p:stCondLst>
+                                            <p:cond delay="0"/>
+                                          </p:stCondLst>
+                                        </p:cTn>
+                                        <p:tgtEl>
+                                          <p:spTgt spid="10"/>
+                                        </p:tgtEl>
+                                        <p:attrNameLst>
+                                          <p:attrName>style.visibility</p:attrName>
+                                        </p:attrNameLst>
+                                      </p:cBhvr>
+                                      <p:to>
+                                        <p:strVal val="visible"/>
+                                      </p:to>
+                                    </p:set>
+                                    <p:animEffect transition="in" filter="wipe(left)">
+                                      <p:cBhvr>
+                                        <p:cTn id="11" dur="500"/>
+                                        <p:tgtEl>
+                                          <p:spTgt spid="10"/>
+                                        </p:tgtEl>
+                                      </p:cBhvr>
+                                    </p:animEffect>
+                                  </p:childTnLst>
+                                </p:cTn>
+                              </p:par>
+                            </p:childTnLst>
+                          </p:cTn>
+                        </p:par>
+                        <p:par>
+                          <p:cTn id="12" fill="hold">
+                            <p:stCondLst>
+                              <p:cond delay="1000"/>
+                            </p:stCondLst>
+                            <p:childTnLst>
+                              <p:par>
+                                <p:cTn id="13" presetID="22" presetClass="exit" presetSubtype="8" fill="hold" nodeType="afterEffect">
+                                  <p:stCondLst>
+                                    <p:cond delay="0"/>
+                                  </p:stCondLst>
+                                  <p:childTnLst>
+                                    <p:animEffect transition="out" filter="wipe(left)">
+                                      <p:cBhvr>
+                                        <p:cTn id="14" dur="500"/>
+                                        <p:tgtEl>
+                                          <p:spTgt spid="10"/>
+                                        </p:tgtEl>
+                                      </p:cBhvr>
+                                    </p:animEffect>
+                                    <p:set>
+                                      <p:cBhvr>
+                                        <p:cTn id="15" dur="1" fill="hold">
+                                          <p:stCondLst>
+                                            <p:cond delay="499"/>
+                                          </p:stCondLst>
+                                        </p:cTn>
+                                        <p:tgtEl>
+                                          <p:spTgt spid="10"/>
+                                        </p:tgtEl>
+                                        <p:attrNameLst>
+                                          <p:attrName>style.visibility</p:attrName>
+                                        </p:attrNameLst>
+                                      </p:cBhvr>
+                                      <p:to>
+                                        <p:strVal val="hidden"/>
+                                      </p:to>
+                                    </p:set>
+                                  </p:childTnLst>
+                                </p:cTn>
+                              </p:par>
+                              <p:par>
+                                <p:cTn id="16" presetID="10" presetClass="entr" presetSubtype="0" fill="hold" grpId="0" nodeType="withEffect">
+                                  <p:stCondLst>
+                                    <p:cond delay="0"/>
+                                  </p:stCondLst>
+                                  <p:childTnLst>
+                                    <p:set>
+                                      <p:cBhvr>
+                                        <p:cTn id="17" dur="1" fill="hold">
+                                          <p:stCondLst>
+                                            <p:cond delay="0"/>
+                                          </p:stCondLst>
+                                        </p:cTn>
+                                        <p:tgtEl>
+                                          <p:spTgt spid="7"/>
+                                        </p:tgtEl>
+                                        <p:attrNameLst>
+                                          <p:attrName>style.visibility</p:attrName>
+                                        </p:attrNameLst>
+                                      </p:cBhvr>
+                                      <p:to>
+                                        <p:strVal val="visible"/>
+                                      </p:to>
+                                    </p:set>
+                                    <p:animEffect transition="in" filter="fade">
+                                      <p:cBhvr>
+                                        <p:cTn id="18" dur="500"/>
+                                        <p:tgtEl>
+                                          <p:spTgt spid="7"/>
+                                        </p:tgtEl>
+                                      </p:cBhvr>
+                                    </p:animEffect>
+                                  </p:childTnLst>
+                                </p:cTn>
+                              </p:par>
+                            </p:childTnLst>
+                          </p:cTn>
+                        </p:par>
+                      </p:childTnLst>
+                    </p:cTn>
+                  </p:par>
+                  <p:par>
+                    <p:cTn id="19" fill="hold">
+                      <p:stCondLst>
+                        <p:cond delay="indefinite"/>
+                      </p:stCondLst>
+                      <p:childTnLst>
+                        <p:par>
+                          <p:cTn id="20" fill="hold">
+                            <p:stCondLst>
+                              <p:cond delay="0"/>
+                            </p:stCondLst>
+                            <p:childTnLst>
+                              <p:par>
+                                <p:cTn id="21" presetID="10" presetClass="entr" presetSubtype="0" fill="hold" grpId="0" nodeType="clickEffect">
+                                  <p:stCondLst>
+                                    <p:cond delay="0"/>
+                                  </p:stCondLst>
+                                  <p:childTnLst>
+                                    <p:set>
+                                      <p:cBhvr>
+                                        <p:cTn id="22" dur="1" fill="hold">
+                                          <p:stCondLst>
+                                            <p:cond delay="0"/>
+                                          </p:stCondLst>
+                                        </p:cTn>
+                                        <p:tgtEl>
+                                          <p:spTgt spid="5"/>
+                                        </p:tgtEl>
+                                        <p:attrNameLst>
+                                          <p:attrName>style.visibility</p:attrName>
+                                        </p:attrNameLst>
+                                      </p:cBhvr>
+                                      <p:to>
+                                        <p:strVal val="visible"/>
+                                      </p:to>
+                                    </p:set>
+                                    <p:animEffect transition="in" filter="fade">
+                                      <p:cBhvr>
+                                        <p:cTn id="23" dur="500"/>
+                                        <p:tgtEl>
+                                          <p:spTgt spid="5"/>
+                                        </p:tgtEl>
+                                      </p:cBhvr>
+                                    </p:animEffect>
+                                  </p:childTnLst>
+                                </p:cTn>
+                              </p:par>
+                            </p:childTnLst>
+                          </p:cTn>
+                        </p:par>
+                      </p:childTnLst>
+                    </p:cTn>
+                  </p:par>
+                </p:childTnLst>
+              </p:cTn>
+              <p:prevCondLst>
+                <p:cond evt="onPrev" delay="0">
+                  <p:tgtEl>
+                    <p:sldTgt/>
+                  </p:tgtEl>
+                </p:cond>
+              </p:prevCondLst>
+              <p:nextCondLst>
+                <p:cond evt="onNext" delay="0">
+                  <p:tgtEl>
+                    <p:sldTgt/>
+                  </p:tgtEl>
+                </p:cond>
+              </p:nextCondLst>
+            </p:seq>
+          </p:childTnLst>
+        </p:cTn>
+      </p:par>
+    </p:tnLst>
+    <p:bldLst>
+      <p:bldP spid="5" grpId="0"/>
+      <p:bldP spid="6" grpId="0"/>
+      <p:bldP spid="7" grpId="0"/>
+    </p:bldLst>
+  </p:timing>
 </p:sld>
 </file>
 
@@ -3607,6 +4164,89 @@
           <p:cNvPr id="2" name="Title 1">
             <a:extLst>
               <a:ext uri="{FF2B5EF4-FFF2-40B4-BE49-F238E27FC236}">
+                <a16:creationId xmlns:a16="http://schemas.microsoft.com/office/drawing/2014/main" id="{52E5C877-FCC4-8B10-50C2-924FFD68CD9A}"/>
+              </a:ext>
+            </a:extLst>
+          </p:cNvPr>
+          <p:cNvSpPr>
+            <a:spLocks noGrp="1"/>
+          </p:cNvSpPr>
+          <p:nvPr>
+            <p:ph type="title"/>
+          </p:nvPr>
+        </p:nvSpPr>
+        <p:spPr/>
+        <p:txBody>
+          <a:bodyPr/>
+          <a:lstStyle/>
+          <a:p>
+            <a:r>
+              <a:rPr lang="en-US" dirty="0"/>
+              <a:t>Convolutional layer</a:t>
+            </a:r>
+          </a:p>
+        </p:txBody>
+      </p:sp>
+      <p:sp>
+        <p:nvSpPr>
+          <p:cNvPr id="3" name="Content Placeholder 2">
+            <a:extLst>
+              <a:ext uri="{FF2B5EF4-FFF2-40B4-BE49-F238E27FC236}">
+                <a16:creationId xmlns:a16="http://schemas.microsoft.com/office/drawing/2014/main" id="{98167828-7134-6384-2712-0B3A039FCF08}"/>
+              </a:ext>
+            </a:extLst>
+          </p:cNvPr>
+          <p:cNvSpPr>
+            <a:spLocks noGrp="1"/>
+          </p:cNvSpPr>
+          <p:nvPr>
+            <p:ph idx="1"/>
+          </p:nvPr>
+        </p:nvSpPr>
+        <p:spPr/>
+        <p:txBody>
+          <a:bodyPr/>
+          <a:lstStyle/>
+          <a:p>
+            <a:endParaRPr lang="en-US"/>
+          </a:p>
+        </p:txBody>
+      </p:sp>
+    </p:spTree>
+    <p:extLst>
+      <p:ext uri="{BB962C8B-B14F-4D97-AF65-F5344CB8AC3E}">
+        <p14:creationId xmlns:p14="http://schemas.microsoft.com/office/powerpoint/2010/main" val="3173564647"/>
+      </p:ext>
+    </p:extLst>
+  </p:cSld>
+  <p:clrMapOvr>
+    <a:masterClrMapping/>
+  </p:clrMapOvr>
+</p:sld>
+</file>
+
+<file path=ppt/slides/slide5.xml><?xml version="1.0" encoding="utf-8"?>
+<p:sld xmlns:a="http://schemas.openxmlformats.org/drawingml/2006/main" xmlns:r="http://schemas.openxmlformats.org/officeDocument/2006/relationships" xmlns:p="http://schemas.openxmlformats.org/presentationml/2006/main">
+  <p:cSld>
+    <p:spTree>
+      <p:nvGrpSpPr>
+        <p:cNvPr id="1" name=""/>
+        <p:cNvGrpSpPr/>
+        <p:nvPr/>
+      </p:nvGrpSpPr>
+      <p:grpSpPr>
+        <a:xfrm>
+          <a:off x="0" y="0"/>
+          <a:ext cx="0" cy="0"/>
+          <a:chOff x="0" y="0"/>
+          <a:chExt cx="0" cy="0"/>
+        </a:xfrm>
+      </p:grpSpPr>
+      <p:sp>
+        <p:nvSpPr>
+          <p:cNvPr id="2" name="Title 1">
+            <a:extLst>
+              <a:ext uri="{FF2B5EF4-FFF2-40B4-BE49-F238E27FC236}">
                 <a16:creationId xmlns:a16="http://schemas.microsoft.com/office/drawing/2014/main" id="{16764117-189B-1877-CA45-9F7123D63B76}"/>
               </a:ext>
             </a:extLst>
@@ -3668,7 +4308,7 @@
 </p:sld>
 </file>
 
-<file path=ppt/slides/slide5.xml><?xml version="1.0" encoding="utf-8"?>
+<file path=ppt/slides/slide6.xml><?xml version="1.0" encoding="utf-8"?>
 <p:sld xmlns:a="http://schemas.openxmlformats.org/drawingml/2006/main" xmlns:r="http://schemas.openxmlformats.org/officeDocument/2006/relationships" xmlns:p="http://schemas.openxmlformats.org/presentationml/2006/main">
   <p:cSld>
     <p:spTree>

--- a/Slides_4.pptx
+++ b/Slides_4.pptx
@@ -8,9 +8,10 @@
     <p:sldId id="256" r:id="rId2"/>
     <p:sldId id="264" r:id="rId3"/>
     <p:sldId id="262" r:id="rId4"/>
-    <p:sldId id="258" r:id="rId5"/>
-    <p:sldId id="260" r:id="rId6"/>
-    <p:sldId id="259" r:id="rId7"/>
+    <p:sldId id="263" r:id="rId5"/>
+    <p:sldId id="258" r:id="rId6"/>
+    <p:sldId id="260" r:id="rId7"/>
+    <p:sldId id="259" r:id="rId8"/>
   </p:sldIdLst>
   <p:sldSz cx="12192000" cy="6858000"/>
   <p:notesSz cx="6858000" cy="9144000"/>
@@ -4164,7 +4165,7 @@
           <p:cNvPr id="2" name="Title 1">
             <a:extLst>
               <a:ext uri="{FF2B5EF4-FFF2-40B4-BE49-F238E27FC236}">
-                <a16:creationId xmlns:a16="http://schemas.microsoft.com/office/drawing/2014/main" id="{52E5C877-FCC4-8B10-50C2-924FFD68CD9A}"/>
+                <a16:creationId xmlns:a16="http://schemas.microsoft.com/office/drawing/2014/main" id="{A29535A4-D8A7-EBBA-1095-BF26A087E7E9}"/>
               </a:ext>
             </a:extLst>
           </p:cNvPr>
@@ -4182,46 +4183,413 @@
           <a:p>
             <a:r>
               <a:rPr lang="en-US" dirty="0"/>
-              <a:t>Convolutional layer</a:t>
-            </a:r>
-          </a:p>
-        </p:txBody>
-      </p:sp>
-      <p:sp>
-        <p:nvSpPr>
-          <p:cNvPr id="3" name="Content Placeholder 2">
-            <a:extLst>
-              <a:ext uri="{FF2B5EF4-FFF2-40B4-BE49-F238E27FC236}">
-                <a16:creationId xmlns:a16="http://schemas.microsoft.com/office/drawing/2014/main" id="{98167828-7134-6384-2712-0B3A039FCF08}"/>
-              </a:ext>
-            </a:extLst>
-          </p:cNvPr>
-          <p:cNvSpPr>
-            <a:spLocks noGrp="1"/>
-          </p:cNvSpPr>
-          <p:nvPr>
-            <p:ph idx="1"/>
-          </p:nvPr>
-        </p:nvSpPr>
-        <p:spPr/>
-        <p:txBody>
-          <a:bodyPr/>
-          <a:lstStyle/>
-          <a:p>
-            <a:endParaRPr lang="en-US"/>
+              <a:t>1D </a:t>
+            </a:r>
+            <a:r>
+              <a:rPr lang="fr-FR" dirty="0"/>
+              <a:t>perceptron</a:t>
+            </a:r>
+            <a:endParaRPr lang="en-US" dirty="0"/>
+          </a:p>
+        </p:txBody>
+      </p:sp>
+      <mc:AlternateContent xmlns:mc="http://schemas.openxmlformats.org/markup-compatibility/2006">
+        <mc:Choice xmlns:a14="http://schemas.microsoft.com/office/drawing/2010/main" Requires="a14">
+          <p:sp>
+            <p:nvSpPr>
+              <p:cNvPr id="3" name="TextBox 2">
+                <a:extLst>
+                  <a:ext uri="{FF2B5EF4-FFF2-40B4-BE49-F238E27FC236}">
+                    <a16:creationId xmlns:a16="http://schemas.microsoft.com/office/drawing/2014/main" id="{5C6506F2-F170-9A0B-C11A-FFE7BE2B740B}"/>
+                  </a:ext>
+                </a:extLst>
+              </p:cNvPr>
+              <p:cNvSpPr txBox="1"/>
+              <p:nvPr/>
+            </p:nvSpPr>
+            <p:spPr>
+              <a:xfrm>
+                <a:off x="2862471" y="3462457"/>
+                <a:ext cx="548099" cy="646331"/>
+              </a:xfrm>
+              <a:prstGeom prst="rect">
+                <a:avLst/>
+              </a:prstGeom>
+              <a:noFill/>
+            </p:spPr>
+            <p:txBody>
+              <a:bodyPr wrap="none" rtlCol="0">
+                <a:spAutoFit/>
+              </a:bodyPr>
+              <a:lstStyle/>
+              <a:p>
+                <a14:m>
+                  <m:oMathPara xmlns:m="http://schemas.openxmlformats.org/officeDocument/2006/math">
+                    <m:oMathParaPr>
+                      <m:jc m:val="centerGroup"/>
+                    </m:oMathParaPr>
+                    <m:oMath xmlns:m="http://schemas.openxmlformats.org/officeDocument/2006/math">
+                      <m:r>
+                        <a:rPr lang="en-US" sz="3600" b="0" i="1" smtClean="0">
+                          <a:latin typeface="Cambria Math" panose="02040503050406030204" pitchFamily="18" charset="0"/>
+                        </a:rPr>
+                        <m:t>𝑥</m:t>
+                      </m:r>
+                    </m:oMath>
+                  </m:oMathPara>
+                </a14:m>
+                <a:endParaRPr lang="en-US" dirty="0"/>
+              </a:p>
+            </p:txBody>
+          </p:sp>
+        </mc:Choice>
+        <mc:Fallback>
+          <p:sp>
+            <p:nvSpPr>
+              <p:cNvPr id="3" name="TextBox 2">
+                <a:extLst>
+                  <a:ext uri="{FF2B5EF4-FFF2-40B4-BE49-F238E27FC236}">
+                    <a16:creationId xmlns:a16="http://schemas.microsoft.com/office/drawing/2014/main" id="{5C6506F2-F170-9A0B-C11A-FFE7BE2B740B}"/>
+                  </a:ext>
+                </a:extLst>
+              </p:cNvPr>
+              <p:cNvSpPr txBox="1">
+                <a:spLocks noRot="1" noChangeAspect="1" noMove="1" noResize="1" noEditPoints="1" noAdjustHandles="1" noChangeArrowheads="1" noChangeShapeType="1" noTextEdit="1"/>
+              </p:cNvSpPr>
+              <p:nvPr/>
+            </p:nvSpPr>
+            <p:spPr>
+              <a:xfrm>
+                <a:off x="2862471" y="3462457"/>
+                <a:ext cx="548099" cy="646331"/>
+              </a:xfrm>
+              <a:prstGeom prst="rect">
+                <a:avLst/>
+              </a:prstGeom>
+              <a:blipFill>
+                <a:blip r:embed="rId2"/>
+                <a:stretch>
+                  <a:fillRect/>
+                </a:stretch>
+              </a:blipFill>
+            </p:spPr>
+            <p:txBody>
+              <a:bodyPr/>
+              <a:lstStyle/>
+              <a:p>
+                <a:r>
+                  <a:rPr lang="en-US">
+                    <a:noFill/>
+                  </a:rPr>
+                  <a:t> </a:t>
+                </a:r>
+              </a:p>
+            </p:txBody>
+          </p:sp>
+        </mc:Fallback>
+      </mc:AlternateContent>
+      <mc:AlternateContent xmlns:mc="http://schemas.openxmlformats.org/markup-compatibility/2006">
+        <mc:Choice xmlns:a14="http://schemas.microsoft.com/office/drawing/2010/main" Requires="a14">
+          <p:sp>
+            <p:nvSpPr>
+              <p:cNvPr id="4" name="TextBox 3">
+                <a:extLst>
+                  <a:ext uri="{FF2B5EF4-FFF2-40B4-BE49-F238E27FC236}">
+                    <a16:creationId xmlns:a16="http://schemas.microsoft.com/office/drawing/2014/main" id="{7608343D-2595-6697-17C5-C3800AB12E5A}"/>
+                  </a:ext>
+                </a:extLst>
+              </p:cNvPr>
+              <p:cNvSpPr txBox="1"/>
+              <p:nvPr/>
+            </p:nvSpPr>
+            <p:spPr>
+              <a:xfrm>
+                <a:off x="8910388" y="3462457"/>
+                <a:ext cx="554832" cy="646331"/>
+              </a:xfrm>
+              <a:prstGeom prst="rect">
+                <a:avLst/>
+              </a:prstGeom>
+              <a:noFill/>
+            </p:spPr>
+            <p:txBody>
+              <a:bodyPr wrap="none" rtlCol="0">
+                <a:spAutoFit/>
+              </a:bodyPr>
+              <a:lstStyle/>
+              <a:p>
+                <a14:m>
+                  <m:oMathPara xmlns:m="http://schemas.openxmlformats.org/officeDocument/2006/math">
+                    <m:oMathParaPr>
+                      <m:jc m:val="centerGroup"/>
+                    </m:oMathParaPr>
+                    <m:oMath xmlns:m="http://schemas.openxmlformats.org/officeDocument/2006/math">
+                      <m:r>
+                        <a:rPr lang="en-US" sz="3600" b="0" i="1" smtClean="0">
+                          <a:latin typeface="Cambria Math" panose="02040503050406030204" pitchFamily="18" charset="0"/>
+                        </a:rPr>
+                        <m:t>𝑦</m:t>
+                      </m:r>
+                    </m:oMath>
+                  </m:oMathPara>
+                </a14:m>
+                <a:endParaRPr lang="en-US" sz="3600" dirty="0"/>
+              </a:p>
+            </p:txBody>
+          </p:sp>
+        </mc:Choice>
+        <mc:Fallback>
+          <p:sp>
+            <p:nvSpPr>
+              <p:cNvPr id="4" name="TextBox 3">
+                <a:extLst>
+                  <a:ext uri="{FF2B5EF4-FFF2-40B4-BE49-F238E27FC236}">
+                    <a16:creationId xmlns:a16="http://schemas.microsoft.com/office/drawing/2014/main" id="{7608343D-2595-6697-17C5-C3800AB12E5A}"/>
+                  </a:ext>
+                </a:extLst>
+              </p:cNvPr>
+              <p:cNvSpPr txBox="1">
+                <a:spLocks noRot="1" noChangeAspect="1" noMove="1" noResize="1" noEditPoints="1" noAdjustHandles="1" noChangeArrowheads="1" noChangeShapeType="1" noTextEdit="1"/>
+              </p:cNvSpPr>
+              <p:nvPr/>
+            </p:nvSpPr>
+            <p:spPr>
+              <a:xfrm>
+                <a:off x="8910388" y="3462457"/>
+                <a:ext cx="554832" cy="646331"/>
+              </a:xfrm>
+              <a:prstGeom prst="rect">
+                <a:avLst/>
+              </a:prstGeom>
+              <a:blipFill>
+                <a:blip r:embed="rId3"/>
+                <a:stretch>
+                  <a:fillRect/>
+                </a:stretch>
+              </a:blipFill>
+            </p:spPr>
+            <p:txBody>
+              <a:bodyPr/>
+              <a:lstStyle/>
+              <a:p>
+                <a:r>
+                  <a:rPr lang="en-US">
+                    <a:noFill/>
+                  </a:rPr>
+                  <a:t> </a:t>
+                </a:r>
+              </a:p>
+            </p:txBody>
+          </p:sp>
+        </mc:Fallback>
+      </mc:AlternateContent>
+      <p:pic>
+        <p:nvPicPr>
+          <p:cNvPr id="8" name="Graphic 7">
+            <a:extLst>
+              <a:ext uri="{FF2B5EF4-FFF2-40B4-BE49-F238E27FC236}">
+                <a16:creationId xmlns:a16="http://schemas.microsoft.com/office/drawing/2014/main" id="{08BC5108-E200-F61F-FB05-13DB73E4D4A1}"/>
+              </a:ext>
+            </a:extLst>
+          </p:cNvPr>
+          <p:cNvPicPr>
+            <a:picLocks noChangeAspect="1"/>
+          </p:cNvPicPr>
+          <p:nvPr/>
+        </p:nvPicPr>
+        <p:blipFill>
+          <a:blip r:embed="rId4">
+            <a:extLst>
+              <a:ext uri="{28A0092B-C50C-407E-A947-70E740481C1C}">
+                <a14:useLocalDpi xmlns:a14="http://schemas.microsoft.com/office/drawing/2010/main" val="0"/>
+              </a:ext>
+              <a:ext uri="{96DAC541-7B7A-43D3-8B79-37D633B846F1}">
+                <asvg:svgBlip xmlns:asvg="http://schemas.microsoft.com/office/drawing/2016/SVG/main" r:embed="rId5"/>
+              </a:ext>
+            </a:extLst>
+          </a:blip>
+          <a:stretch>
+            <a:fillRect/>
+          </a:stretch>
+        </p:blipFill>
+        <p:spPr>
+          <a:xfrm>
+            <a:off x="4407884" y="1401763"/>
+            <a:ext cx="3376232" cy="4775200"/>
+          </a:xfrm>
+          <a:prstGeom prst="rect">
+            <a:avLst/>
+          </a:prstGeom>
+        </p:spPr>
+      </p:pic>
+      <p:sp>
+        <p:nvSpPr>
+          <p:cNvPr id="11" name="TextBox 10">
+            <a:extLst>
+              <a:ext uri="{FF2B5EF4-FFF2-40B4-BE49-F238E27FC236}">
+                <a16:creationId xmlns:a16="http://schemas.microsoft.com/office/drawing/2014/main" id="{116C7DE0-C8BD-A9C4-2FDA-3D10A42710C9}"/>
+              </a:ext>
+            </a:extLst>
+          </p:cNvPr>
+          <p:cNvSpPr txBox="1"/>
+          <p:nvPr/>
+        </p:nvSpPr>
+        <p:spPr>
+          <a:xfrm>
+            <a:off x="838200" y="6204635"/>
+            <a:ext cx="10515600" cy="369332"/>
+          </a:xfrm>
+          <a:prstGeom prst="rect">
+            <a:avLst/>
+          </a:prstGeom>
+          <a:noFill/>
+        </p:spPr>
+        <p:txBody>
+          <a:bodyPr wrap="square">
+            <a:spAutoFit/>
+          </a:bodyPr>
+          <a:lstStyle/>
+          <a:p>
+            <a:pPr algn="ctr"/>
+            <a:r>
+              <a:rPr lang="en-US" dirty="0"/>
+              <a:t>“any continuous function can be approximated by a 2 layers perceptron” (with ReLU activation)</a:t>
+            </a:r>
+          </a:p>
+        </p:txBody>
+      </p:sp>
+      <p:sp>
+        <p:nvSpPr>
+          <p:cNvPr id="12" name="TextBox 11">
+            <a:extLst>
+              <a:ext uri="{FF2B5EF4-FFF2-40B4-BE49-F238E27FC236}">
+                <a16:creationId xmlns:a16="http://schemas.microsoft.com/office/drawing/2014/main" id="{0BD58561-E49E-71DB-38CF-F025364B1139}"/>
+              </a:ext>
+            </a:extLst>
+          </p:cNvPr>
+          <p:cNvSpPr txBox="1"/>
+          <p:nvPr/>
+        </p:nvSpPr>
+        <p:spPr>
+          <a:xfrm>
+            <a:off x="838200" y="6492875"/>
+            <a:ext cx="10515600" cy="369332"/>
+          </a:xfrm>
+          <a:prstGeom prst="rect">
+            <a:avLst/>
+          </a:prstGeom>
+          <a:noFill/>
+        </p:spPr>
+        <p:txBody>
+          <a:bodyPr wrap="square">
+            <a:spAutoFit/>
+          </a:bodyPr>
+          <a:lstStyle/>
+          <a:p>
+            <a:pPr algn="ctr"/>
+            <a:r>
+              <a:rPr lang="en-US" dirty="0"/>
+              <a:t>… provided there are enough neurons in the middle layer!</a:t>
+            </a:r>
           </a:p>
         </p:txBody>
       </p:sp>
     </p:spTree>
     <p:extLst>
       <p:ext uri="{BB962C8B-B14F-4D97-AF65-F5344CB8AC3E}">
-        <p14:creationId xmlns:p14="http://schemas.microsoft.com/office/powerpoint/2010/main" val="3173564647"/>
+        <p14:creationId xmlns:p14="http://schemas.microsoft.com/office/powerpoint/2010/main" val="954690009"/>
       </p:ext>
     </p:extLst>
   </p:cSld>
   <p:clrMapOvr>
     <a:masterClrMapping/>
   </p:clrMapOvr>
+  <p:timing>
+    <p:tnLst>
+      <p:par>
+        <p:cTn id="1" dur="indefinite" restart="never" nodeType="tmRoot">
+          <p:childTnLst>
+            <p:seq concurrent="1" nextAc="seek">
+              <p:cTn id="2" dur="indefinite" nodeType="mainSeq">
+                <p:childTnLst>
+                  <p:par>
+                    <p:cTn id="3" fill="hold">
+                      <p:stCondLst>
+                        <p:cond delay="indefinite"/>
+                      </p:stCondLst>
+                      <p:childTnLst>
+                        <p:par>
+                          <p:cTn id="4" fill="hold">
+                            <p:stCondLst>
+                              <p:cond delay="0"/>
+                            </p:stCondLst>
+                            <p:childTnLst>
+                              <p:par>
+                                <p:cTn id="5" presetID="10" presetClass="entr" presetSubtype="0" fill="hold" grpId="0" nodeType="clickEffect">
+                                  <p:stCondLst>
+                                    <p:cond delay="0"/>
+                                  </p:stCondLst>
+                                  <p:childTnLst>
+                                    <p:set>
+                                      <p:cBhvr>
+                                        <p:cTn id="6" dur="1" fill="hold">
+                                          <p:stCondLst>
+                                            <p:cond delay="0"/>
+                                          </p:stCondLst>
+                                        </p:cTn>
+                                        <p:tgtEl>
+                                          <p:spTgt spid="12"/>
+                                        </p:tgtEl>
+                                        <p:attrNameLst>
+                                          <p:attrName>style.visibility</p:attrName>
+                                        </p:attrNameLst>
+                                      </p:cBhvr>
+                                      <p:to>
+                                        <p:strVal val="visible"/>
+                                      </p:to>
+                                    </p:set>
+                                    <p:animEffect transition="in" filter="fade">
+                                      <p:cBhvr>
+                                        <p:cTn id="7" dur="500"/>
+                                        <p:tgtEl>
+                                          <p:spTgt spid="12"/>
+                                        </p:tgtEl>
+                                      </p:cBhvr>
+                                    </p:animEffect>
+                                  </p:childTnLst>
+                                </p:cTn>
+                              </p:par>
+                            </p:childTnLst>
+                          </p:cTn>
+                        </p:par>
+                      </p:childTnLst>
+                    </p:cTn>
+                  </p:par>
+                </p:childTnLst>
+              </p:cTn>
+              <p:prevCondLst>
+                <p:cond evt="onPrev" delay="0">
+                  <p:tgtEl>
+                    <p:sldTgt/>
+                  </p:tgtEl>
+                </p:cond>
+              </p:prevCondLst>
+              <p:nextCondLst>
+                <p:cond evt="onNext" delay="0">
+                  <p:tgtEl>
+                    <p:sldTgt/>
+                  </p:tgtEl>
+                </p:cond>
+              </p:nextCondLst>
+            </p:seq>
+          </p:childTnLst>
+        </p:cTn>
+      </p:par>
+    </p:tnLst>
+    <p:bldLst>
+      <p:bldP spid="12" grpId="0"/>
+    </p:bldLst>
+  </p:timing>
 </p:sld>
 </file>
 
@@ -4247,6 +4615,89 @@
           <p:cNvPr id="2" name="Title 1">
             <a:extLst>
               <a:ext uri="{FF2B5EF4-FFF2-40B4-BE49-F238E27FC236}">
+                <a16:creationId xmlns:a16="http://schemas.microsoft.com/office/drawing/2014/main" id="{52E5C877-FCC4-8B10-50C2-924FFD68CD9A}"/>
+              </a:ext>
+            </a:extLst>
+          </p:cNvPr>
+          <p:cNvSpPr>
+            <a:spLocks noGrp="1"/>
+          </p:cNvSpPr>
+          <p:nvPr>
+            <p:ph type="title"/>
+          </p:nvPr>
+        </p:nvSpPr>
+        <p:spPr/>
+        <p:txBody>
+          <a:bodyPr/>
+          <a:lstStyle/>
+          <a:p>
+            <a:r>
+              <a:rPr lang="en-US" dirty="0"/>
+              <a:t>Convolutional layer</a:t>
+            </a:r>
+          </a:p>
+        </p:txBody>
+      </p:sp>
+      <p:sp>
+        <p:nvSpPr>
+          <p:cNvPr id="3" name="Content Placeholder 2">
+            <a:extLst>
+              <a:ext uri="{FF2B5EF4-FFF2-40B4-BE49-F238E27FC236}">
+                <a16:creationId xmlns:a16="http://schemas.microsoft.com/office/drawing/2014/main" id="{98167828-7134-6384-2712-0B3A039FCF08}"/>
+              </a:ext>
+            </a:extLst>
+          </p:cNvPr>
+          <p:cNvSpPr>
+            <a:spLocks noGrp="1"/>
+          </p:cNvSpPr>
+          <p:nvPr>
+            <p:ph idx="1"/>
+          </p:nvPr>
+        </p:nvSpPr>
+        <p:spPr/>
+        <p:txBody>
+          <a:bodyPr/>
+          <a:lstStyle/>
+          <a:p>
+            <a:endParaRPr lang="en-US"/>
+          </a:p>
+        </p:txBody>
+      </p:sp>
+    </p:spTree>
+    <p:extLst>
+      <p:ext uri="{BB962C8B-B14F-4D97-AF65-F5344CB8AC3E}">
+        <p14:creationId xmlns:p14="http://schemas.microsoft.com/office/powerpoint/2010/main" val="3173564647"/>
+      </p:ext>
+    </p:extLst>
+  </p:cSld>
+  <p:clrMapOvr>
+    <a:masterClrMapping/>
+  </p:clrMapOvr>
+</p:sld>
+</file>
+
+<file path=ppt/slides/slide6.xml><?xml version="1.0" encoding="utf-8"?>
+<p:sld xmlns:a="http://schemas.openxmlformats.org/drawingml/2006/main" xmlns:r="http://schemas.openxmlformats.org/officeDocument/2006/relationships" xmlns:p="http://schemas.openxmlformats.org/presentationml/2006/main">
+  <p:cSld>
+    <p:spTree>
+      <p:nvGrpSpPr>
+        <p:cNvPr id="1" name=""/>
+        <p:cNvGrpSpPr/>
+        <p:nvPr/>
+      </p:nvGrpSpPr>
+      <p:grpSpPr>
+        <a:xfrm>
+          <a:off x="0" y="0"/>
+          <a:ext cx="0" cy="0"/>
+          <a:chOff x="0" y="0"/>
+          <a:chExt cx="0" cy="0"/>
+        </a:xfrm>
+      </p:grpSpPr>
+      <p:sp>
+        <p:nvSpPr>
+          <p:cNvPr id="2" name="Title 1">
+            <a:extLst>
+              <a:ext uri="{FF2B5EF4-FFF2-40B4-BE49-F238E27FC236}">
                 <a16:creationId xmlns:a16="http://schemas.microsoft.com/office/drawing/2014/main" id="{16764117-189B-1877-CA45-9F7123D63B76}"/>
               </a:ext>
             </a:extLst>
@@ -4308,7 +4759,7 @@
 </p:sld>
 </file>
 
-<file path=ppt/slides/slide6.xml><?xml version="1.0" encoding="utf-8"?>
+<file path=ppt/slides/slide7.xml><?xml version="1.0" encoding="utf-8"?>
 <p:sld xmlns:a="http://schemas.openxmlformats.org/drawingml/2006/main" xmlns:r="http://schemas.openxmlformats.org/officeDocument/2006/relationships" xmlns:p="http://schemas.openxmlformats.org/presentationml/2006/main">
   <p:cSld>
     <p:spTree>

--- a/Slides_4.pptx
+++ b/Slides_4.pptx
@@ -9,9 +9,10 @@
     <p:sldId id="264" r:id="rId3"/>
     <p:sldId id="262" r:id="rId4"/>
     <p:sldId id="263" r:id="rId5"/>
-    <p:sldId id="258" r:id="rId6"/>
-    <p:sldId id="260" r:id="rId7"/>
-    <p:sldId id="259" r:id="rId8"/>
+    <p:sldId id="265" r:id="rId6"/>
+    <p:sldId id="258" r:id="rId7"/>
+    <p:sldId id="260" r:id="rId8"/>
+    <p:sldId id="259" r:id="rId9"/>
   </p:sldIdLst>
   <p:sldSz cx="12192000" cy="6858000"/>
   <p:notesSz cx="6858000" cy="9144000"/>
@@ -4615,7 +4616,7 @@
           <p:cNvPr id="2" name="Title 1">
             <a:extLst>
               <a:ext uri="{FF2B5EF4-FFF2-40B4-BE49-F238E27FC236}">
-                <a16:creationId xmlns:a16="http://schemas.microsoft.com/office/drawing/2014/main" id="{52E5C877-FCC4-8B10-50C2-924FFD68CD9A}"/>
+                <a16:creationId xmlns:a16="http://schemas.microsoft.com/office/drawing/2014/main" id="{2C1DFD1A-5438-2E61-2F4E-780EF3D34C28}"/>
               </a:ext>
             </a:extLst>
           </p:cNvPr>
@@ -4633,40 +4634,437 @@
           <a:p>
             <a:r>
               <a:rPr lang="en-US" dirty="0"/>
-              <a:t>Convolutional layer</a:t>
-            </a:r>
-          </a:p>
-        </p:txBody>
-      </p:sp>
-      <p:sp>
-        <p:nvSpPr>
-          <p:cNvPr id="3" name="Content Placeholder 2">
-            <a:extLst>
-              <a:ext uri="{FF2B5EF4-FFF2-40B4-BE49-F238E27FC236}">
-                <a16:creationId xmlns:a16="http://schemas.microsoft.com/office/drawing/2014/main" id="{98167828-7134-6384-2712-0B3A039FCF08}"/>
-              </a:ext>
-            </a:extLst>
-          </p:cNvPr>
-          <p:cNvSpPr>
-            <a:spLocks noGrp="1"/>
-          </p:cNvSpPr>
-          <p:nvPr>
-            <p:ph idx="1"/>
-          </p:nvPr>
-        </p:nvSpPr>
-        <p:spPr/>
-        <p:txBody>
-          <a:bodyPr/>
-          <a:lstStyle/>
-          <a:p>
-            <a:endParaRPr lang="en-US"/>
-          </a:p>
-        </p:txBody>
-      </p:sp>
+              <a:t>Theorem</a:t>
+            </a:r>
+          </a:p>
+        </p:txBody>
+      </p:sp>
+      <mc:AlternateContent xmlns:mc="http://schemas.openxmlformats.org/markup-compatibility/2006">
+        <mc:Choice xmlns:a14="http://schemas.microsoft.com/office/drawing/2010/main" Requires="a14">
+          <p:sp>
+            <p:nvSpPr>
+              <p:cNvPr id="3" name="Content Placeholder 2">
+                <a:extLst>
+                  <a:ext uri="{FF2B5EF4-FFF2-40B4-BE49-F238E27FC236}">
+                    <a16:creationId xmlns:a16="http://schemas.microsoft.com/office/drawing/2014/main" id="{7F292374-E8A8-1E0B-48A0-6FEFFBACAC3F}"/>
+                  </a:ext>
+                </a:extLst>
+              </p:cNvPr>
+              <p:cNvSpPr>
+                <a:spLocks noGrp="1"/>
+              </p:cNvSpPr>
+              <p:nvPr>
+                <p:ph idx="1"/>
+              </p:nvPr>
+            </p:nvSpPr>
+            <p:spPr/>
+            <p:txBody>
+              <a:bodyPr/>
+              <a:lstStyle/>
+              <a:p>
+                <a:r>
+                  <a:rPr lang="en-US" dirty="0"/>
+                  <a:t>Let </a:t>
+                </a:r>
+                <a14:m>
+                  <m:oMath xmlns:m="http://schemas.openxmlformats.org/officeDocument/2006/math">
+                    <m:r>
+                      <a:rPr lang="en-US" b="0" i="1" smtClean="0">
+                        <a:latin typeface="Cambria Math" panose="02040503050406030204" pitchFamily="18" charset="0"/>
+                      </a:rPr>
+                      <m:t>𝑓</m:t>
+                    </m:r>
+                    <m:r>
+                      <a:rPr lang="en-US" b="0" i="1" smtClean="0">
+                        <a:latin typeface="Cambria Math" panose="02040503050406030204" pitchFamily="18" charset="0"/>
+                      </a:rPr>
+                      <m:t>∈</m:t>
+                    </m:r>
+                    <m:r>
+                      <a:rPr lang="en-US" b="0" i="1" smtClean="0">
+                        <a:latin typeface="Cambria Math" panose="02040503050406030204" pitchFamily="18" charset="0"/>
+                      </a:rPr>
+                      <m:t>𝒞</m:t>
+                    </m:r>
+                    <m:d>
+                      <m:dPr>
+                        <m:ctrlPr>
+                          <a:rPr lang="en-US" b="0" i="1" smtClean="0">
+                            <a:latin typeface="Cambria Math" panose="02040503050406030204" pitchFamily="18" charset="0"/>
+                          </a:rPr>
+                        </m:ctrlPr>
+                      </m:dPr>
+                      <m:e>
+                        <m:d>
+                          <m:dPr>
+                            <m:begChr m:val="["/>
+                            <m:endChr m:val="]"/>
+                            <m:ctrlPr>
+                              <a:rPr lang="en-US" b="0" i="1" smtClean="0">
+                                <a:latin typeface="Cambria Math" panose="02040503050406030204" pitchFamily="18" charset="0"/>
+                              </a:rPr>
+                            </m:ctrlPr>
+                          </m:dPr>
+                          <m:e>
+                            <m:r>
+                              <a:rPr lang="en-US" b="0" i="1" smtClean="0">
+                                <a:latin typeface="Cambria Math" panose="02040503050406030204" pitchFamily="18" charset="0"/>
+                              </a:rPr>
+                              <m:t>𝑎</m:t>
+                            </m:r>
+                            <m:r>
+                              <a:rPr lang="en-US" b="0" i="1" smtClean="0">
+                                <a:latin typeface="Cambria Math" panose="02040503050406030204" pitchFamily="18" charset="0"/>
+                              </a:rPr>
+                              <m:t>,</m:t>
+                            </m:r>
+                            <m:r>
+                              <a:rPr lang="en-US" b="0" i="1" smtClean="0">
+                                <a:latin typeface="Cambria Math" panose="02040503050406030204" pitchFamily="18" charset="0"/>
+                              </a:rPr>
+                              <m:t>𝑏</m:t>
+                            </m:r>
+                          </m:e>
+                        </m:d>
+                      </m:e>
+                    </m:d>
+                  </m:oMath>
+                </a14:m>
+                <a:r>
+                  <a:rPr lang="en-US" dirty="0">
+                    <a:latin typeface="Cambria Math" panose="02040503050406030204" pitchFamily="18" charset="0"/>
+                  </a:rPr>
+                  <a:t> </a:t>
+                </a:r>
+                <a:endParaRPr lang="en-US" b="0" i="1" dirty="0">
+                  <a:latin typeface="Cambria Math" panose="02040503050406030204" pitchFamily="18" charset="0"/>
+                </a:endParaRPr>
+              </a:p>
+              <a:p>
+                <a14:m>
+                  <m:oMath xmlns:m="http://schemas.openxmlformats.org/officeDocument/2006/math">
+                    <m:r>
+                      <a:rPr lang="en-US" b="0" i="1" smtClean="0">
+                        <a:latin typeface="Cambria Math" panose="02040503050406030204" pitchFamily="18" charset="0"/>
+                      </a:rPr>
+                      <m:t>𝒫</m:t>
+                    </m:r>
+                    <m:r>
+                      <a:rPr lang="en-US" b="0" i="1" smtClean="0">
+                        <a:latin typeface="Cambria Math" panose="02040503050406030204" pitchFamily="18" charset="0"/>
+                      </a:rPr>
+                      <m:t>(</m:t>
+                    </m:r>
+                    <m:r>
+                      <a:rPr lang="en-US" b="0" i="1" smtClean="0">
+                        <a:latin typeface="Cambria Math" panose="02040503050406030204" pitchFamily="18" charset="0"/>
+                      </a:rPr>
+                      <m:t>𝑛</m:t>
+                    </m:r>
+                    <m:r>
+                      <a:rPr lang="en-US" b="0" i="1" smtClean="0">
+                        <a:latin typeface="Cambria Math" panose="02040503050406030204" pitchFamily="18" charset="0"/>
+                      </a:rPr>
+                      <m:t>)</m:t>
+                    </m:r>
+                  </m:oMath>
+                </a14:m>
+                <a:r>
+                  <a:rPr lang="en-US" dirty="0"/>
+                  <a:t> the set of 2 layers preceptrons with </a:t>
+                </a:r>
+                <a14:m>
+                  <m:oMath xmlns:m="http://schemas.openxmlformats.org/officeDocument/2006/math">
+                    <m:r>
+                      <a:rPr lang="en-US" i="1">
+                        <a:latin typeface="Cambria Math" panose="02040503050406030204" pitchFamily="18" charset="0"/>
+                      </a:rPr>
+                      <m:t>𝑛</m:t>
+                    </m:r>
+                    <m:r>
+                      <a:rPr lang="en-US" i="1">
+                        <a:latin typeface="Cambria Math" panose="02040503050406030204" pitchFamily="18" charset="0"/>
+                      </a:rPr>
+                      <m:t> </m:t>
+                    </m:r>
+                  </m:oMath>
+                </a14:m>
+                <a:r>
+                  <a:rPr lang="en-US" dirty="0"/>
+                  <a:t> neurons</a:t>
+                </a:r>
+              </a:p>
+              <a:p>
+                <a:endParaRPr lang="en-US" dirty="0"/>
+              </a:p>
+              <a:p>
+                <a:r>
+                  <a:rPr lang="en-US" b="1" dirty="0"/>
+                  <a:t>Then:           </a:t>
+                </a:r>
+                <a14:m>
+                  <m:oMath xmlns:m="http://schemas.openxmlformats.org/officeDocument/2006/math">
+                    <m:r>
+                      <a:rPr lang="en-US" b="1" i="1" smtClean="0">
+                        <a:latin typeface="Cambria Math" panose="02040503050406030204" pitchFamily="18" charset="0"/>
+                      </a:rPr>
+                      <m:t>∀</m:t>
+                    </m:r>
+                    <m:r>
+                      <a:rPr lang="en-US" b="1" i="1" smtClean="0">
+                        <a:latin typeface="Cambria Math" panose="02040503050406030204" pitchFamily="18" charset="0"/>
+                      </a:rPr>
+                      <m:t>𝜺</m:t>
+                    </m:r>
+                    <m:r>
+                      <a:rPr lang="en-US" b="1" i="1" smtClean="0">
+                        <a:latin typeface="Cambria Math" panose="02040503050406030204" pitchFamily="18" charset="0"/>
+                      </a:rPr>
+                      <m:t>&gt;</m:t>
+                    </m:r>
+                    <m:r>
+                      <a:rPr lang="en-US" b="1" i="1" smtClean="0">
+                        <a:latin typeface="Cambria Math" panose="02040503050406030204" pitchFamily="18" charset="0"/>
+                      </a:rPr>
+                      <m:t>𝟎</m:t>
+                    </m:r>
+                    <m:r>
+                      <a:rPr lang="en-US" b="1" i="1" smtClean="0">
+                        <a:latin typeface="Cambria Math" panose="02040503050406030204" pitchFamily="18" charset="0"/>
+                      </a:rPr>
+                      <m:t>,   ∃ </m:t>
+                    </m:r>
+                    <m:r>
+                      <a:rPr lang="en-US" b="1" i="1" smtClean="0">
+                        <a:latin typeface="Cambria Math" panose="02040503050406030204" pitchFamily="18" charset="0"/>
+                      </a:rPr>
+                      <m:t>𝒏</m:t>
+                    </m:r>
+                    <m:r>
+                      <a:rPr lang="en-US" b="1" i="1" smtClean="0">
+                        <a:latin typeface="Cambria Math" panose="02040503050406030204" pitchFamily="18" charset="0"/>
+                      </a:rPr>
+                      <m:t>∈</m:t>
+                    </m:r>
+                    <m:r>
+                      <a:rPr lang="en-US" b="1" i="1" smtClean="0">
+                        <a:latin typeface="Cambria Math" panose="02040503050406030204" pitchFamily="18" charset="0"/>
+                        <a:ea typeface="Cambria Math" panose="02040503050406030204" pitchFamily="18" charset="0"/>
+                      </a:rPr>
+                      <m:t>ℕ</m:t>
+                    </m:r>
+                    <m:r>
+                      <a:rPr lang="en-US" b="1" i="1" smtClean="0">
+                        <a:latin typeface="Cambria Math" panose="02040503050406030204" pitchFamily="18" charset="0"/>
+                        <a:ea typeface="Cambria Math" panose="02040503050406030204" pitchFamily="18" charset="0"/>
+                      </a:rPr>
+                      <m:t>, </m:t>
+                    </m:r>
+                    <m:r>
+                      <a:rPr lang="en-US" b="1" i="1" smtClean="0">
+                        <a:latin typeface="Cambria Math" panose="02040503050406030204" pitchFamily="18" charset="0"/>
+                        <a:ea typeface="Cambria Math" panose="02040503050406030204" pitchFamily="18" charset="0"/>
+                      </a:rPr>
+                      <m:t>𝒑</m:t>
+                    </m:r>
+                    <m:r>
+                      <a:rPr lang="en-US" b="1" i="1" smtClean="0">
+                        <a:latin typeface="Cambria Math" panose="02040503050406030204" pitchFamily="18" charset="0"/>
+                        <a:ea typeface="Cambria Math" panose="02040503050406030204" pitchFamily="18" charset="0"/>
+                      </a:rPr>
+                      <m:t>∈</m:t>
+                    </m:r>
+                    <m:r>
+                      <a:rPr lang="en-US" b="1" i="1" smtClean="0">
+                        <a:latin typeface="Cambria Math" panose="02040503050406030204" pitchFamily="18" charset="0"/>
+                        <a:ea typeface="Cambria Math" panose="02040503050406030204" pitchFamily="18" charset="0"/>
+                      </a:rPr>
+                      <m:t>𝓟</m:t>
+                    </m:r>
+                    <m:d>
+                      <m:dPr>
+                        <m:ctrlPr>
+                          <a:rPr lang="en-US" b="1" i="1" smtClean="0">
+                            <a:latin typeface="Cambria Math" panose="02040503050406030204" pitchFamily="18" charset="0"/>
+                            <a:ea typeface="Cambria Math" panose="02040503050406030204" pitchFamily="18" charset="0"/>
+                          </a:rPr>
+                        </m:ctrlPr>
+                      </m:dPr>
+                      <m:e>
+                        <m:r>
+                          <a:rPr lang="en-US" b="1" i="1" smtClean="0">
+                            <a:latin typeface="Cambria Math" panose="02040503050406030204" pitchFamily="18" charset="0"/>
+                            <a:ea typeface="Cambria Math" panose="02040503050406030204" pitchFamily="18" charset="0"/>
+                          </a:rPr>
+                          <m:t>𝒏</m:t>
+                        </m:r>
+                      </m:e>
+                    </m:d>
+                    <m:r>
+                      <a:rPr lang="en-US" b="1" i="1" smtClean="0">
+                        <a:latin typeface="Cambria Math" panose="02040503050406030204" pitchFamily="18" charset="0"/>
+                        <a:ea typeface="Cambria Math" panose="02040503050406030204" pitchFamily="18" charset="0"/>
+                      </a:rPr>
+                      <m:t>   </m:t>
+                    </m:r>
+                    <m:r>
+                      <a:rPr lang="en-US" b="1" i="1" smtClean="0">
+                        <a:latin typeface="Cambria Math" panose="02040503050406030204" pitchFamily="18" charset="0"/>
+                        <a:ea typeface="Cambria Math" panose="02040503050406030204" pitchFamily="18" charset="0"/>
+                      </a:rPr>
+                      <m:t>𝒔</m:t>
+                    </m:r>
+                    <m:r>
+                      <a:rPr lang="en-US" b="1" i="1" smtClean="0">
+                        <a:latin typeface="Cambria Math" panose="02040503050406030204" pitchFamily="18" charset="0"/>
+                        <a:ea typeface="Cambria Math" panose="02040503050406030204" pitchFamily="18" charset="0"/>
+                      </a:rPr>
+                      <m:t>.</m:t>
+                    </m:r>
+                    <m:r>
+                      <a:rPr lang="en-US" b="1" i="1" smtClean="0">
+                        <a:latin typeface="Cambria Math" panose="02040503050406030204" pitchFamily="18" charset="0"/>
+                        <a:ea typeface="Cambria Math" panose="02040503050406030204" pitchFamily="18" charset="0"/>
+                      </a:rPr>
+                      <m:t>𝒕</m:t>
+                    </m:r>
+                    <m:r>
+                      <a:rPr lang="en-US" b="1" i="1" smtClean="0">
+                        <a:latin typeface="Cambria Math" panose="02040503050406030204" pitchFamily="18" charset="0"/>
+                        <a:ea typeface="Cambria Math" panose="02040503050406030204" pitchFamily="18" charset="0"/>
+                      </a:rPr>
+                      <m:t>.   </m:t>
+                    </m:r>
+                    <m:sSub>
+                      <m:sSubPr>
+                        <m:ctrlPr>
+                          <a:rPr lang="en-US" b="1" i="1" smtClean="0">
+                            <a:latin typeface="Cambria Math" panose="02040503050406030204" pitchFamily="18" charset="0"/>
+                            <a:ea typeface="Cambria Math" panose="02040503050406030204" pitchFamily="18" charset="0"/>
+                          </a:rPr>
+                        </m:ctrlPr>
+                      </m:sSubPr>
+                      <m:e>
+                        <m:d>
+                          <m:dPr>
+                            <m:begChr m:val="|"/>
+                            <m:endChr m:val="|"/>
+                            <m:ctrlPr>
+                              <a:rPr lang="en-US" b="1" i="1" smtClean="0">
+                                <a:latin typeface="Cambria Math" panose="02040503050406030204" pitchFamily="18" charset="0"/>
+                                <a:ea typeface="Cambria Math" panose="02040503050406030204" pitchFamily="18" charset="0"/>
+                              </a:rPr>
+                            </m:ctrlPr>
+                          </m:dPr>
+                          <m:e>
+                            <m:r>
+                              <a:rPr lang="en-US" b="1" i="1" smtClean="0">
+                                <a:latin typeface="Cambria Math" panose="02040503050406030204" pitchFamily="18" charset="0"/>
+                                <a:ea typeface="Cambria Math" panose="02040503050406030204" pitchFamily="18" charset="0"/>
+                              </a:rPr>
+                              <m:t>𝒇</m:t>
+                            </m:r>
+                            <m:r>
+                              <a:rPr lang="en-US" b="1" i="1" smtClean="0">
+                                <a:latin typeface="Cambria Math" panose="02040503050406030204" pitchFamily="18" charset="0"/>
+                                <a:ea typeface="Cambria Math" panose="02040503050406030204" pitchFamily="18" charset="0"/>
+                              </a:rPr>
+                              <m:t>−</m:t>
+                            </m:r>
+                            <m:r>
+                              <a:rPr lang="en-US" b="1" i="1" smtClean="0">
+                                <a:latin typeface="Cambria Math" panose="02040503050406030204" pitchFamily="18" charset="0"/>
+                                <a:ea typeface="Cambria Math" panose="02040503050406030204" pitchFamily="18" charset="0"/>
+                              </a:rPr>
+                              <m:t>𝒑</m:t>
+                            </m:r>
+                          </m:e>
+                        </m:d>
+                      </m:e>
+                      <m:sub>
+                        <m:r>
+                          <a:rPr lang="en-US" b="1" i="1" smtClean="0">
+                            <a:latin typeface="Cambria Math" panose="02040503050406030204" pitchFamily="18" charset="0"/>
+                            <a:ea typeface="Cambria Math" panose="02040503050406030204" pitchFamily="18" charset="0"/>
+                          </a:rPr>
+                          <m:t>∞</m:t>
+                        </m:r>
+                      </m:sub>
+                    </m:sSub>
+                    <m:r>
+                      <a:rPr lang="en-US" b="1" i="1" smtClean="0">
+                        <a:latin typeface="Cambria Math" panose="02040503050406030204" pitchFamily="18" charset="0"/>
+                        <a:ea typeface="Cambria Math" panose="02040503050406030204" pitchFamily="18" charset="0"/>
+                      </a:rPr>
+                      <m:t>&lt;</m:t>
+                    </m:r>
+                    <m:r>
+                      <a:rPr lang="en-US" b="1" i="1" smtClean="0">
+                        <a:latin typeface="Cambria Math" panose="02040503050406030204" pitchFamily="18" charset="0"/>
+                        <a:ea typeface="Cambria Math" panose="02040503050406030204" pitchFamily="18" charset="0"/>
+                      </a:rPr>
+                      <m:t>𝜺</m:t>
+                    </m:r>
+                  </m:oMath>
+                </a14:m>
+                <a:endParaRPr lang="en-US" b="1" dirty="0"/>
+              </a:p>
+              <a:p>
+                <a:endParaRPr lang="en-US" dirty="0"/>
+              </a:p>
+              <a:p>
+                <a:endParaRPr lang="en-US" dirty="0"/>
+              </a:p>
+              <a:p>
+                <a:endParaRPr lang="en-US" dirty="0"/>
+              </a:p>
+            </p:txBody>
+          </p:sp>
+        </mc:Choice>
+        <mc:Fallback>
+          <p:sp>
+            <p:nvSpPr>
+              <p:cNvPr id="3" name="Content Placeholder 2">
+                <a:extLst>
+                  <a:ext uri="{FF2B5EF4-FFF2-40B4-BE49-F238E27FC236}">
+                    <a16:creationId xmlns:a16="http://schemas.microsoft.com/office/drawing/2014/main" id="{7F292374-E8A8-1E0B-48A0-6FEFFBACAC3F}"/>
+                  </a:ext>
+                </a:extLst>
+              </p:cNvPr>
+              <p:cNvSpPr>
+                <a:spLocks noGrp="1" noRot="1" noChangeAspect="1" noMove="1" noResize="1" noEditPoints="1" noAdjustHandles="1" noChangeArrowheads="1" noChangeShapeType="1" noTextEdit="1"/>
+              </p:cNvSpPr>
+              <p:nvPr>
+                <p:ph idx="1"/>
+              </p:nvPr>
+            </p:nvSpPr>
+            <p:spPr>
+              <a:blipFill>
+                <a:blip r:embed="rId2"/>
+                <a:stretch>
+                  <a:fillRect l="-1043" t="-2241"/>
+                </a:stretch>
+              </a:blipFill>
+            </p:spPr>
+            <p:txBody>
+              <a:bodyPr/>
+              <a:lstStyle/>
+              <a:p>
+                <a:r>
+                  <a:rPr lang="en-US">
+                    <a:noFill/>
+                  </a:rPr>
+                  <a:t> </a:t>
+                </a:r>
+              </a:p>
+            </p:txBody>
+          </p:sp>
+        </mc:Fallback>
+      </mc:AlternateContent>
     </p:spTree>
     <p:extLst>
       <p:ext uri="{BB962C8B-B14F-4D97-AF65-F5344CB8AC3E}">
-        <p14:creationId xmlns:p14="http://schemas.microsoft.com/office/powerpoint/2010/main" val="3173564647"/>
+        <p14:creationId xmlns:p14="http://schemas.microsoft.com/office/powerpoint/2010/main" val="3583980541"/>
       </p:ext>
     </p:extLst>
   </p:cSld>
@@ -4698,6 +5096,89 @@
           <p:cNvPr id="2" name="Title 1">
             <a:extLst>
               <a:ext uri="{FF2B5EF4-FFF2-40B4-BE49-F238E27FC236}">
+                <a16:creationId xmlns:a16="http://schemas.microsoft.com/office/drawing/2014/main" id="{52E5C877-FCC4-8B10-50C2-924FFD68CD9A}"/>
+              </a:ext>
+            </a:extLst>
+          </p:cNvPr>
+          <p:cNvSpPr>
+            <a:spLocks noGrp="1"/>
+          </p:cNvSpPr>
+          <p:nvPr>
+            <p:ph type="title"/>
+          </p:nvPr>
+        </p:nvSpPr>
+        <p:spPr/>
+        <p:txBody>
+          <a:bodyPr/>
+          <a:lstStyle/>
+          <a:p>
+            <a:r>
+              <a:rPr lang="en-US" dirty="0"/>
+              <a:t>Convolutional layer</a:t>
+            </a:r>
+          </a:p>
+        </p:txBody>
+      </p:sp>
+      <p:sp>
+        <p:nvSpPr>
+          <p:cNvPr id="3" name="Content Placeholder 2">
+            <a:extLst>
+              <a:ext uri="{FF2B5EF4-FFF2-40B4-BE49-F238E27FC236}">
+                <a16:creationId xmlns:a16="http://schemas.microsoft.com/office/drawing/2014/main" id="{98167828-7134-6384-2712-0B3A039FCF08}"/>
+              </a:ext>
+            </a:extLst>
+          </p:cNvPr>
+          <p:cNvSpPr>
+            <a:spLocks noGrp="1"/>
+          </p:cNvSpPr>
+          <p:nvPr>
+            <p:ph idx="1"/>
+          </p:nvPr>
+        </p:nvSpPr>
+        <p:spPr/>
+        <p:txBody>
+          <a:bodyPr/>
+          <a:lstStyle/>
+          <a:p>
+            <a:endParaRPr lang="en-US"/>
+          </a:p>
+        </p:txBody>
+      </p:sp>
+    </p:spTree>
+    <p:extLst>
+      <p:ext uri="{BB962C8B-B14F-4D97-AF65-F5344CB8AC3E}">
+        <p14:creationId xmlns:p14="http://schemas.microsoft.com/office/powerpoint/2010/main" val="3173564647"/>
+      </p:ext>
+    </p:extLst>
+  </p:cSld>
+  <p:clrMapOvr>
+    <a:masterClrMapping/>
+  </p:clrMapOvr>
+</p:sld>
+</file>
+
+<file path=ppt/slides/slide7.xml><?xml version="1.0" encoding="utf-8"?>
+<p:sld xmlns:a="http://schemas.openxmlformats.org/drawingml/2006/main" xmlns:r="http://schemas.openxmlformats.org/officeDocument/2006/relationships" xmlns:p="http://schemas.openxmlformats.org/presentationml/2006/main">
+  <p:cSld>
+    <p:spTree>
+      <p:nvGrpSpPr>
+        <p:cNvPr id="1" name=""/>
+        <p:cNvGrpSpPr/>
+        <p:nvPr/>
+      </p:nvGrpSpPr>
+      <p:grpSpPr>
+        <a:xfrm>
+          <a:off x="0" y="0"/>
+          <a:ext cx="0" cy="0"/>
+          <a:chOff x="0" y="0"/>
+          <a:chExt cx="0" cy="0"/>
+        </a:xfrm>
+      </p:grpSpPr>
+      <p:sp>
+        <p:nvSpPr>
+          <p:cNvPr id="2" name="Title 1">
+            <a:extLst>
+              <a:ext uri="{FF2B5EF4-FFF2-40B4-BE49-F238E27FC236}">
                 <a16:creationId xmlns:a16="http://schemas.microsoft.com/office/drawing/2014/main" id="{16764117-189B-1877-CA45-9F7123D63B76}"/>
               </a:ext>
             </a:extLst>
@@ -4759,7 +5240,7 @@
 </p:sld>
 </file>
 
-<file path=ppt/slides/slide7.xml><?xml version="1.0" encoding="utf-8"?>
+<file path=ppt/slides/slide8.xml><?xml version="1.0" encoding="utf-8"?>
 <p:sld xmlns:a="http://schemas.openxmlformats.org/drawingml/2006/main" xmlns:r="http://schemas.openxmlformats.org/officeDocument/2006/relationships" xmlns:p="http://schemas.openxmlformats.org/presentationml/2006/main">
   <p:cSld>
     <p:spTree>

--- a/Slides_4.pptx
+++ b/Slides_4.pptx
@@ -10,9 +10,10 @@
     <p:sldId id="262" r:id="rId4"/>
     <p:sldId id="263" r:id="rId5"/>
     <p:sldId id="265" r:id="rId6"/>
-    <p:sldId id="258" r:id="rId7"/>
-    <p:sldId id="260" r:id="rId8"/>
-    <p:sldId id="259" r:id="rId9"/>
+    <p:sldId id="266" r:id="rId7"/>
+    <p:sldId id="258" r:id="rId8"/>
+    <p:sldId id="260" r:id="rId9"/>
+    <p:sldId id="259" r:id="rId10"/>
   </p:sldIdLst>
   <p:sldSz cx="12192000" cy="6858000"/>
   <p:notesSz cx="6858000" cy="9144000"/>
@@ -5096,7 +5097,7 @@
           <p:cNvPr id="2" name="Title 1">
             <a:extLst>
               <a:ext uri="{FF2B5EF4-FFF2-40B4-BE49-F238E27FC236}">
-                <a16:creationId xmlns:a16="http://schemas.microsoft.com/office/drawing/2014/main" id="{52E5C877-FCC4-8B10-50C2-924FFD68CD9A}"/>
+                <a16:creationId xmlns:a16="http://schemas.microsoft.com/office/drawing/2014/main" id="{CB2F9EAA-ACED-F1E9-E631-B2EBD973CB2B}"/>
               </a:ext>
             </a:extLst>
           </p:cNvPr>
@@ -5114,40 +5115,1211 @@
           <a:p>
             <a:r>
               <a:rPr lang="en-US" dirty="0"/>
-              <a:t>Convolutional layer</a:t>
-            </a:r>
-          </a:p>
-        </p:txBody>
-      </p:sp>
-      <p:sp>
-        <p:nvSpPr>
-          <p:cNvPr id="3" name="Content Placeholder 2">
-            <a:extLst>
-              <a:ext uri="{FF2B5EF4-FFF2-40B4-BE49-F238E27FC236}">
-                <a16:creationId xmlns:a16="http://schemas.microsoft.com/office/drawing/2014/main" id="{98167828-7134-6384-2712-0B3A039FCF08}"/>
-              </a:ext>
-            </a:extLst>
-          </p:cNvPr>
-          <p:cNvSpPr>
-            <a:spLocks noGrp="1"/>
-          </p:cNvSpPr>
-          <p:nvPr>
-            <p:ph idx="1"/>
-          </p:nvPr>
-        </p:nvSpPr>
-        <p:spPr/>
-        <p:txBody>
-          <a:bodyPr/>
+              <a:t>Proof</a:t>
+            </a:r>
+          </a:p>
+        </p:txBody>
+      </p:sp>
+      <mc:AlternateContent xmlns:mc="http://schemas.openxmlformats.org/markup-compatibility/2006">
+        <mc:Choice xmlns:a14="http://schemas.microsoft.com/office/drawing/2010/main" Requires="a14">
+          <p:sp>
+            <p:nvSpPr>
+              <p:cNvPr id="3" name="Content Placeholder 2">
+                <a:extLst>
+                  <a:ext uri="{FF2B5EF4-FFF2-40B4-BE49-F238E27FC236}">
+                    <a16:creationId xmlns:a16="http://schemas.microsoft.com/office/drawing/2014/main" id="{ACB64140-BBE3-E0AE-E14D-2E7EE36DC11A}"/>
+                  </a:ext>
+                </a:extLst>
+              </p:cNvPr>
+              <p:cNvSpPr>
+                <a:spLocks noGrp="1"/>
+              </p:cNvSpPr>
+              <p:nvPr>
+                <p:ph idx="1"/>
+              </p:nvPr>
+            </p:nvSpPr>
+            <p:spPr>
+              <a:xfrm>
+                <a:off x="838200" y="1825625"/>
+                <a:ext cx="5257800" cy="4351338"/>
+              </a:xfrm>
+            </p:spPr>
+            <p:txBody>
+              <a:bodyPr/>
+              <a:lstStyle/>
+              <a:p>
+                <a14:m>
+                  <m:oMath xmlns:m="http://schemas.openxmlformats.org/officeDocument/2006/math">
+                    <m:r>
+                      <a:rPr lang="en-US" i="1" smtClean="0">
+                        <a:solidFill>
+                          <a:srgbClr val="002060"/>
+                        </a:solidFill>
+                        <a:latin typeface="Cambria Math" panose="02040503050406030204" pitchFamily="18" charset="0"/>
+                      </a:rPr>
+                      <m:t>𝑓</m:t>
+                    </m:r>
+                    <m:r>
+                      <a:rPr lang="en-US" i="1" smtClean="0">
+                        <a:solidFill>
+                          <a:srgbClr val="002060"/>
+                        </a:solidFill>
+                        <a:latin typeface="Cambria Math" panose="02040503050406030204" pitchFamily="18" charset="0"/>
+                      </a:rPr>
+                      <m:t>∈</m:t>
+                    </m:r>
+                    <m:r>
+                      <a:rPr lang="en-US" i="1" smtClean="0">
+                        <a:solidFill>
+                          <a:srgbClr val="002060"/>
+                        </a:solidFill>
+                        <a:latin typeface="Cambria Math" panose="02040503050406030204" pitchFamily="18" charset="0"/>
+                      </a:rPr>
+                      <m:t>𝒞</m:t>
+                    </m:r>
+                    <m:d>
+                      <m:dPr>
+                        <m:ctrlPr>
+                          <a:rPr lang="en-US" i="1">
+                            <a:solidFill>
+                              <a:srgbClr val="002060"/>
+                            </a:solidFill>
+                            <a:latin typeface="Cambria Math" panose="02040503050406030204" pitchFamily="18" charset="0"/>
+                          </a:rPr>
+                        </m:ctrlPr>
+                      </m:dPr>
+                      <m:e>
+                        <m:d>
+                          <m:dPr>
+                            <m:begChr m:val="["/>
+                            <m:endChr m:val="]"/>
+                            <m:ctrlPr>
+                              <a:rPr lang="en-US" i="1">
+                                <a:solidFill>
+                                  <a:srgbClr val="002060"/>
+                                </a:solidFill>
+                                <a:latin typeface="Cambria Math" panose="02040503050406030204" pitchFamily="18" charset="0"/>
+                              </a:rPr>
+                            </m:ctrlPr>
+                          </m:dPr>
+                          <m:e>
+                            <m:r>
+                              <a:rPr lang="en-US" i="1">
+                                <a:solidFill>
+                                  <a:srgbClr val="002060"/>
+                                </a:solidFill>
+                                <a:latin typeface="Cambria Math" panose="02040503050406030204" pitchFamily="18" charset="0"/>
+                              </a:rPr>
+                              <m:t>𝑎</m:t>
+                            </m:r>
+                            <m:r>
+                              <a:rPr lang="en-US" i="1">
+                                <a:solidFill>
+                                  <a:srgbClr val="002060"/>
+                                </a:solidFill>
+                                <a:latin typeface="Cambria Math" panose="02040503050406030204" pitchFamily="18" charset="0"/>
+                              </a:rPr>
+                              <m:t>,</m:t>
+                            </m:r>
+                            <m:r>
+                              <a:rPr lang="en-US" i="1">
+                                <a:solidFill>
+                                  <a:srgbClr val="002060"/>
+                                </a:solidFill>
+                                <a:latin typeface="Cambria Math" panose="02040503050406030204" pitchFamily="18" charset="0"/>
+                              </a:rPr>
+                              <m:t>𝑏</m:t>
+                            </m:r>
+                          </m:e>
+                        </m:d>
+                      </m:e>
+                    </m:d>
+                  </m:oMath>
+                </a14:m>
+                <a:endParaRPr lang="en-US" dirty="0"/>
+              </a:p>
+              <a:p>
+                <a:endParaRPr lang="en-US" b="0" i="1" dirty="0">
+                  <a:latin typeface="Cambria Math" panose="02040503050406030204" pitchFamily="18" charset="0"/>
+                </a:endParaRPr>
+              </a:p>
+              <a:p>
+                <a14:m>
+                  <m:oMath xmlns:m="http://schemas.openxmlformats.org/officeDocument/2006/math">
+                    <m:r>
+                      <a:rPr lang="en-US" b="0" i="1" smtClean="0">
+                        <a:latin typeface="Cambria Math" panose="02040503050406030204" pitchFamily="18" charset="0"/>
+                      </a:rPr>
+                      <m:t>𝜀</m:t>
+                    </m:r>
+                    <m:r>
+                      <a:rPr lang="en-US" b="0" i="1" smtClean="0">
+                        <a:latin typeface="Cambria Math" panose="02040503050406030204" pitchFamily="18" charset="0"/>
+                      </a:rPr>
+                      <m:t>&gt;0</m:t>
+                    </m:r>
+                  </m:oMath>
+                </a14:m>
+                <a:endParaRPr lang="en-US" b="0" i="1" dirty="0">
+                  <a:latin typeface="Cambria Math" panose="02040503050406030204" pitchFamily="18" charset="0"/>
+                </a:endParaRPr>
+              </a:p>
+              <a:p>
+                <a:endParaRPr lang="en-US" b="0" i="1" dirty="0">
+                  <a:latin typeface="Cambria Math" panose="02040503050406030204" pitchFamily="18" charset="0"/>
+                </a:endParaRPr>
+              </a:p>
+              <a:p>
+                <a:pPr/>
+                <a14:m>
+                  <m:oMath xmlns:m="http://schemas.openxmlformats.org/officeDocument/2006/math">
+                    <m:r>
+                      <a:rPr lang="en-US" b="0" i="1" smtClean="0">
+                        <a:solidFill>
+                          <a:srgbClr val="C00000"/>
+                        </a:solidFill>
+                        <a:latin typeface="Cambria Math" panose="02040503050406030204" pitchFamily="18" charset="0"/>
+                      </a:rPr>
+                      <m:t>𝑝</m:t>
+                    </m:r>
+                    <m:r>
+                      <a:rPr lang="en-US" b="0" i="1" smtClean="0">
+                        <a:solidFill>
+                          <a:srgbClr val="C00000"/>
+                        </a:solidFill>
+                        <a:latin typeface="Cambria Math" panose="02040503050406030204" pitchFamily="18" charset="0"/>
+                      </a:rPr>
+                      <m:t>∈</m:t>
+                    </m:r>
+                    <m:r>
+                      <a:rPr lang="en-US" b="0" i="1" smtClean="0">
+                        <a:solidFill>
+                          <a:srgbClr val="C00000"/>
+                        </a:solidFill>
+                        <a:latin typeface="Cambria Math" panose="02040503050406030204" pitchFamily="18" charset="0"/>
+                      </a:rPr>
+                      <m:t>𝒫</m:t>
+                    </m:r>
+                    <m:r>
+                      <a:rPr lang="en-US" b="0" i="1" smtClean="0">
+                        <a:solidFill>
+                          <a:srgbClr val="C00000"/>
+                        </a:solidFill>
+                        <a:latin typeface="Cambria Math" panose="02040503050406030204" pitchFamily="18" charset="0"/>
+                      </a:rPr>
+                      <m:t>(</m:t>
+                    </m:r>
+                    <m:r>
+                      <a:rPr lang="en-US" b="0" i="1" smtClean="0">
+                        <a:solidFill>
+                          <a:srgbClr val="C00000"/>
+                        </a:solidFill>
+                        <a:latin typeface="Cambria Math" panose="02040503050406030204" pitchFamily="18" charset="0"/>
+                      </a:rPr>
+                      <m:t>𝑛</m:t>
+                    </m:r>
+                    <m:r>
+                      <a:rPr lang="en-US" b="0" i="1" smtClean="0">
+                        <a:solidFill>
+                          <a:srgbClr val="C00000"/>
+                        </a:solidFill>
+                        <a:latin typeface="Cambria Math" panose="02040503050406030204" pitchFamily="18" charset="0"/>
+                      </a:rPr>
+                      <m:t>)</m:t>
+                    </m:r>
+                  </m:oMath>
+                </a14:m>
+                <a:endParaRPr lang="en-US" dirty="0">
+                  <a:solidFill>
+                    <a:srgbClr val="C00000"/>
+                  </a:solidFill>
+                </a:endParaRPr>
+              </a:p>
+              <a:p>
+                <a:pPr/>
+                <a:endParaRPr lang="en-US" dirty="0">
+                  <a:solidFill>
+                    <a:srgbClr val="C00000"/>
+                  </a:solidFill>
+                </a:endParaRPr>
+              </a:p>
+              <a:p>
+                <a:pPr/>
+                <a14:m>
+                  <m:oMath xmlns:m="http://schemas.openxmlformats.org/officeDocument/2006/math">
+                    <m:d>
+                      <m:dPr>
+                        <m:begChr m:val="|"/>
+                        <m:endChr m:val="|"/>
+                        <m:ctrlPr>
+                          <a:rPr lang="en-US" b="0" i="1" smtClean="0">
+                            <a:solidFill>
+                              <a:srgbClr val="FFC000"/>
+                            </a:solidFill>
+                            <a:latin typeface="Cambria Math" panose="02040503050406030204" pitchFamily="18" charset="0"/>
+                          </a:rPr>
+                        </m:ctrlPr>
+                      </m:dPr>
+                      <m:e>
+                        <m:r>
+                          <a:rPr lang="en-US" b="0" i="1" smtClean="0">
+                            <a:solidFill>
+                              <a:srgbClr val="FFC000"/>
+                            </a:solidFill>
+                            <a:latin typeface="Cambria Math" panose="02040503050406030204" pitchFamily="18" charset="0"/>
+                          </a:rPr>
+                          <m:t>𝑓</m:t>
+                        </m:r>
+                        <m:d>
+                          <m:dPr>
+                            <m:ctrlPr>
+                              <a:rPr lang="en-US" b="0" i="1" smtClean="0">
+                                <a:solidFill>
+                                  <a:srgbClr val="FFC000"/>
+                                </a:solidFill>
+                                <a:latin typeface="Cambria Math" panose="02040503050406030204" pitchFamily="18" charset="0"/>
+                              </a:rPr>
+                            </m:ctrlPr>
+                          </m:dPr>
+                          <m:e>
+                            <m:r>
+                              <a:rPr lang="en-US" b="0" i="1" smtClean="0">
+                                <a:solidFill>
+                                  <a:srgbClr val="FFC000"/>
+                                </a:solidFill>
+                                <a:latin typeface="Cambria Math" panose="02040503050406030204" pitchFamily="18" charset="0"/>
+                              </a:rPr>
+                              <m:t>𝑥</m:t>
+                            </m:r>
+                          </m:e>
+                        </m:d>
+                        <m:r>
+                          <a:rPr lang="en-US" b="0" i="1" smtClean="0">
+                            <a:solidFill>
+                              <a:srgbClr val="FFC000"/>
+                            </a:solidFill>
+                            <a:latin typeface="Cambria Math" panose="02040503050406030204" pitchFamily="18" charset="0"/>
+                          </a:rPr>
+                          <m:t>−</m:t>
+                        </m:r>
+                        <m:r>
+                          <a:rPr lang="en-US" b="0" i="1" smtClean="0">
+                            <a:solidFill>
+                              <a:srgbClr val="FFC000"/>
+                            </a:solidFill>
+                            <a:latin typeface="Cambria Math" panose="02040503050406030204" pitchFamily="18" charset="0"/>
+                          </a:rPr>
+                          <m:t>𝑝</m:t>
+                        </m:r>
+                        <m:r>
+                          <a:rPr lang="en-US" b="0" i="1" smtClean="0">
+                            <a:solidFill>
+                              <a:srgbClr val="FFC000"/>
+                            </a:solidFill>
+                            <a:latin typeface="Cambria Math" panose="02040503050406030204" pitchFamily="18" charset="0"/>
+                          </a:rPr>
+                          <m:t>(</m:t>
+                        </m:r>
+                        <m:r>
+                          <a:rPr lang="en-US" b="0" i="1" smtClean="0">
+                            <a:solidFill>
+                              <a:srgbClr val="FFC000"/>
+                            </a:solidFill>
+                            <a:latin typeface="Cambria Math" panose="02040503050406030204" pitchFamily="18" charset="0"/>
+                          </a:rPr>
+                          <m:t>𝑥</m:t>
+                        </m:r>
+                        <m:r>
+                          <a:rPr lang="en-US" b="0" i="1" smtClean="0">
+                            <a:solidFill>
+                              <a:srgbClr val="FFC000"/>
+                            </a:solidFill>
+                            <a:latin typeface="Cambria Math" panose="02040503050406030204" pitchFamily="18" charset="0"/>
+                          </a:rPr>
+                          <m:t>)</m:t>
+                        </m:r>
+                      </m:e>
+                    </m:d>
+                  </m:oMath>
+                </a14:m>
+                <a:endParaRPr lang="en-US" dirty="0">
+                  <a:solidFill>
+                    <a:srgbClr val="FFC000"/>
+                  </a:solidFill>
+                </a:endParaRPr>
+              </a:p>
+              <a:p>
+                <a:endParaRPr lang="en-US" dirty="0"/>
+              </a:p>
+            </p:txBody>
+          </p:sp>
+        </mc:Choice>
+        <mc:Fallback>
+          <p:sp>
+            <p:nvSpPr>
+              <p:cNvPr id="3" name="Content Placeholder 2">
+                <a:extLst>
+                  <a:ext uri="{FF2B5EF4-FFF2-40B4-BE49-F238E27FC236}">
+                    <a16:creationId xmlns:a16="http://schemas.microsoft.com/office/drawing/2014/main" id="{ACB64140-BBE3-E0AE-E14D-2E7EE36DC11A}"/>
+                  </a:ext>
+                </a:extLst>
+              </p:cNvPr>
+              <p:cNvSpPr>
+                <a:spLocks noGrp="1" noRot="1" noChangeAspect="1" noMove="1" noResize="1" noEditPoints="1" noAdjustHandles="1" noChangeArrowheads="1" noChangeShapeType="1" noTextEdit="1"/>
+              </p:cNvSpPr>
+              <p:nvPr>
+                <p:ph idx="1"/>
+              </p:nvPr>
+            </p:nvSpPr>
+            <p:spPr>
+              <a:xfrm>
+                <a:off x="838200" y="1825625"/>
+                <a:ext cx="5257800" cy="4351338"/>
+              </a:xfrm>
+              <a:blipFill>
+                <a:blip r:embed="rId2"/>
+                <a:stretch>
+                  <a:fillRect/>
+                </a:stretch>
+              </a:blipFill>
+            </p:spPr>
+            <p:txBody>
+              <a:bodyPr/>
+              <a:lstStyle/>
+              <a:p>
+                <a:r>
+                  <a:rPr lang="en-US">
+                    <a:noFill/>
+                  </a:rPr>
+                  <a:t> </a:t>
+                </a:r>
+              </a:p>
+            </p:txBody>
+          </p:sp>
+        </mc:Fallback>
+      </mc:AlternateContent>
+      <p:cxnSp>
+        <p:nvCxnSpPr>
+          <p:cNvPr id="5" name="Straight Arrow Connector 4">
+            <a:extLst>
+              <a:ext uri="{FF2B5EF4-FFF2-40B4-BE49-F238E27FC236}">
+                <a16:creationId xmlns:a16="http://schemas.microsoft.com/office/drawing/2014/main" id="{D778EA49-D1D7-46A3-67E4-4D73F000C4E3}"/>
+              </a:ext>
+            </a:extLst>
+          </p:cNvPr>
+          <p:cNvCxnSpPr/>
+          <p:nvPr/>
+        </p:nvCxnSpPr>
+        <p:spPr>
+          <a:xfrm flipV="1">
+            <a:off x="6959600" y="741680"/>
+            <a:ext cx="0" cy="5171440"/>
+          </a:xfrm>
+          <a:prstGeom prst="straightConnector1">
+            <a:avLst/>
+          </a:prstGeom>
+          <a:ln w="38100">
+            <a:tailEnd type="triangle"/>
+          </a:ln>
+        </p:spPr>
+        <p:style>
+          <a:lnRef idx="1">
+            <a:schemeClr val="dk1"/>
+          </a:lnRef>
+          <a:fillRef idx="0">
+            <a:schemeClr val="dk1"/>
+          </a:fillRef>
+          <a:effectRef idx="0">
+            <a:schemeClr val="dk1"/>
+          </a:effectRef>
+          <a:fontRef idx="minor">
+            <a:schemeClr val="tx1"/>
+          </a:fontRef>
+        </p:style>
+      </p:cxnSp>
+      <p:cxnSp>
+        <p:nvCxnSpPr>
+          <p:cNvPr id="6" name="Straight Arrow Connector 5">
+            <a:extLst>
+              <a:ext uri="{FF2B5EF4-FFF2-40B4-BE49-F238E27FC236}">
+                <a16:creationId xmlns:a16="http://schemas.microsoft.com/office/drawing/2014/main" id="{81E7EEC4-7992-229E-4DE2-7D75F3418AC5}"/>
+              </a:ext>
+            </a:extLst>
+          </p:cNvPr>
+          <p:cNvCxnSpPr>
+            <a:cxnSpLocks/>
+          </p:cNvCxnSpPr>
+          <p:nvPr/>
+        </p:nvCxnSpPr>
+        <p:spPr>
+          <a:xfrm>
+            <a:off x="6177280" y="5201920"/>
+            <a:ext cx="5506720" cy="0"/>
+          </a:xfrm>
+          <a:prstGeom prst="straightConnector1">
+            <a:avLst/>
+          </a:prstGeom>
+          <a:ln w="38100">
+            <a:tailEnd type="triangle"/>
+          </a:ln>
+        </p:spPr>
+        <p:style>
+          <a:lnRef idx="1">
+            <a:schemeClr val="dk1"/>
+          </a:lnRef>
+          <a:fillRef idx="0">
+            <a:schemeClr val="dk1"/>
+          </a:fillRef>
+          <a:effectRef idx="0">
+            <a:schemeClr val="dk1"/>
+          </a:effectRef>
+          <a:fontRef idx="minor">
+            <a:schemeClr val="tx1"/>
+          </a:fontRef>
+        </p:style>
+      </p:cxnSp>
+      <mc:AlternateContent xmlns:mc="http://schemas.openxmlformats.org/markup-compatibility/2006">
+        <mc:Choice xmlns:a14="http://schemas.microsoft.com/office/drawing/2010/main" Requires="a14">
+          <p:sp>
+            <p:nvSpPr>
+              <p:cNvPr id="13" name="TextBox 12">
+                <a:extLst>
+                  <a:ext uri="{FF2B5EF4-FFF2-40B4-BE49-F238E27FC236}">
+                    <a16:creationId xmlns:a16="http://schemas.microsoft.com/office/drawing/2014/main" id="{69462F3D-7736-0E43-297B-826D88837B8D}"/>
+                  </a:ext>
+                </a:extLst>
+              </p:cNvPr>
+              <p:cNvSpPr txBox="1"/>
+              <p:nvPr/>
+            </p:nvSpPr>
+            <p:spPr>
+              <a:xfrm>
+                <a:off x="7119316" y="5543788"/>
+                <a:ext cx="371448" cy="369332"/>
+              </a:xfrm>
+              <a:prstGeom prst="rect">
+                <a:avLst/>
+              </a:prstGeom>
+              <a:noFill/>
+            </p:spPr>
+            <p:txBody>
+              <a:bodyPr wrap="none" rtlCol="0">
+                <a:spAutoFit/>
+              </a:bodyPr>
+              <a:lstStyle/>
+              <a:p>
+                <a14:m>
+                  <m:oMathPara xmlns:m="http://schemas.openxmlformats.org/officeDocument/2006/math">
+                    <m:oMathParaPr>
+                      <m:jc m:val="centerGroup"/>
+                    </m:oMathParaPr>
+                    <m:oMath xmlns:m="http://schemas.openxmlformats.org/officeDocument/2006/math">
+                      <m:r>
+                        <a:rPr lang="en-US" b="0" i="1" smtClean="0">
+                          <a:solidFill>
+                            <a:schemeClr val="bg1">
+                              <a:lumMod val="50000"/>
+                            </a:schemeClr>
+                          </a:solidFill>
+                          <a:latin typeface="Cambria Math" panose="02040503050406030204" pitchFamily="18" charset="0"/>
+                        </a:rPr>
+                        <m:t>𝑎</m:t>
+                      </m:r>
+                    </m:oMath>
+                  </m:oMathPara>
+                </a14:m>
+                <a:endParaRPr lang="en-US" b="0" dirty="0">
+                  <a:solidFill>
+                    <a:schemeClr val="bg1">
+                      <a:lumMod val="50000"/>
+                    </a:schemeClr>
+                  </a:solidFill>
+                </a:endParaRPr>
+              </a:p>
+            </p:txBody>
+          </p:sp>
+        </mc:Choice>
+        <mc:Fallback>
+          <p:sp>
+            <p:nvSpPr>
+              <p:cNvPr id="13" name="TextBox 12">
+                <a:extLst>
+                  <a:ext uri="{FF2B5EF4-FFF2-40B4-BE49-F238E27FC236}">
+                    <a16:creationId xmlns:a16="http://schemas.microsoft.com/office/drawing/2014/main" id="{69462F3D-7736-0E43-297B-826D88837B8D}"/>
+                  </a:ext>
+                </a:extLst>
+              </p:cNvPr>
+              <p:cNvSpPr txBox="1">
+                <a:spLocks noRot="1" noChangeAspect="1" noMove="1" noResize="1" noEditPoints="1" noAdjustHandles="1" noChangeArrowheads="1" noChangeShapeType="1" noTextEdit="1"/>
+              </p:cNvSpPr>
+              <p:nvPr/>
+            </p:nvSpPr>
+            <p:spPr>
+              <a:xfrm>
+                <a:off x="7119316" y="5543788"/>
+                <a:ext cx="371448" cy="369332"/>
+              </a:xfrm>
+              <a:prstGeom prst="rect">
+                <a:avLst/>
+              </a:prstGeom>
+              <a:blipFill>
+                <a:blip r:embed="rId3"/>
+                <a:stretch>
+                  <a:fillRect/>
+                </a:stretch>
+              </a:blipFill>
+            </p:spPr>
+            <p:txBody>
+              <a:bodyPr/>
+              <a:lstStyle/>
+              <a:p>
+                <a:r>
+                  <a:rPr lang="en-US">
+                    <a:noFill/>
+                  </a:rPr>
+                  <a:t> </a:t>
+                </a:r>
+              </a:p>
+            </p:txBody>
+          </p:sp>
+        </mc:Fallback>
+      </mc:AlternateContent>
+      <mc:AlternateContent xmlns:mc="http://schemas.openxmlformats.org/markup-compatibility/2006">
+        <mc:Choice xmlns:a14="http://schemas.microsoft.com/office/drawing/2010/main" Requires="a14">
+          <p:sp>
+            <p:nvSpPr>
+              <p:cNvPr id="14" name="TextBox 13">
+                <a:extLst>
+                  <a:ext uri="{FF2B5EF4-FFF2-40B4-BE49-F238E27FC236}">
+                    <a16:creationId xmlns:a16="http://schemas.microsoft.com/office/drawing/2014/main" id="{D974E4C4-B7FD-B928-EACA-523D7ED94611}"/>
+                  </a:ext>
+                </a:extLst>
+              </p:cNvPr>
+              <p:cNvSpPr txBox="1"/>
+              <p:nvPr/>
+            </p:nvSpPr>
+            <p:spPr>
+              <a:xfrm>
+                <a:off x="11256327" y="5543788"/>
+                <a:ext cx="367665" cy="369332"/>
+              </a:xfrm>
+              <a:prstGeom prst="rect">
+                <a:avLst/>
+              </a:prstGeom>
+              <a:noFill/>
+            </p:spPr>
+            <p:txBody>
+              <a:bodyPr wrap="none" rtlCol="0">
+                <a:spAutoFit/>
+              </a:bodyPr>
+              <a:lstStyle/>
+              <a:p>
+                <a14:m>
+                  <m:oMathPara xmlns:m="http://schemas.openxmlformats.org/officeDocument/2006/math">
+                    <m:oMathParaPr>
+                      <m:jc m:val="centerGroup"/>
+                    </m:oMathParaPr>
+                    <m:oMath xmlns:m="http://schemas.openxmlformats.org/officeDocument/2006/math">
+                      <m:r>
+                        <a:rPr lang="en-US" b="0" i="1" smtClean="0">
+                          <a:solidFill>
+                            <a:schemeClr val="bg1">
+                              <a:lumMod val="50000"/>
+                            </a:schemeClr>
+                          </a:solidFill>
+                          <a:latin typeface="Cambria Math" panose="02040503050406030204" pitchFamily="18" charset="0"/>
+                        </a:rPr>
+                        <m:t>𝑏</m:t>
+                      </m:r>
+                    </m:oMath>
+                  </m:oMathPara>
+                </a14:m>
+                <a:endParaRPr lang="en-US" b="0" dirty="0">
+                  <a:solidFill>
+                    <a:schemeClr val="bg1">
+                      <a:lumMod val="50000"/>
+                    </a:schemeClr>
+                  </a:solidFill>
+                </a:endParaRPr>
+              </a:p>
+            </p:txBody>
+          </p:sp>
+        </mc:Choice>
+        <mc:Fallback>
+          <p:sp>
+            <p:nvSpPr>
+              <p:cNvPr id="14" name="TextBox 13">
+                <a:extLst>
+                  <a:ext uri="{FF2B5EF4-FFF2-40B4-BE49-F238E27FC236}">
+                    <a16:creationId xmlns:a16="http://schemas.microsoft.com/office/drawing/2014/main" id="{D974E4C4-B7FD-B928-EACA-523D7ED94611}"/>
+                  </a:ext>
+                </a:extLst>
+              </p:cNvPr>
+              <p:cNvSpPr txBox="1">
+                <a:spLocks noRot="1" noChangeAspect="1" noMove="1" noResize="1" noEditPoints="1" noAdjustHandles="1" noChangeArrowheads="1" noChangeShapeType="1" noTextEdit="1"/>
+              </p:cNvSpPr>
+              <p:nvPr/>
+            </p:nvSpPr>
+            <p:spPr>
+              <a:xfrm>
+                <a:off x="11256327" y="5543788"/>
+                <a:ext cx="367665" cy="369332"/>
+              </a:xfrm>
+              <a:prstGeom prst="rect">
+                <a:avLst/>
+              </a:prstGeom>
+              <a:blipFill>
+                <a:blip r:embed="rId4"/>
+                <a:stretch>
+                  <a:fillRect/>
+                </a:stretch>
+              </a:blipFill>
+            </p:spPr>
+            <p:txBody>
+              <a:bodyPr/>
+              <a:lstStyle/>
+              <a:p>
+                <a:r>
+                  <a:rPr lang="en-US">
+                    <a:noFill/>
+                  </a:rPr>
+                  <a:t> </a:t>
+                </a:r>
+              </a:p>
+            </p:txBody>
+          </p:sp>
+        </mc:Fallback>
+      </mc:AlternateContent>
+      <p:sp>
+        <p:nvSpPr>
+          <p:cNvPr id="16" name="Freeform: Shape 15">
+            <a:extLst>
+              <a:ext uri="{FF2B5EF4-FFF2-40B4-BE49-F238E27FC236}">
+                <a16:creationId xmlns:a16="http://schemas.microsoft.com/office/drawing/2014/main" id="{BF66FADA-8CE6-22EF-292C-3DC9AF1F4A79}"/>
+              </a:ext>
+            </a:extLst>
+          </p:cNvPr>
+          <p:cNvSpPr/>
+          <p:nvPr/>
+        </p:nvSpPr>
+        <p:spPr>
+          <a:xfrm>
+            <a:off x="7315200" y="1932973"/>
+            <a:ext cx="4114800" cy="2824220"/>
+          </a:xfrm>
+          <a:custGeom>
+            <a:avLst/>
+            <a:gdLst>
+              <a:gd name="connsiteX0" fmla="*/ 0 w 3982720"/>
+              <a:gd name="connsiteY0" fmla="*/ 1930400 h 1930400"/>
+              <a:gd name="connsiteX1" fmla="*/ 1127760 w 3982720"/>
+              <a:gd name="connsiteY1" fmla="*/ 690880 h 1930400"/>
+              <a:gd name="connsiteX2" fmla="*/ 2509520 w 3982720"/>
+              <a:gd name="connsiteY2" fmla="*/ 1351280 h 1930400"/>
+              <a:gd name="connsiteX3" fmla="*/ 3982720 w 3982720"/>
+              <a:gd name="connsiteY3" fmla="*/ 0 h 1930400"/>
+            </a:gdLst>
+            <a:ahLst/>
+            <a:cxnLst>
+              <a:cxn ang="0">
+                <a:pos x="connsiteX0" y="connsiteY0"/>
+              </a:cxn>
+              <a:cxn ang="0">
+                <a:pos x="connsiteX1" y="connsiteY1"/>
+              </a:cxn>
+              <a:cxn ang="0">
+                <a:pos x="connsiteX2" y="connsiteY2"/>
+              </a:cxn>
+              <a:cxn ang="0">
+                <a:pos x="connsiteX3" y="connsiteY3"/>
+              </a:cxn>
+            </a:cxnLst>
+            <a:rect l="l" t="t" r="r" b="b"/>
+            <a:pathLst>
+              <a:path w="3982720" h="1930400">
+                <a:moveTo>
+                  <a:pt x="0" y="1930400"/>
+                </a:moveTo>
+                <a:cubicBezTo>
+                  <a:pt x="354753" y="1358900"/>
+                  <a:pt x="709507" y="787400"/>
+                  <a:pt x="1127760" y="690880"/>
+                </a:cubicBezTo>
+                <a:cubicBezTo>
+                  <a:pt x="1546013" y="594360"/>
+                  <a:pt x="2033693" y="1466427"/>
+                  <a:pt x="2509520" y="1351280"/>
+                </a:cubicBezTo>
+                <a:cubicBezTo>
+                  <a:pt x="2985347" y="1236133"/>
+                  <a:pt x="3484033" y="618066"/>
+                  <a:pt x="3982720" y="0"/>
+                </a:cubicBezTo>
+              </a:path>
+            </a:pathLst>
+          </a:custGeom>
+          <a:noFill/>
+          <a:ln w="57150" cap="rnd"/>
+        </p:spPr>
+        <p:style>
+          <a:lnRef idx="2">
+            <a:schemeClr val="accent1">
+              <a:shade val="50000"/>
+            </a:schemeClr>
+          </a:lnRef>
+          <a:fillRef idx="1">
+            <a:schemeClr val="accent1"/>
+          </a:fillRef>
+          <a:effectRef idx="0">
+            <a:schemeClr val="accent1"/>
+          </a:effectRef>
+          <a:fontRef idx="minor">
+            <a:schemeClr val="lt1"/>
+          </a:fontRef>
+        </p:style>
+        <p:txBody>
+          <a:bodyPr rtlCol="0" anchor="ctr"/>
           <a:lstStyle/>
           <a:p>
+            <a:pPr algn="ctr"/>
             <a:endParaRPr lang="en-US"/>
           </a:p>
         </p:txBody>
       </p:sp>
+      <p:cxnSp>
+        <p:nvCxnSpPr>
+          <p:cNvPr id="10" name="Straight Connector 9">
+            <a:extLst>
+              <a:ext uri="{FF2B5EF4-FFF2-40B4-BE49-F238E27FC236}">
+                <a16:creationId xmlns:a16="http://schemas.microsoft.com/office/drawing/2014/main" id="{67AEDF50-97D4-31AF-8F0A-04E80D37D5C9}"/>
+              </a:ext>
+            </a:extLst>
+          </p:cNvPr>
+          <p:cNvCxnSpPr>
+            <a:cxnSpLocks/>
+          </p:cNvCxnSpPr>
+          <p:nvPr/>
+        </p:nvCxnSpPr>
+        <p:spPr>
+          <a:xfrm flipV="1">
+            <a:off x="7305040" y="914400"/>
+            <a:ext cx="0" cy="4572000"/>
+          </a:xfrm>
+          <a:prstGeom prst="line">
+            <a:avLst/>
+          </a:prstGeom>
+          <a:ln w="38100">
+            <a:solidFill>
+              <a:schemeClr val="bg1">
+                <a:lumMod val="50000"/>
+              </a:schemeClr>
+            </a:solidFill>
+          </a:ln>
+        </p:spPr>
+        <p:style>
+          <a:lnRef idx="1">
+            <a:schemeClr val="accent1"/>
+          </a:lnRef>
+          <a:fillRef idx="0">
+            <a:schemeClr val="accent1"/>
+          </a:fillRef>
+          <a:effectRef idx="0">
+            <a:schemeClr val="accent1"/>
+          </a:effectRef>
+          <a:fontRef idx="minor">
+            <a:schemeClr val="tx1"/>
+          </a:fontRef>
+        </p:style>
+      </p:cxnSp>
+      <p:cxnSp>
+        <p:nvCxnSpPr>
+          <p:cNvPr id="12" name="Straight Connector 11">
+            <a:extLst>
+              <a:ext uri="{FF2B5EF4-FFF2-40B4-BE49-F238E27FC236}">
+                <a16:creationId xmlns:a16="http://schemas.microsoft.com/office/drawing/2014/main" id="{573136CE-DEE5-DE82-1A70-B95A5E2CB3B7}"/>
+              </a:ext>
+            </a:extLst>
+          </p:cNvPr>
+          <p:cNvCxnSpPr>
+            <a:cxnSpLocks/>
+          </p:cNvCxnSpPr>
+          <p:nvPr/>
+        </p:nvCxnSpPr>
+        <p:spPr>
+          <a:xfrm flipV="1">
+            <a:off x="11440160" y="914400"/>
+            <a:ext cx="0" cy="4572000"/>
+          </a:xfrm>
+          <a:prstGeom prst="line">
+            <a:avLst/>
+          </a:prstGeom>
+          <a:ln w="38100">
+            <a:solidFill>
+              <a:schemeClr val="bg1">
+                <a:lumMod val="50000"/>
+              </a:schemeClr>
+            </a:solidFill>
+          </a:ln>
+        </p:spPr>
+        <p:style>
+          <a:lnRef idx="1">
+            <a:schemeClr val="accent1"/>
+          </a:lnRef>
+          <a:fillRef idx="0">
+            <a:schemeClr val="accent1"/>
+          </a:fillRef>
+          <a:effectRef idx="0">
+            <a:schemeClr val="accent1"/>
+          </a:effectRef>
+          <a:fontRef idx="minor">
+            <a:schemeClr val="tx1"/>
+          </a:fontRef>
+        </p:style>
+      </p:cxnSp>
+      <mc:AlternateContent xmlns:mc="http://schemas.openxmlformats.org/markup-compatibility/2006">
+        <mc:Choice xmlns:a14="http://schemas.microsoft.com/office/drawing/2010/main" Requires="a14">
+          <p:sp>
+            <p:nvSpPr>
+              <p:cNvPr id="17" name="TextBox 16">
+                <a:extLst>
+                  <a:ext uri="{FF2B5EF4-FFF2-40B4-BE49-F238E27FC236}">
+                    <a16:creationId xmlns:a16="http://schemas.microsoft.com/office/drawing/2014/main" id="{2E7DE3E0-4FC4-3C62-98A3-319E4EE16C91}"/>
+                  </a:ext>
+                </a:extLst>
+              </p:cNvPr>
+              <p:cNvSpPr txBox="1"/>
+              <p:nvPr/>
+            </p:nvSpPr>
+            <p:spPr>
+              <a:xfrm>
+                <a:off x="11498533" y="2345174"/>
+                <a:ext cx="432554" cy="461665"/>
+              </a:xfrm>
+              <a:prstGeom prst="rect">
+                <a:avLst/>
+              </a:prstGeom>
+              <a:noFill/>
+            </p:spPr>
+            <p:txBody>
+              <a:bodyPr wrap="none" rtlCol="0">
+                <a:spAutoFit/>
+              </a:bodyPr>
+              <a:lstStyle/>
+              <a:p>
+                <a14:m>
+                  <m:oMathPara xmlns:m="http://schemas.openxmlformats.org/officeDocument/2006/math">
+                    <m:oMathParaPr>
+                      <m:jc m:val="centerGroup"/>
+                    </m:oMathParaPr>
+                    <m:oMath xmlns:m="http://schemas.openxmlformats.org/officeDocument/2006/math">
+                      <m:r>
+                        <a:rPr lang="en-US" sz="2400" b="0" i="1" smtClean="0">
+                          <a:solidFill>
+                            <a:srgbClr val="002060"/>
+                          </a:solidFill>
+                          <a:latin typeface="Cambria Math" panose="02040503050406030204" pitchFamily="18" charset="0"/>
+                        </a:rPr>
+                        <m:t>𝑓</m:t>
+                      </m:r>
+                    </m:oMath>
+                  </m:oMathPara>
+                </a14:m>
+                <a:endParaRPr lang="en-US" b="0" dirty="0">
+                  <a:solidFill>
+                    <a:srgbClr val="002060"/>
+                  </a:solidFill>
+                </a:endParaRPr>
+              </a:p>
+            </p:txBody>
+          </p:sp>
+        </mc:Choice>
+        <mc:Fallback>
+          <p:sp>
+            <p:nvSpPr>
+              <p:cNvPr id="17" name="TextBox 16">
+                <a:extLst>
+                  <a:ext uri="{FF2B5EF4-FFF2-40B4-BE49-F238E27FC236}">
+                    <a16:creationId xmlns:a16="http://schemas.microsoft.com/office/drawing/2014/main" id="{2E7DE3E0-4FC4-3C62-98A3-319E4EE16C91}"/>
+                  </a:ext>
+                </a:extLst>
+              </p:cNvPr>
+              <p:cNvSpPr txBox="1">
+                <a:spLocks noRot="1" noChangeAspect="1" noMove="1" noResize="1" noEditPoints="1" noAdjustHandles="1" noChangeArrowheads="1" noChangeShapeType="1" noTextEdit="1"/>
+              </p:cNvSpPr>
+              <p:nvPr/>
+            </p:nvSpPr>
+            <p:spPr>
+              <a:xfrm>
+                <a:off x="11498533" y="2345174"/>
+                <a:ext cx="432554" cy="461665"/>
+              </a:xfrm>
+              <a:prstGeom prst="rect">
+                <a:avLst/>
+              </a:prstGeom>
+              <a:blipFill>
+                <a:blip r:embed="rId5"/>
+                <a:stretch>
+                  <a:fillRect l="-2817" r="-1408" b="-18667"/>
+                </a:stretch>
+              </a:blipFill>
+            </p:spPr>
+            <p:txBody>
+              <a:bodyPr/>
+              <a:lstStyle/>
+              <a:p>
+                <a:r>
+                  <a:rPr lang="en-US">
+                    <a:noFill/>
+                  </a:rPr>
+                  <a:t> </a:t>
+                </a:r>
+              </a:p>
+            </p:txBody>
+          </p:sp>
+        </mc:Fallback>
+      </mc:AlternateContent>
+      <p:cxnSp>
+        <p:nvCxnSpPr>
+          <p:cNvPr id="19" name="Straight Connector 18">
+            <a:extLst>
+              <a:ext uri="{FF2B5EF4-FFF2-40B4-BE49-F238E27FC236}">
+                <a16:creationId xmlns:a16="http://schemas.microsoft.com/office/drawing/2014/main" id="{0133533D-248A-71A0-69FE-B917B5D29677}"/>
+              </a:ext>
+            </a:extLst>
+          </p:cNvPr>
+          <p:cNvCxnSpPr>
+            <a:cxnSpLocks/>
+            <a:stCxn id="16" idx="0"/>
+            <a:endCxn id="16" idx="0"/>
+          </p:cNvCxnSpPr>
+          <p:nvPr/>
+        </p:nvCxnSpPr>
+        <p:spPr>
+          <a:xfrm>
+            <a:off x="7315200" y="4757193"/>
+            <a:ext cx="0" cy="0"/>
+          </a:xfrm>
+          <a:prstGeom prst="line">
+            <a:avLst/>
+          </a:prstGeom>
+        </p:spPr>
+        <p:style>
+          <a:lnRef idx="1">
+            <a:schemeClr val="accent1"/>
+          </a:lnRef>
+          <a:fillRef idx="0">
+            <a:schemeClr val="accent1"/>
+          </a:fillRef>
+          <a:effectRef idx="0">
+            <a:schemeClr val="accent1"/>
+          </a:effectRef>
+          <a:fontRef idx="minor">
+            <a:schemeClr val="tx1"/>
+          </a:fontRef>
+        </p:style>
+      </p:cxnSp>
+      <p:grpSp>
+        <p:nvGrpSpPr>
+          <p:cNvPr id="56" name="Group 55">
+            <a:extLst>
+              <a:ext uri="{FF2B5EF4-FFF2-40B4-BE49-F238E27FC236}">
+                <a16:creationId xmlns:a16="http://schemas.microsoft.com/office/drawing/2014/main" id="{29395E47-8B1B-75DA-1AEE-2F9C3619071F}"/>
+              </a:ext>
+            </a:extLst>
+          </p:cNvPr>
+          <p:cNvGrpSpPr/>
+          <p:nvPr/>
+        </p:nvGrpSpPr>
+        <p:grpSpPr>
+          <a:xfrm>
+            <a:off x="7315200" y="1932973"/>
+            <a:ext cx="4114800" cy="2824219"/>
+            <a:chOff x="7315200" y="1932973"/>
+            <a:chExt cx="4114800" cy="2824220"/>
+          </a:xfrm>
+        </p:grpSpPr>
+        <p:cxnSp>
+          <p:nvCxnSpPr>
+            <p:cNvPr id="25" name="Straight Connector 24">
+              <a:extLst>
+                <a:ext uri="{FF2B5EF4-FFF2-40B4-BE49-F238E27FC236}">
+                  <a16:creationId xmlns:a16="http://schemas.microsoft.com/office/drawing/2014/main" id="{BD2EA76B-2D27-F84F-120C-C6E089BF97BB}"/>
+                </a:ext>
+              </a:extLst>
+            </p:cNvPr>
+            <p:cNvCxnSpPr>
+              <a:cxnSpLocks/>
+              <a:endCxn id="16" idx="1"/>
+            </p:cNvCxnSpPr>
+            <p:nvPr/>
+          </p:nvCxnSpPr>
+          <p:spPr>
+            <a:xfrm flipV="1">
+              <a:off x="7315200" y="2943746"/>
+              <a:ext cx="1165160" cy="1813447"/>
+            </a:xfrm>
+            <a:prstGeom prst="line">
+              <a:avLst/>
+            </a:prstGeom>
+            <a:ln w="38100">
+              <a:solidFill>
+                <a:srgbClr val="C00000"/>
+              </a:solidFill>
+            </a:ln>
+          </p:spPr>
+          <p:style>
+            <a:lnRef idx="1">
+              <a:schemeClr val="accent1"/>
+            </a:lnRef>
+            <a:fillRef idx="0">
+              <a:schemeClr val="accent1"/>
+            </a:fillRef>
+            <a:effectRef idx="0">
+              <a:schemeClr val="accent1"/>
+            </a:effectRef>
+            <a:fontRef idx="minor">
+              <a:schemeClr val="tx1"/>
+            </a:fontRef>
+          </p:style>
+        </p:cxnSp>
+        <p:cxnSp>
+          <p:nvCxnSpPr>
+            <p:cNvPr id="28" name="Straight Connector 27">
+              <a:extLst>
+                <a:ext uri="{FF2B5EF4-FFF2-40B4-BE49-F238E27FC236}">
+                  <a16:creationId xmlns:a16="http://schemas.microsoft.com/office/drawing/2014/main" id="{FBFE5953-EEC6-D0AC-F66A-A3133B4F4A3E}"/>
+                </a:ext>
+              </a:extLst>
+            </p:cNvPr>
+            <p:cNvCxnSpPr>
+              <a:cxnSpLocks/>
+              <a:stCxn id="16" idx="2"/>
+              <a:endCxn id="16" idx="1"/>
+            </p:cNvCxnSpPr>
+            <p:nvPr/>
+          </p:nvCxnSpPr>
+          <p:spPr>
+            <a:xfrm flipH="1" flipV="1">
+              <a:off x="8480360" y="2943746"/>
+              <a:ext cx="1427584" cy="966181"/>
+            </a:xfrm>
+            <a:prstGeom prst="line">
+              <a:avLst/>
+            </a:prstGeom>
+            <a:ln w="38100">
+              <a:solidFill>
+                <a:srgbClr val="C00000"/>
+              </a:solidFill>
+            </a:ln>
+          </p:spPr>
+          <p:style>
+            <a:lnRef idx="1">
+              <a:schemeClr val="accent1"/>
+            </a:lnRef>
+            <a:fillRef idx="0">
+              <a:schemeClr val="accent1"/>
+            </a:fillRef>
+            <a:effectRef idx="0">
+              <a:schemeClr val="accent1"/>
+            </a:effectRef>
+            <a:fontRef idx="minor">
+              <a:schemeClr val="tx1"/>
+            </a:fontRef>
+          </p:style>
+        </p:cxnSp>
+        <p:cxnSp>
+          <p:nvCxnSpPr>
+            <p:cNvPr id="31" name="Straight Connector 30">
+              <a:extLst>
+                <a:ext uri="{FF2B5EF4-FFF2-40B4-BE49-F238E27FC236}">
+                  <a16:creationId xmlns:a16="http://schemas.microsoft.com/office/drawing/2014/main" id="{73A0D5EF-645B-6069-8340-885892A4E67B}"/>
+                </a:ext>
+              </a:extLst>
+            </p:cNvPr>
+            <p:cNvCxnSpPr>
+              <a:cxnSpLocks/>
+              <a:stCxn id="16" idx="3"/>
+              <a:endCxn id="16" idx="2"/>
+            </p:cNvCxnSpPr>
+            <p:nvPr/>
+          </p:nvCxnSpPr>
+          <p:spPr>
+            <a:xfrm flipH="1">
+              <a:off x="9907944" y="1932973"/>
+              <a:ext cx="1522056" cy="1976954"/>
+            </a:xfrm>
+            <a:prstGeom prst="line">
+              <a:avLst/>
+            </a:prstGeom>
+            <a:ln w="38100">
+              <a:solidFill>
+                <a:srgbClr val="C00000"/>
+              </a:solidFill>
+            </a:ln>
+          </p:spPr>
+          <p:style>
+            <a:lnRef idx="1">
+              <a:schemeClr val="accent1"/>
+            </a:lnRef>
+            <a:fillRef idx="0">
+              <a:schemeClr val="accent1"/>
+            </a:fillRef>
+            <a:effectRef idx="0">
+              <a:schemeClr val="accent1"/>
+            </a:effectRef>
+            <a:fontRef idx="minor">
+              <a:schemeClr val="tx1"/>
+            </a:fontRef>
+          </p:style>
+        </p:cxnSp>
+      </p:grpSp>
+      <p:cxnSp>
+        <p:nvCxnSpPr>
+          <p:cNvPr id="58" name="Straight Arrow Connector 57">
+            <a:extLst>
+              <a:ext uri="{FF2B5EF4-FFF2-40B4-BE49-F238E27FC236}">
+                <a16:creationId xmlns:a16="http://schemas.microsoft.com/office/drawing/2014/main" id="{7F0D392A-9A06-C371-6E49-EEC86A6C64DE}"/>
+              </a:ext>
+            </a:extLst>
+          </p:cNvPr>
+          <p:cNvCxnSpPr/>
+          <p:nvPr/>
+        </p:nvCxnSpPr>
+        <p:spPr>
+          <a:xfrm>
+            <a:off x="7957820" y="3429000"/>
+            <a:ext cx="0" cy="332740"/>
+          </a:xfrm>
+          <a:prstGeom prst="straightConnector1">
+            <a:avLst/>
+          </a:prstGeom>
+          <a:ln w="38100">
+            <a:solidFill>
+              <a:srgbClr val="FFC000"/>
+            </a:solidFill>
+            <a:headEnd type="triangle"/>
+            <a:tailEnd type="triangle"/>
+          </a:ln>
+        </p:spPr>
+        <p:style>
+          <a:lnRef idx="1">
+            <a:schemeClr val="accent1"/>
+          </a:lnRef>
+          <a:fillRef idx="0">
+            <a:schemeClr val="accent1"/>
+          </a:fillRef>
+          <a:effectRef idx="0">
+            <a:schemeClr val="accent1"/>
+          </a:effectRef>
+          <a:fontRef idx="minor">
+            <a:schemeClr val="tx1"/>
+          </a:fontRef>
+        </p:style>
+      </p:cxnSp>
     </p:spTree>
     <p:extLst>
       <p:ext uri="{BB962C8B-B14F-4D97-AF65-F5344CB8AC3E}">
-        <p14:creationId xmlns:p14="http://schemas.microsoft.com/office/powerpoint/2010/main" val="3173564647"/>
+        <p14:creationId xmlns:p14="http://schemas.microsoft.com/office/powerpoint/2010/main" val="3703990405"/>
       </p:ext>
     </p:extLst>
   </p:cSld>
@@ -5179,6 +6351,89 @@
           <p:cNvPr id="2" name="Title 1">
             <a:extLst>
               <a:ext uri="{FF2B5EF4-FFF2-40B4-BE49-F238E27FC236}">
+                <a16:creationId xmlns:a16="http://schemas.microsoft.com/office/drawing/2014/main" id="{52E5C877-FCC4-8B10-50C2-924FFD68CD9A}"/>
+              </a:ext>
+            </a:extLst>
+          </p:cNvPr>
+          <p:cNvSpPr>
+            <a:spLocks noGrp="1"/>
+          </p:cNvSpPr>
+          <p:nvPr>
+            <p:ph type="title"/>
+          </p:nvPr>
+        </p:nvSpPr>
+        <p:spPr/>
+        <p:txBody>
+          <a:bodyPr/>
+          <a:lstStyle/>
+          <a:p>
+            <a:r>
+              <a:rPr lang="en-US" dirty="0"/>
+              <a:t>Convolutional layer</a:t>
+            </a:r>
+          </a:p>
+        </p:txBody>
+      </p:sp>
+      <p:sp>
+        <p:nvSpPr>
+          <p:cNvPr id="3" name="Content Placeholder 2">
+            <a:extLst>
+              <a:ext uri="{FF2B5EF4-FFF2-40B4-BE49-F238E27FC236}">
+                <a16:creationId xmlns:a16="http://schemas.microsoft.com/office/drawing/2014/main" id="{98167828-7134-6384-2712-0B3A039FCF08}"/>
+              </a:ext>
+            </a:extLst>
+          </p:cNvPr>
+          <p:cNvSpPr>
+            <a:spLocks noGrp="1"/>
+          </p:cNvSpPr>
+          <p:nvPr>
+            <p:ph idx="1"/>
+          </p:nvPr>
+        </p:nvSpPr>
+        <p:spPr/>
+        <p:txBody>
+          <a:bodyPr/>
+          <a:lstStyle/>
+          <a:p>
+            <a:endParaRPr lang="en-US"/>
+          </a:p>
+        </p:txBody>
+      </p:sp>
+    </p:spTree>
+    <p:extLst>
+      <p:ext uri="{BB962C8B-B14F-4D97-AF65-F5344CB8AC3E}">
+        <p14:creationId xmlns:p14="http://schemas.microsoft.com/office/powerpoint/2010/main" val="3173564647"/>
+      </p:ext>
+    </p:extLst>
+  </p:cSld>
+  <p:clrMapOvr>
+    <a:masterClrMapping/>
+  </p:clrMapOvr>
+</p:sld>
+</file>
+
+<file path=ppt/slides/slide8.xml><?xml version="1.0" encoding="utf-8"?>
+<p:sld xmlns:a="http://schemas.openxmlformats.org/drawingml/2006/main" xmlns:r="http://schemas.openxmlformats.org/officeDocument/2006/relationships" xmlns:p="http://schemas.openxmlformats.org/presentationml/2006/main">
+  <p:cSld>
+    <p:spTree>
+      <p:nvGrpSpPr>
+        <p:cNvPr id="1" name=""/>
+        <p:cNvGrpSpPr/>
+        <p:nvPr/>
+      </p:nvGrpSpPr>
+      <p:grpSpPr>
+        <a:xfrm>
+          <a:off x="0" y="0"/>
+          <a:ext cx="0" cy="0"/>
+          <a:chOff x="0" y="0"/>
+          <a:chExt cx="0" cy="0"/>
+        </a:xfrm>
+      </p:grpSpPr>
+      <p:sp>
+        <p:nvSpPr>
+          <p:cNvPr id="2" name="Title 1">
+            <a:extLst>
+              <a:ext uri="{FF2B5EF4-FFF2-40B4-BE49-F238E27FC236}">
                 <a16:creationId xmlns:a16="http://schemas.microsoft.com/office/drawing/2014/main" id="{16764117-189B-1877-CA45-9F7123D63B76}"/>
               </a:ext>
             </a:extLst>
@@ -5240,7 +6495,7 @@
 </p:sld>
 </file>
 
-<file path=ppt/slides/slide8.xml><?xml version="1.0" encoding="utf-8"?>
+<file path=ppt/slides/slide9.xml><?xml version="1.0" encoding="utf-8"?>
 <p:sld xmlns:a="http://schemas.openxmlformats.org/drawingml/2006/main" xmlns:r="http://schemas.openxmlformats.org/officeDocument/2006/relationships" xmlns:p="http://schemas.openxmlformats.org/presentationml/2006/main">
   <p:cSld>
     <p:spTree>

--- a/Slides_4.pptx
+++ b/Slides_4.pptx
@@ -11,9 +11,10 @@
     <p:sldId id="263" r:id="rId5"/>
     <p:sldId id="265" r:id="rId6"/>
     <p:sldId id="266" r:id="rId7"/>
-    <p:sldId id="258" r:id="rId8"/>
-    <p:sldId id="260" r:id="rId9"/>
-    <p:sldId id="259" r:id="rId10"/>
+    <p:sldId id="267" r:id="rId8"/>
+    <p:sldId id="258" r:id="rId9"/>
+    <p:sldId id="260" r:id="rId10"/>
+    <p:sldId id="259" r:id="rId11"/>
   </p:sldIdLst>
   <p:sldSz cx="12192000" cy="6858000"/>
   <p:notesSz cx="6858000" cy="9144000"/>
@@ -3400,6 +3401,89 @@
     <p:extLst>
       <p:ext uri="{BB962C8B-B14F-4D97-AF65-F5344CB8AC3E}">
         <p14:creationId xmlns:p14="http://schemas.microsoft.com/office/powerpoint/2010/main" val="3667752640"/>
+      </p:ext>
+    </p:extLst>
+  </p:cSld>
+  <p:clrMapOvr>
+    <a:masterClrMapping/>
+  </p:clrMapOvr>
+</p:sld>
+</file>
+
+<file path=ppt/slides/slide10.xml><?xml version="1.0" encoding="utf-8"?>
+<p:sld xmlns:a="http://schemas.openxmlformats.org/drawingml/2006/main" xmlns:r="http://schemas.openxmlformats.org/officeDocument/2006/relationships" xmlns:p="http://schemas.openxmlformats.org/presentationml/2006/main">
+  <p:cSld>
+    <p:spTree>
+      <p:nvGrpSpPr>
+        <p:cNvPr id="1" name=""/>
+        <p:cNvGrpSpPr/>
+        <p:nvPr/>
+      </p:nvGrpSpPr>
+      <p:grpSpPr>
+        <a:xfrm>
+          <a:off x="0" y="0"/>
+          <a:ext cx="0" cy="0"/>
+          <a:chOff x="0" y="0"/>
+          <a:chExt cx="0" cy="0"/>
+        </a:xfrm>
+      </p:grpSpPr>
+      <p:sp>
+        <p:nvSpPr>
+          <p:cNvPr id="2" name="Title 1">
+            <a:extLst>
+              <a:ext uri="{FF2B5EF4-FFF2-40B4-BE49-F238E27FC236}">
+                <a16:creationId xmlns:a16="http://schemas.microsoft.com/office/drawing/2014/main" id="{5A21BA05-7638-0136-E7AA-B527B05967B9}"/>
+              </a:ext>
+            </a:extLst>
+          </p:cNvPr>
+          <p:cNvSpPr>
+            <a:spLocks noGrp="1"/>
+          </p:cNvSpPr>
+          <p:nvPr>
+            <p:ph type="title"/>
+          </p:nvPr>
+        </p:nvSpPr>
+        <p:spPr/>
+        <p:txBody>
+          <a:bodyPr/>
+          <a:lstStyle/>
+          <a:p>
+            <a:r>
+              <a:rPr lang="en-US" dirty="0"/>
+              <a:t>SoftMax Layer</a:t>
+            </a:r>
+          </a:p>
+        </p:txBody>
+      </p:sp>
+      <p:sp>
+        <p:nvSpPr>
+          <p:cNvPr id="3" name="Content Placeholder 2">
+            <a:extLst>
+              <a:ext uri="{FF2B5EF4-FFF2-40B4-BE49-F238E27FC236}">
+                <a16:creationId xmlns:a16="http://schemas.microsoft.com/office/drawing/2014/main" id="{164E258A-F80A-420F-EC17-E3E0064F7DEB}"/>
+              </a:ext>
+            </a:extLst>
+          </p:cNvPr>
+          <p:cNvSpPr>
+            <a:spLocks noGrp="1"/>
+          </p:cNvSpPr>
+          <p:nvPr>
+            <p:ph idx="1"/>
+          </p:nvPr>
+        </p:nvSpPr>
+        <p:spPr/>
+        <p:txBody>
+          <a:bodyPr/>
+          <a:lstStyle/>
+          <a:p>
+            <a:endParaRPr lang="en-US"/>
+          </a:p>
+        </p:txBody>
+      </p:sp>
+    </p:spTree>
+    <p:extLst>
+      <p:ext uri="{BB962C8B-B14F-4D97-AF65-F5344CB8AC3E}">
+        <p14:creationId xmlns:p14="http://schemas.microsoft.com/office/powerpoint/2010/main" val="3949010796"/>
       </p:ext>
     </p:extLst>
   </p:cSld>
@@ -5888,198 +5972,6 @@
       </p:sp>
       <p:cxnSp>
         <p:nvCxnSpPr>
-          <p:cNvPr id="10" name="Straight Connector 9">
-            <a:extLst>
-              <a:ext uri="{FF2B5EF4-FFF2-40B4-BE49-F238E27FC236}">
-                <a16:creationId xmlns:a16="http://schemas.microsoft.com/office/drawing/2014/main" id="{67AEDF50-97D4-31AF-8F0A-04E80D37D5C9}"/>
-              </a:ext>
-            </a:extLst>
-          </p:cNvPr>
-          <p:cNvCxnSpPr>
-            <a:cxnSpLocks/>
-          </p:cNvCxnSpPr>
-          <p:nvPr/>
-        </p:nvCxnSpPr>
-        <p:spPr>
-          <a:xfrm flipV="1">
-            <a:off x="7305040" y="914400"/>
-            <a:ext cx="0" cy="4572000"/>
-          </a:xfrm>
-          <a:prstGeom prst="line">
-            <a:avLst/>
-          </a:prstGeom>
-          <a:ln w="38100">
-            <a:solidFill>
-              <a:schemeClr val="bg1">
-                <a:lumMod val="50000"/>
-              </a:schemeClr>
-            </a:solidFill>
-          </a:ln>
-        </p:spPr>
-        <p:style>
-          <a:lnRef idx="1">
-            <a:schemeClr val="accent1"/>
-          </a:lnRef>
-          <a:fillRef idx="0">
-            <a:schemeClr val="accent1"/>
-          </a:fillRef>
-          <a:effectRef idx="0">
-            <a:schemeClr val="accent1"/>
-          </a:effectRef>
-          <a:fontRef idx="minor">
-            <a:schemeClr val="tx1"/>
-          </a:fontRef>
-        </p:style>
-      </p:cxnSp>
-      <p:cxnSp>
-        <p:nvCxnSpPr>
-          <p:cNvPr id="12" name="Straight Connector 11">
-            <a:extLst>
-              <a:ext uri="{FF2B5EF4-FFF2-40B4-BE49-F238E27FC236}">
-                <a16:creationId xmlns:a16="http://schemas.microsoft.com/office/drawing/2014/main" id="{573136CE-DEE5-DE82-1A70-B95A5E2CB3B7}"/>
-              </a:ext>
-            </a:extLst>
-          </p:cNvPr>
-          <p:cNvCxnSpPr>
-            <a:cxnSpLocks/>
-          </p:cNvCxnSpPr>
-          <p:nvPr/>
-        </p:nvCxnSpPr>
-        <p:spPr>
-          <a:xfrm flipV="1">
-            <a:off x="11440160" y="914400"/>
-            <a:ext cx="0" cy="4572000"/>
-          </a:xfrm>
-          <a:prstGeom prst="line">
-            <a:avLst/>
-          </a:prstGeom>
-          <a:ln w="38100">
-            <a:solidFill>
-              <a:schemeClr val="bg1">
-                <a:lumMod val="50000"/>
-              </a:schemeClr>
-            </a:solidFill>
-          </a:ln>
-        </p:spPr>
-        <p:style>
-          <a:lnRef idx="1">
-            <a:schemeClr val="accent1"/>
-          </a:lnRef>
-          <a:fillRef idx="0">
-            <a:schemeClr val="accent1"/>
-          </a:fillRef>
-          <a:effectRef idx="0">
-            <a:schemeClr val="accent1"/>
-          </a:effectRef>
-          <a:fontRef idx="minor">
-            <a:schemeClr val="tx1"/>
-          </a:fontRef>
-        </p:style>
-      </p:cxnSp>
-      <mc:AlternateContent xmlns:mc="http://schemas.openxmlformats.org/markup-compatibility/2006">
-        <mc:Choice xmlns:a14="http://schemas.microsoft.com/office/drawing/2010/main" Requires="a14">
-          <p:sp>
-            <p:nvSpPr>
-              <p:cNvPr id="17" name="TextBox 16">
-                <a:extLst>
-                  <a:ext uri="{FF2B5EF4-FFF2-40B4-BE49-F238E27FC236}">
-                    <a16:creationId xmlns:a16="http://schemas.microsoft.com/office/drawing/2014/main" id="{2E7DE3E0-4FC4-3C62-98A3-319E4EE16C91}"/>
-                  </a:ext>
-                </a:extLst>
-              </p:cNvPr>
-              <p:cNvSpPr txBox="1"/>
-              <p:nvPr/>
-            </p:nvSpPr>
-            <p:spPr>
-              <a:xfrm>
-                <a:off x="11498533" y="2345174"/>
-                <a:ext cx="432554" cy="461665"/>
-              </a:xfrm>
-              <a:prstGeom prst="rect">
-                <a:avLst/>
-              </a:prstGeom>
-              <a:noFill/>
-            </p:spPr>
-            <p:txBody>
-              <a:bodyPr wrap="none" rtlCol="0">
-                <a:spAutoFit/>
-              </a:bodyPr>
-              <a:lstStyle/>
-              <a:p>
-                <a14:m>
-                  <m:oMathPara xmlns:m="http://schemas.openxmlformats.org/officeDocument/2006/math">
-                    <m:oMathParaPr>
-                      <m:jc m:val="centerGroup"/>
-                    </m:oMathParaPr>
-                    <m:oMath xmlns:m="http://schemas.openxmlformats.org/officeDocument/2006/math">
-                      <m:r>
-                        <a:rPr lang="en-US" sz="2400" b="0" i="1" smtClean="0">
-                          <a:solidFill>
-                            <a:srgbClr val="002060"/>
-                          </a:solidFill>
-                          <a:latin typeface="Cambria Math" panose="02040503050406030204" pitchFamily="18" charset="0"/>
-                        </a:rPr>
-                        <m:t>𝑓</m:t>
-                      </m:r>
-                    </m:oMath>
-                  </m:oMathPara>
-                </a14:m>
-                <a:endParaRPr lang="en-US" b="0" dirty="0">
-                  <a:solidFill>
-                    <a:srgbClr val="002060"/>
-                  </a:solidFill>
-                </a:endParaRPr>
-              </a:p>
-            </p:txBody>
-          </p:sp>
-        </mc:Choice>
-        <mc:Fallback>
-          <p:sp>
-            <p:nvSpPr>
-              <p:cNvPr id="17" name="TextBox 16">
-                <a:extLst>
-                  <a:ext uri="{FF2B5EF4-FFF2-40B4-BE49-F238E27FC236}">
-                    <a16:creationId xmlns:a16="http://schemas.microsoft.com/office/drawing/2014/main" id="{2E7DE3E0-4FC4-3C62-98A3-319E4EE16C91}"/>
-                  </a:ext>
-                </a:extLst>
-              </p:cNvPr>
-              <p:cNvSpPr txBox="1">
-                <a:spLocks noRot="1" noChangeAspect="1" noMove="1" noResize="1" noEditPoints="1" noAdjustHandles="1" noChangeArrowheads="1" noChangeShapeType="1" noTextEdit="1"/>
-              </p:cNvSpPr>
-              <p:nvPr/>
-            </p:nvSpPr>
-            <p:spPr>
-              <a:xfrm>
-                <a:off x="11498533" y="2345174"/>
-                <a:ext cx="432554" cy="461665"/>
-              </a:xfrm>
-              <a:prstGeom prst="rect">
-                <a:avLst/>
-              </a:prstGeom>
-              <a:blipFill>
-                <a:blip r:embed="rId5"/>
-                <a:stretch>
-                  <a:fillRect l="-2817" r="-1408" b="-18667"/>
-                </a:stretch>
-              </a:blipFill>
-            </p:spPr>
-            <p:txBody>
-              <a:bodyPr/>
-              <a:lstStyle/>
-              <a:p>
-                <a:r>
-                  <a:rPr lang="en-US">
-                    <a:noFill/>
-                  </a:rPr>
-                  <a:t> </a:t>
-                </a:r>
-              </a:p>
-            </p:txBody>
-          </p:sp>
-        </mc:Fallback>
-      </mc:AlternateContent>
-      <p:cxnSp>
-        <p:nvCxnSpPr>
           <p:cNvPr id="19" name="Straight Connector 18">
             <a:extLst>
               <a:ext uri="{FF2B5EF4-FFF2-40B4-BE49-F238E27FC236}">
@@ -6316,6 +6208,96 @@
           </a:fontRef>
         </p:style>
       </p:cxnSp>
+      <p:cxnSp>
+        <p:nvCxnSpPr>
+          <p:cNvPr id="10" name="Straight Connector 9">
+            <a:extLst>
+              <a:ext uri="{FF2B5EF4-FFF2-40B4-BE49-F238E27FC236}">
+                <a16:creationId xmlns:a16="http://schemas.microsoft.com/office/drawing/2014/main" id="{67AEDF50-97D4-31AF-8F0A-04E80D37D5C9}"/>
+              </a:ext>
+            </a:extLst>
+          </p:cNvPr>
+          <p:cNvCxnSpPr>
+            <a:cxnSpLocks/>
+          </p:cNvCxnSpPr>
+          <p:nvPr/>
+        </p:nvCxnSpPr>
+        <p:spPr>
+          <a:xfrm flipV="1">
+            <a:off x="7305040" y="971788"/>
+            <a:ext cx="0" cy="4572000"/>
+          </a:xfrm>
+          <a:prstGeom prst="line">
+            <a:avLst/>
+          </a:prstGeom>
+          <a:ln w="38100">
+            <a:solidFill>
+              <a:schemeClr val="bg1">
+                <a:lumMod val="50000"/>
+              </a:schemeClr>
+            </a:solidFill>
+          </a:ln>
+        </p:spPr>
+        <p:style>
+          <a:lnRef idx="1">
+            <a:schemeClr val="accent1"/>
+          </a:lnRef>
+          <a:fillRef idx="0">
+            <a:schemeClr val="accent1"/>
+          </a:fillRef>
+          <a:effectRef idx="0">
+            <a:schemeClr val="accent1"/>
+          </a:effectRef>
+          <a:fontRef idx="minor">
+            <a:schemeClr val="tx1"/>
+          </a:fontRef>
+        </p:style>
+      </p:cxnSp>
+      <p:cxnSp>
+        <p:nvCxnSpPr>
+          <p:cNvPr id="12" name="Straight Connector 11">
+            <a:extLst>
+              <a:ext uri="{FF2B5EF4-FFF2-40B4-BE49-F238E27FC236}">
+                <a16:creationId xmlns:a16="http://schemas.microsoft.com/office/drawing/2014/main" id="{573136CE-DEE5-DE82-1A70-B95A5E2CB3B7}"/>
+              </a:ext>
+            </a:extLst>
+          </p:cNvPr>
+          <p:cNvCxnSpPr>
+            <a:cxnSpLocks/>
+          </p:cNvCxnSpPr>
+          <p:nvPr/>
+        </p:nvCxnSpPr>
+        <p:spPr>
+          <a:xfrm flipV="1">
+            <a:off x="11440160" y="971788"/>
+            <a:ext cx="0" cy="4572000"/>
+          </a:xfrm>
+          <a:prstGeom prst="line">
+            <a:avLst/>
+          </a:prstGeom>
+          <a:ln w="38100">
+            <a:solidFill>
+              <a:schemeClr val="bg1">
+                <a:lumMod val="50000"/>
+              </a:schemeClr>
+            </a:solidFill>
+          </a:ln>
+        </p:spPr>
+        <p:style>
+          <a:lnRef idx="1">
+            <a:schemeClr val="accent1"/>
+          </a:lnRef>
+          <a:fillRef idx="0">
+            <a:schemeClr val="accent1"/>
+          </a:fillRef>
+          <a:effectRef idx="0">
+            <a:schemeClr val="accent1"/>
+          </a:effectRef>
+          <a:fontRef idx="minor">
+            <a:schemeClr val="tx1"/>
+          </a:fontRef>
+        </p:style>
+      </p:cxnSp>
     </p:spTree>
     <p:extLst>
       <p:ext uri="{BB962C8B-B14F-4D97-AF65-F5344CB8AC3E}">
@@ -6351,7 +6333,7 @@
           <p:cNvPr id="2" name="Title 1">
             <a:extLst>
               <a:ext uri="{FF2B5EF4-FFF2-40B4-BE49-F238E27FC236}">
-                <a16:creationId xmlns:a16="http://schemas.microsoft.com/office/drawing/2014/main" id="{52E5C877-FCC4-8B10-50C2-924FFD68CD9A}"/>
+                <a16:creationId xmlns:a16="http://schemas.microsoft.com/office/drawing/2014/main" id="{CB2F9EAA-ACED-F1E9-E631-B2EBD973CB2B}"/>
               </a:ext>
             </a:extLst>
           </p:cNvPr>
@@ -6369,40 +6351,1187 @@
           <a:p>
             <a:r>
               <a:rPr lang="en-US" dirty="0"/>
-              <a:t>Convolutional layer</a:t>
+              <a:t>Goal</a:t>
             </a:r>
           </a:p>
         </p:txBody>
       </p:sp>
-      <p:sp>
-        <p:nvSpPr>
-          <p:cNvPr id="3" name="Content Placeholder 2">
-            <a:extLst>
-              <a:ext uri="{FF2B5EF4-FFF2-40B4-BE49-F238E27FC236}">
-                <a16:creationId xmlns:a16="http://schemas.microsoft.com/office/drawing/2014/main" id="{98167828-7134-6384-2712-0B3A039FCF08}"/>
-              </a:ext>
-            </a:extLst>
-          </p:cNvPr>
-          <p:cNvSpPr>
-            <a:spLocks noGrp="1"/>
-          </p:cNvSpPr>
-          <p:nvPr>
-            <p:ph idx="1"/>
-          </p:nvPr>
-        </p:nvSpPr>
-        <p:spPr/>
-        <p:txBody>
-          <a:bodyPr/>
+      <mc:AlternateContent xmlns:mc="http://schemas.openxmlformats.org/markup-compatibility/2006">
+        <mc:Choice xmlns:a14="http://schemas.microsoft.com/office/drawing/2010/main" Requires="a14">
+          <p:sp>
+            <p:nvSpPr>
+              <p:cNvPr id="3" name="Content Placeholder 2">
+                <a:extLst>
+                  <a:ext uri="{FF2B5EF4-FFF2-40B4-BE49-F238E27FC236}">
+                    <a16:creationId xmlns:a16="http://schemas.microsoft.com/office/drawing/2014/main" id="{ACB64140-BBE3-E0AE-E14D-2E7EE36DC11A}"/>
+                  </a:ext>
+                </a:extLst>
+              </p:cNvPr>
+              <p:cNvSpPr>
+                <a:spLocks noGrp="1"/>
+              </p:cNvSpPr>
+              <p:nvPr>
+                <p:ph idx="1"/>
+              </p:nvPr>
+            </p:nvSpPr>
+            <p:spPr>
+              <a:xfrm>
+                <a:off x="838200" y="1825625"/>
+                <a:ext cx="5257800" cy="4351338"/>
+              </a:xfrm>
+            </p:spPr>
+            <p:txBody>
+              <a:bodyPr/>
+              <a:lstStyle/>
+              <a:p>
+                <a14:m>
+                  <m:oMath xmlns:m="http://schemas.openxmlformats.org/officeDocument/2006/math">
+                    <m:r>
+                      <a:rPr lang="en-US" b="0" i="1" smtClean="0">
+                        <a:solidFill>
+                          <a:srgbClr val="002060"/>
+                        </a:solidFill>
+                        <a:latin typeface="Cambria Math" panose="02040503050406030204" pitchFamily="18" charset="0"/>
+                      </a:rPr>
+                      <m:t>∀ </m:t>
+                    </m:r>
+                    <m:r>
+                      <a:rPr lang="en-US" i="1" smtClean="0">
+                        <a:solidFill>
+                          <a:srgbClr val="002060"/>
+                        </a:solidFill>
+                        <a:latin typeface="Cambria Math" panose="02040503050406030204" pitchFamily="18" charset="0"/>
+                      </a:rPr>
+                      <m:t>𝑓</m:t>
+                    </m:r>
+                    <m:r>
+                      <a:rPr lang="en-US" i="1" smtClean="0">
+                        <a:solidFill>
+                          <a:srgbClr val="002060"/>
+                        </a:solidFill>
+                        <a:latin typeface="Cambria Math" panose="02040503050406030204" pitchFamily="18" charset="0"/>
+                      </a:rPr>
+                      <m:t>∈</m:t>
+                    </m:r>
+                    <m:r>
+                      <a:rPr lang="en-US" i="1" smtClean="0">
+                        <a:solidFill>
+                          <a:srgbClr val="002060"/>
+                        </a:solidFill>
+                        <a:latin typeface="Cambria Math" panose="02040503050406030204" pitchFamily="18" charset="0"/>
+                      </a:rPr>
+                      <m:t>𝒞</m:t>
+                    </m:r>
+                    <m:d>
+                      <m:dPr>
+                        <m:ctrlPr>
+                          <a:rPr lang="en-US" i="1">
+                            <a:solidFill>
+                              <a:srgbClr val="002060"/>
+                            </a:solidFill>
+                            <a:latin typeface="Cambria Math" panose="02040503050406030204" pitchFamily="18" charset="0"/>
+                          </a:rPr>
+                        </m:ctrlPr>
+                      </m:dPr>
+                      <m:e>
+                        <m:d>
+                          <m:dPr>
+                            <m:begChr m:val="["/>
+                            <m:endChr m:val="]"/>
+                            <m:ctrlPr>
+                              <a:rPr lang="en-US" i="1">
+                                <a:solidFill>
+                                  <a:srgbClr val="002060"/>
+                                </a:solidFill>
+                                <a:latin typeface="Cambria Math" panose="02040503050406030204" pitchFamily="18" charset="0"/>
+                              </a:rPr>
+                            </m:ctrlPr>
+                          </m:dPr>
+                          <m:e>
+                            <m:r>
+                              <a:rPr lang="en-US" i="1">
+                                <a:solidFill>
+                                  <a:srgbClr val="002060"/>
+                                </a:solidFill>
+                                <a:latin typeface="Cambria Math" panose="02040503050406030204" pitchFamily="18" charset="0"/>
+                              </a:rPr>
+                              <m:t>𝑎</m:t>
+                            </m:r>
+                            <m:r>
+                              <a:rPr lang="en-US" i="1">
+                                <a:solidFill>
+                                  <a:srgbClr val="002060"/>
+                                </a:solidFill>
+                                <a:latin typeface="Cambria Math" panose="02040503050406030204" pitchFamily="18" charset="0"/>
+                              </a:rPr>
+                              <m:t>,</m:t>
+                            </m:r>
+                            <m:r>
+                              <a:rPr lang="en-US" i="1">
+                                <a:solidFill>
+                                  <a:srgbClr val="002060"/>
+                                </a:solidFill>
+                                <a:latin typeface="Cambria Math" panose="02040503050406030204" pitchFamily="18" charset="0"/>
+                              </a:rPr>
+                              <m:t>𝑏</m:t>
+                            </m:r>
+                          </m:e>
+                        </m:d>
+                      </m:e>
+                    </m:d>
+                  </m:oMath>
+                </a14:m>
+                <a:endParaRPr lang="en-US" dirty="0"/>
+              </a:p>
+              <a:p>
+                <a:endParaRPr lang="en-US" b="0" i="1" dirty="0">
+                  <a:latin typeface="Cambria Math" panose="02040503050406030204" pitchFamily="18" charset="0"/>
+                </a:endParaRPr>
+              </a:p>
+              <a:p>
+                <a14:m>
+                  <m:oMath xmlns:m="http://schemas.openxmlformats.org/officeDocument/2006/math">
+                    <m:r>
+                      <a:rPr lang="en-US" b="0" i="1" smtClean="0">
+                        <a:latin typeface="Cambria Math" panose="02040503050406030204" pitchFamily="18" charset="0"/>
+                      </a:rPr>
+                      <m:t>∀ </m:t>
+                    </m:r>
+                    <m:r>
+                      <a:rPr lang="en-US" b="0" i="1" smtClean="0">
+                        <a:latin typeface="Cambria Math" panose="02040503050406030204" pitchFamily="18" charset="0"/>
+                      </a:rPr>
+                      <m:t>𝜀</m:t>
+                    </m:r>
+                    <m:r>
+                      <a:rPr lang="en-US" b="0" i="1" smtClean="0">
+                        <a:latin typeface="Cambria Math" panose="02040503050406030204" pitchFamily="18" charset="0"/>
+                      </a:rPr>
+                      <m:t>&gt;0</m:t>
+                    </m:r>
+                  </m:oMath>
+                </a14:m>
+                <a:endParaRPr lang="en-US" b="0" i="1" dirty="0">
+                  <a:latin typeface="Cambria Math" panose="02040503050406030204" pitchFamily="18" charset="0"/>
+                </a:endParaRPr>
+              </a:p>
+              <a:p>
+                <a:endParaRPr lang="en-US" b="0" i="1" dirty="0">
+                  <a:latin typeface="Cambria Math" panose="02040503050406030204" pitchFamily="18" charset="0"/>
+                </a:endParaRPr>
+              </a:p>
+              <a:p>
+                <a:pPr/>
+                <a14:m>
+                  <m:oMath xmlns:m="http://schemas.openxmlformats.org/officeDocument/2006/math">
+                    <m:r>
+                      <a:rPr lang="en-US" b="0" i="1" smtClean="0">
+                        <a:solidFill>
+                          <a:srgbClr val="C00000"/>
+                        </a:solidFill>
+                        <a:latin typeface="Cambria Math" panose="02040503050406030204" pitchFamily="18" charset="0"/>
+                      </a:rPr>
+                      <m:t>∃ </m:t>
+                    </m:r>
+                    <m:r>
+                      <a:rPr lang="en-US" b="0" i="1" smtClean="0">
+                        <a:solidFill>
+                          <a:srgbClr val="C00000"/>
+                        </a:solidFill>
+                        <a:latin typeface="Cambria Math" panose="02040503050406030204" pitchFamily="18" charset="0"/>
+                      </a:rPr>
+                      <m:t>𝑝</m:t>
+                    </m:r>
+                    <m:r>
+                      <a:rPr lang="en-US" b="0" i="1" smtClean="0">
+                        <a:solidFill>
+                          <a:srgbClr val="C00000"/>
+                        </a:solidFill>
+                        <a:latin typeface="Cambria Math" panose="02040503050406030204" pitchFamily="18" charset="0"/>
+                      </a:rPr>
+                      <m:t>∈</m:t>
+                    </m:r>
+                    <m:r>
+                      <a:rPr lang="en-US" b="0" i="1" smtClean="0">
+                        <a:solidFill>
+                          <a:srgbClr val="C00000"/>
+                        </a:solidFill>
+                        <a:latin typeface="Cambria Math" panose="02040503050406030204" pitchFamily="18" charset="0"/>
+                      </a:rPr>
+                      <m:t>𝒫</m:t>
+                    </m:r>
+                    <m:r>
+                      <a:rPr lang="en-US" b="0" i="1" smtClean="0">
+                        <a:solidFill>
+                          <a:srgbClr val="C00000"/>
+                        </a:solidFill>
+                        <a:latin typeface="Cambria Math" panose="02040503050406030204" pitchFamily="18" charset="0"/>
+                      </a:rPr>
+                      <m:t>(</m:t>
+                    </m:r>
+                    <m:r>
+                      <a:rPr lang="en-US" b="0" i="1" smtClean="0">
+                        <a:solidFill>
+                          <a:srgbClr val="C00000"/>
+                        </a:solidFill>
+                        <a:latin typeface="Cambria Math" panose="02040503050406030204" pitchFamily="18" charset="0"/>
+                      </a:rPr>
+                      <m:t>𝑛</m:t>
+                    </m:r>
+                    <m:r>
+                      <a:rPr lang="en-US" b="0" i="1" smtClean="0">
+                        <a:solidFill>
+                          <a:srgbClr val="C00000"/>
+                        </a:solidFill>
+                        <a:latin typeface="Cambria Math" panose="02040503050406030204" pitchFamily="18" charset="0"/>
+                      </a:rPr>
+                      <m:t>)</m:t>
+                    </m:r>
+                  </m:oMath>
+                </a14:m>
+                <a:endParaRPr lang="en-US" dirty="0">
+                  <a:solidFill>
+                    <a:srgbClr val="C00000"/>
+                  </a:solidFill>
+                </a:endParaRPr>
+              </a:p>
+              <a:p>
+                <a:pPr/>
+                <a:endParaRPr lang="en-US" dirty="0">
+                  <a:solidFill>
+                    <a:srgbClr val="C00000"/>
+                  </a:solidFill>
+                </a:endParaRPr>
+              </a:p>
+              <a:p>
+                <a:pPr/>
+                <a14:m>
+                  <m:oMath xmlns:m="http://schemas.openxmlformats.org/officeDocument/2006/math">
+                    <m:r>
+                      <a:rPr lang="en-US" b="0" i="1" smtClean="0">
+                        <a:solidFill>
+                          <a:srgbClr val="FFC000"/>
+                        </a:solidFill>
+                        <a:latin typeface="Cambria Math" panose="02040503050406030204" pitchFamily="18" charset="0"/>
+                      </a:rPr>
+                      <m:t>𝑠</m:t>
+                    </m:r>
+                    <m:r>
+                      <a:rPr lang="en-US" b="0" i="1" smtClean="0">
+                        <a:solidFill>
+                          <a:srgbClr val="FFC000"/>
+                        </a:solidFill>
+                        <a:latin typeface="Cambria Math" panose="02040503050406030204" pitchFamily="18" charset="0"/>
+                      </a:rPr>
+                      <m:t>.</m:t>
+                    </m:r>
+                    <m:r>
+                      <a:rPr lang="en-US" b="0" i="1" smtClean="0">
+                        <a:solidFill>
+                          <a:srgbClr val="FFC000"/>
+                        </a:solidFill>
+                        <a:latin typeface="Cambria Math" panose="02040503050406030204" pitchFamily="18" charset="0"/>
+                      </a:rPr>
+                      <m:t>𝑡</m:t>
+                    </m:r>
+                    <m:r>
+                      <a:rPr lang="en-US" b="0" i="1" smtClean="0">
+                        <a:solidFill>
+                          <a:srgbClr val="FFC000"/>
+                        </a:solidFill>
+                        <a:latin typeface="Cambria Math" panose="02040503050406030204" pitchFamily="18" charset="0"/>
+                      </a:rPr>
+                      <m:t>.    </m:t>
+                    </m:r>
+                    <m:d>
+                      <m:dPr>
+                        <m:begChr m:val="|"/>
+                        <m:endChr m:val="|"/>
+                        <m:ctrlPr>
+                          <a:rPr lang="en-US" b="0" i="1" smtClean="0">
+                            <a:solidFill>
+                              <a:srgbClr val="FFC000"/>
+                            </a:solidFill>
+                            <a:latin typeface="Cambria Math" panose="02040503050406030204" pitchFamily="18" charset="0"/>
+                          </a:rPr>
+                        </m:ctrlPr>
+                      </m:dPr>
+                      <m:e>
+                        <m:r>
+                          <a:rPr lang="en-US" b="0" i="1" smtClean="0">
+                            <a:solidFill>
+                              <a:srgbClr val="FFC000"/>
+                            </a:solidFill>
+                            <a:latin typeface="Cambria Math" panose="02040503050406030204" pitchFamily="18" charset="0"/>
+                          </a:rPr>
+                          <m:t>𝑓</m:t>
+                        </m:r>
+                        <m:d>
+                          <m:dPr>
+                            <m:ctrlPr>
+                              <a:rPr lang="en-US" b="0" i="1" smtClean="0">
+                                <a:solidFill>
+                                  <a:srgbClr val="FFC000"/>
+                                </a:solidFill>
+                                <a:latin typeface="Cambria Math" panose="02040503050406030204" pitchFamily="18" charset="0"/>
+                              </a:rPr>
+                            </m:ctrlPr>
+                          </m:dPr>
+                          <m:e>
+                            <m:r>
+                              <a:rPr lang="en-US" b="0" i="1" smtClean="0">
+                                <a:solidFill>
+                                  <a:srgbClr val="FFC000"/>
+                                </a:solidFill>
+                                <a:latin typeface="Cambria Math" panose="02040503050406030204" pitchFamily="18" charset="0"/>
+                              </a:rPr>
+                              <m:t>𝑥</m:t>
+                            </m:r>
+                          </m:e>
+                        </m:d>
+                        <m:r>
+                          <a:rPr lang="en-US" b="0" i="1" smtClean="0">
+                            <a:solidFill>
+                              <a:srgbClr val="FFC000"/>
+                            </a:solidFill>
+                            <a:latin typeface="Cambria Math" panose="02040503050406030204" pitchFamily="18" charset="0"/>
+                          </a:rPr>
+                          <m:t>−</m:t>
+                        </m:r>
+                        <m:r>
+                          <a:rPr lang="en-US" b="0" i="1" smtClean="0">
+                            <a:solidFill>
+                              <a:srgbClr val="FFC000"/>
+                            </a:solidFill>
+                            <a:latin typeface="Cambria Math" panose="02040503050406030204" pitchFamily="18" charset="0"/>
+                          </a:rPr>
+                          <m:t>𝑝</m:t>
+                        </m:r>
+                        <m:r>
+                          <a:rPr lang="en-US" b="0" i="1" smtClean="0">
+                            <a:solidFill>
+                              <a:srgbClr val="FFC000"/>
+                            </a:solidFill>
+                            <a:latin typeface="Cambria Math" panose="02040503050406030204" pitchFamily="18" charset="0"/>
+                          </a:rPr>
+                          <m:t>(</m:t>
+                        </m:r>
+                        <m:r>
+                          <a:rPr lang="en-US" b="0" i="1" smtClean="0">
+                            <a:solidFill>
+                              <a:srgbClr val="FFC000"/>
+                            </a:solidFill>
+                            <a:latin typeface="Cambria Math" panose="02040503050406030204" pitchFamily="18" charset="0"/>
+                          </a:rPr>
+                          <m:t>𝑥</m:t>
+                        </m:r>
+                        <m:r>
+                          <a:rPr lang="en-US" b="0" i="1" smtClean="0">
+                            <a:solidFill>
+                              <a:srgbClr val="FFC000"/>
+                            </a:solidFill>
+                            <a:latin typeface="Cambria Math" panose="02040503050406030204" pitchFamily="18" charset="0"/>
+                          </a:rPr>
+                          <m:t>)</m:t>
+                        </m:r>
+                      </m:e>
+                    </m:d>
+                    <m:r>
+                      <a:rPr lang="en-US" b="0" i="1" smtClean="0">
+                        <a:solidFill>
+                          <a:srgbClr val="FFC000"/>
+                        </a:solidFill>
+                        <a:latin typeface="Cambria Math" panose="02040503050406030204" pitchFamily="18" charset="0"/>
+                      </a:rPr>
+                      <m:t>&lt;</m:t>
+                    </m:r>
+                    <m:r>
+                      <a:rPr lang="en-US" b="0" i="1" smtClean="0">
+                        <a:solidFill>
+                          <a:srgbClr val="FFC000"/>
+                        </a:solidFill>
+                        <a:latin typeface="Cambria Math" panose="02040503050406030204" pitchFamily="18" charset="0"/>
+                      </a:rPr>
+                      <m:t>𝜀</m:t>
+                    </m:r>
+                  </m:oMath>
+                </a14:m>
+                <a:endParaRPr lang="en-US" dirty="0">
+                  <a:solidFill>
+                    <a:srgbClr val="FFC000"/>
+                  </a:solidFill>
+                </a:endParaRPr>
+              </a:p>
+              <a:p>
+                <a:endParaRPr lang="en-US" dirty="0"/>
+              </a:p>
+            </p:txBody>
+          </p:sp>
+        </mc:Choice>
+        <mc:Fallback>
+          <p:sp>
+            <p:nvSpPr>
+              <p:cNvPr id="3" name="Content Placeholder 2">
+                <a:extLst>
+                  <a:ext uri="{FF2B5EF4-FFF2-40B4-BE49-F238E27FC236}">
+                    <a16:creationId xmlns:a16="http://schemas.microsoft.com/office/drawing/2014/main" id="{ACB64140-BBE3-E0AE-E14D-2E7EE36DC11A}"/>
+                  </a:ext>
+                </a:extLst>
+              </p:cNvPr>
+              <p:cNvSpPr>
+                <a:spLocks noGrp="1" noRot="1" noChangeAspect="1" noMove="1" noResize="1" noEditPoints="1" noAdjustHandles="1" noChangeArrowheads="1" noChangeShapeType="1" noTextEdit="1"/>
+              </p:cNvSpPr>
+              <p:nvPr>
+                <p:ph idx="1"/>
+              </p:nvPr>
+            </p:nvSpPr>
+            <p:spPr>
+              <a:xfrm>
+                <a:off x="838200" y="1825625"/>
+                <a:ext cx="5257800" cy="4351338"/>
+              </a:xfrm>
+              <a:blipFill>
+                <a:blip r:embed="rId2"/>
+                <a:stretch>
+                  <a:fillRect/>
+                </a:stretch>
+              </a:blipFill>
+            </p:spPr>
+            <p:txBody>
+              <a:bodyPr/>
+              <a:lstStyle/>
+              <a:p>
+                <a:r>
+                  <a:rPr lang="en-US">
+                    <a:noFill/>
+                  </a:rPr>
+                  <a:t> </a:t>
+                </a:r>
+              </a:p>
+            </p:txBody>
+          </p:sp>
+        </mc:Fallback>
+      </mc:AlternateContent>
+      <p:cxnSp>
+        <p:nvCxnSpPr>
+          <p:cNvPr id="5" name="Straight Arrow Connector 4">
+            <a:extLst>
+              <a:ext uri="{FF2B5EF4-FFF2-40B4-BE49-F238E27FC236}">
+                <a16:creationId xmlns:a16="http://schemas.microsoft.com/office/drawing/2014/main" id="{D778EA49-D1D7-46A3-67E4-4D73F000C4E3}"/>
+              </a:ext>
+            </a:extLst>
+          </p:cNvPr>
+          <p:cNvCxnSpPr/>
+          <p:nvPr/>
+        </p:nvCxnSpPr>
+        <p:spPr>
+          <a:xfrm flipV="1">
+            <a:off x="6959600" y="741680"/>
+            <a:ext cx="0" cy="5171440"/>
+          </a:xfrm>
+          <a:prstGeom prst="straightConnector1">
+            <a:avLst/>
+          </a:prstGeom>
+          <a:ln w="38100">
+            <a:tailEnd type="triangle"/>
+          </a:ln>
+        </p:spPr>
+        <p:style>
+          <a:lnRef idx="1">
+            <a:schemeClr val="dk1"/>
+          </a:lnRef>
+          <a:fillRef idx="0">
+            <a:schemeClr val="dk1"/>
+          </a:fillRef>
+          <a:effectRef idx="0">
+            <a:schemeClr val="dk1"/>
+          </a:effectRef>
+          <a:fontRef idx="minor">
+            <a:schemeClr val="tx1"/>
+          </a:fontRef>
+        </p:style>
+      </p:cxnSp>
+      <p:cxnSp>
+        <p:nvCxnSpPr>
+          <p:cNvPr id="6" name="Straight Arrow Connector 5">
+            <a:extLst>
+              <a:ext uri="{FF2B5EF4-FFF2-40B4-BE49-F238E27FC236}">
+                <a16:creationId xmlns:a16="http://schemas.microsoft.com/office/drawing/2014/main" id="{81E7EEC4-7992-229E-4DE2-7D75F3418AC5}"/>
+              </a:ext>
+            </a:extLst>
+          </p:cNvPr>
+          <p:cNvCxnSpPr>
+            <a:cxnSpLocks/>
+          </p:cNvCxnSpPr>
+          <p:nvPr/>
+        </p:nvCxnSpPr>
+        <p:spPr>
+          <a:xfrm>
+            <a:off x="6177280" y="5201920"/>
+            <a:ext cx="5506720" cy="0"/>
+          </a:xfrm>
+          <a:prstGeom prst="straightConnector1">
+            <a:avLst/>
+          </a:prstGeom>
+          <a:ln w="38100">
+            <a:tailEnd type="triangle"/>
+          </a:ln>
+        </p:spPr>
+        <p:style>
+          <a:lnRef idx="1">
+            <a:schemeClr val="dk1"/>
+          </a:lnRef>
+          <a:fillRef idx="0">
+            <a:schemeClr val="dk1"/>
+          </a:fillRef>
+          <a:effectRef idx="0">
+            <a:schemeClr val="dk1"/>
+          </a:effectRef>
+          <a:fontRef idx="minor">
+            <a:schemeClr val="tx1"/>
+          </a:fontRef>
+        </p:style>
+      </p:cxnSp>
+      <mc:AlternateContent xmlns:mc="http://schemas.openxmlformats.org/markup-compatibility/2006">
+        <mc:Choice xmlns:a14="http://schemas.microsoft.com/office/drawing/2010/main" Requires="a14">
+          <p:sp>
+            <p:nvSpPr>
+              <p:cNvPr id="13" name="TextBox 12">
+                <a:extLst>
+                  <a:ext uri="{FF2B5EF4-FFF2-40B4-BE49-F238E27FC236}">
+                    <a16:creationId xmlns:a16="http://schemas.microsoft.com/office/drawing/2014/main" id="{69462F3D-7736-0E43-297B-826D88837B8D}"/>
+                  </a:ext>
+                </a:extLst>
+              </p:cNvPr>
+              <p:cNvSpPr txBox="1"/>
+              <p:nvPr/>
+            </p:nvSpPr>
+            <p:spPr>
+              <a:xfrm>
+                <a:off x="7119316" y="5543788"/>
+                <a:ext cx="371448" cy="369332"/>
+              </a:xfrm>
+              <a:prstGeom prst="rect">
+                <a:avLst/>
+              </a:prstGeom>
+              <a:noFill/>
+            </p:spPr>
+            <p:txBody>
+              <a:bodyPr wrap="none" rtlCol="0">
+                <a:spAutoFit/>
+              </a:bodyPr>
+              <a:lstStyle/>
+              <a:p>
+                <a14:m>
+                  <m:oMathPara xmlns:m="http://schemas.openxmlformats.org/officeDocument/2006/math">
+                    <m:oMathParaPr>
+                      <m:jc m:val="centerGroup"/>
+                    </m:oMathParaPr>
+                    <m:oMath xmlns:m="http://schemas.openxmlformats.org/officeDocument/2006/math">
+                      <m:r>
+                        <a:rPr lang="en-US" b="0" i="1" smtClean="0">
+                          <a:solidFill>
+                            <a:schemeClr val="bg1">
+                              <a:lumMod val="50000"/>
+                            </a:schemeClr>
+                          </a:solidFill>
+                          <a:latin typeface="Cambria Math" panose="02040503050406030204" pitchFamily="18" charset="0"/>
+                        </a:rPr>
+                        <m:t>𝑎</m:t>
+                      </m:r>
+                    </m:oMath>
+                  </m:oMathPara>
+                </a14:m>
+                <a:endParaRPr lang="en-US" b="0" dirty="0">
+                  <a:solidFill>
+                    <a:schemeClr val="bg1">
+                      <a:lumMod val="50000"/>
+                    </a:schemeClr>
+                  </a:solidFill>
+                </a:endParaRPr>
+              </a:p>
+            </p:txBody>
+          </p:sp>
+        </mc:Choice>
+        <mc:Fallback>
+          <p:sp>
+            <p:nvSpPr>
+              <p:cNvPr id="13" name="TextBox 12">
+                <a:extLst>
+                  <a:ext uri="{FF2B5EF4-FFF2-40B4-BE49-F238E27FC236}">
+                    <a16:creationId xmlns:a16="http://schemas.microsoft.com/office/drawing/2014/main" id="{69462F3D-7736-0E43-297B-826D88837B8D}"/>
+                  </a:ext>
+                </a:extLst>
+              </p:cNvPr>
+              <p:cNvSpPr txBox="1">
+                <a:spLocks noRot="1" noChangeAspect="1" noMove="1" noResize="1" noEditPoints="1" noAdjustHandles="1" noChangeArrowheads="1" noChangeShapeType="1" noTextEdit="1"/>
+              </p:cNvSpPr>
+              <p:nvPr/>
+            </p:nvSpPr>
+            <p:spPr>
+              <a:xfrm>
+                <a:off x="7119316" y="5543788"/>
+                <a:ext cx="371448" cy="369332"/>
+              </a:xfrm>
+              <a:prstGeom prst="rect">
+                <a:avLst/>
+              </a:prstGeom>
+              <a:blipFill>
+                <a:blip r:embed="rId3"/>
+                <a:stretch>
+                  <a:fillRect/>
+                </a:stretch>
+              </a:blipFill>
+            </p:spPr>
+            <p:txBody>
+              <a:bodyPr/>
+              <a:lstStyle/>
+              <a:p>
+                <a:r>
+                  <a:rPr lang="en-US">
+                    <a:noFill/>
+                  </a:rPr>
+                  <a:t> </a:t>
+                </a:r>
+              </a:p>
+            </p:txBody>
+          </p:sp>
+        </mc:Fallback>
+      </mc:AlternateContent>
+      <mc:AlternateContent xmlns:mc="http://schemas.openxmlformats.org/markup-compatibility/2006">
+        <mc:Choice xmlns:a14="http://schemas.microsoft.com/office/drawing/2010/main" Requires="a14">
+          <p:sp>
+            <p:nvSpPr>
+              <p:cNvPr id="14" name="TextBox 13">
+                <a:extLst>
+                  <a:ext uri="{FF2B5EF4-FFF2-40B4-BE49-F238E27FC236}">
+                    <a16:creationId xmlns:a16="http://schemas.microsoft.com/office/drawing/2014/main" id="{D974E4C4-B7FD-B928-EACA-523D7ED94611}"/>
+                  </a:ext>
+                </a:extLst>
+              </p:cNvPr>
+              <p:cNvSpPr txBox="1"/>
+              <p:nvPr/>
+            </p:nvSpPr>
+            <p:spPr>
+              <a:xfrm>
+                <a:off x="11256327" y="5543788"/>
+                <a:ext cx="367665" cy="369332"/>
+              </a:xfrm>
+              <a:prstGeom prst="rect">
+                <a:avLst/>
+              </a:prstGeom>
+              <a:noFill/>
+            </p:spPr>
+            <p:txBody>
+              <a:bodyPr wrap="none" rtlCol="0">
+                <a:spAutoFit/>
+              </a:bodyPr>
+              <a:lstStyle/>
+              <a:p>
+                <a14:m>
+                  <m:oMathPara xmlns:m="http://schemas.openxmlformats.org/officeDocument/2006/math">
+                    <m:oMathParaPr>
+                      <m:jc m:val="centerGroup"/>
+                    </m:oMathParaPr>
+                    <m:oMath xmlns:m="http://schemas.openxmlformats.org/officeDocument/2006/math">
+                      <m:r>
+                        <a:rPr lang="en-US" b="0" i="1" smtClean="0">
+                          <a:solidFill>
+                            <a:schemeClr val="bg1">
+                              <a:lumMod val="50000"/>
+                            </a:schemeClr>
+                          </a:solidFill>
+                          <a:latin typeface="Cambria Math" panose="02040503050406030204" pitchFamily="18" charset="0"/>
+                        </a:rPr>
+                        <m:t>𝑏</m:t>
+                      </m:r>
+                    </m:oMath>
+                  </m:oMathPara>
+                </a14:m>
+                <a:endParaRPr lang="en-US" b="0" dirty="0">
+                  <a:solidFill>
+                    <a:schemeClr val="bg1">
+                      <a:lumMod val="50000"/>
+                    </a:schemeClr>
+                  </a:solidFill>
+                </a:endParaRPr>
+              </a:p>
+            </p:txBody>
+          </p:sp>
+        </mc:Choice>
+        <mc:Fallback>
+          <p:sp>
+            <p:nvSpPr>
+              <p:cNvPr id="14" name="TextBox 13">
+                <a:extLst>
+                  <a:ext uri="{FF2B5EF4-FFF2-40B4-BE49-F238E27FC236}">
+                    <a16:creationId xmlns:a16="http://schemas.microsoft.com/office/drawing/2014/main" id="{D974E4C4-B7FD-B928-EACA-523D7ED94611}"/>
+                  </a:ext>
+                </a:extLst>
+              </p:cNvPr>
+              <p:cNvSpPr txBox="1">
+                <a:spLocks noRot="1" noChangeAspect="1" noMove="1" noResize="1" noEditPoints="1" noAdjustHandles="1" noChangeArrowheads="1" noChangeShapeType="1" noTextEdit="1"/>
+              </p:cNvSpPr>
+              <p:nvPr/>
+            </p:nvSpPr>
+            <p:spPr>
+              <a:xfrm>
+                <a:off x="11256327" y="5543788"/>
+                <a:ext cx="367665" cy="369332"/>
+              </a:xfrm>
+              <a:prstGeom prst="rect">
+                <a:avLst/>
+              </a:prstGeom>
+              <a:blipFill>
+                <a:blip r:embed="rId4"/>
+                <a:stretch>
+                  <a:fillRect/>
+                </a:stretch>
+              </a:blipFill>
+            </p:spPr>
+            <p:txBody>
+              <a:bodyPr/>
+              <a:lstStyle/>
+              <a:p>
+                <a:r>
+                  <a:rPr lang="en-US">
+                    <a:noFill/>
+                  </a:rPr>
+                  <a:t> </a:t>
+                </a:r>
+              </a:p>
+            </p:txBody>
+          </p:sp>
+        </mc:Fallback>
+      </mc:AlternateContent>
+      <p:sp>
+        <p:nvSpPr>
+          <p:cNvPr id="16" name="Freeform: Shape 15">
+            <a:extLst>
+              <a:ext uri="{FF2B5EF4-FFF2-40B4-BE49-F238E27FC236}">
+                <a16:creationId xmlns:a16="http://schemas.microsoft.com/office/drawing/2014/main" id="{BF66FADA-8CE6-22EF-292C-3DC9AF1F4A79}"/>
+              </a:ext>
+            </a:extLst>
+          </p:cNvPr>
+          <p:cNvSpPr/>
+          <p:nvPr/>
+        </p:nvSpPr>
+        <p:spPr>
+          <a:xfrm>
+            <a:off x="7315200" y="1932973"/>
+            <a:ext cx="4114800" cy="2824220"/>
+          </a:xfrm>
+          <a:custGeom>
+            <a:avLst/>
+            <a:gdLst>
+              <a:gd name="connsiteX0" fmla="*/ 0 w 3982720"/>
+              <a:gd name="connsiteY0" fmla="*/ 1930400 h 1930400"/>
+              <a:gd name="connsiteX1" fmla="*/ 1127760 w 3982720"/>
+              <a:gd name="connsiteY1" fmla="*/ 690880 h 1930400"/>
+              <a:gd name="connsiteX2" fmla="*/ 2509520 w 3982720"/>
+              <a:gd name="connsiteY2" fmla="*/ 1351280 h 1930400"/>
+              <a:gd name="connsiteX3" fmla="*/ 3982720 w 3982720"/>
+              <a:gd name="connsiteY3" fmla="*/ 0 h 1930400"/>
+            </a:gdLst>
+            <a:ahLst/>
+            <a:cxnLst>
+              <a:cxn ang="0">
+                <a:pos x="connsiteX0" y="connsiteY0"/>
+              </a:cxn>
+              <a:cxn ang="0">
+                <a:pos x="connsiteX1" y="connsiteY1"/>
+              </a:cxn>
+              <a:cxn ang="0">
+                <a:pos x="connsiteX2" y="connsiteY2"/>
+              </a:cxn>
+              <a:cxn ang="0">
+                <a:pos x="connsiteX3" y="connsiteY3"/>
+              </a:cxn>
+            </a:cxnLst>
+            <a:rect l="l" t="t" r="r" b="b"/>
+            <a:pathLst>
+              <a:path w="3982720" h="1930400">
+                <a:moveTo>
+                  <a:pt x="0" y="1930400"/>
+                </a:moveTo>
+                <a:cubicBezTo>
+                  <a:pt x="354753" y="1358900"/>
+                  <a:pt x="709507" y="787400"/>
+                  <a:pt x="1127760" y="690880"/>
+                </a:cubicBezTo>
+                <a:cubicBezTo>
+                  <a:pt x="1546013" y="594360"/>
+                  <a:pt x="2033693" y="1466427"/>
+                  <a:pt x="2509520" y="1351280"/>
+                </a:cubicBezTo>
+                <a:cubicBezTo>
+                  <a:pt x="2985347" y="1236133"/>
+                  <a:pt x="3484033" y="618066"/>
+                  <a:pt x="3982720" y="0"/>
+                </a:cubicBezTo>
+              </a:path>
+            </a:pathLst>
+          </a:custGeom>
+          <a:noFill/>
+          <a:ln w="57150" cap="rnd"/>
+        </p:spPr>
+        <p:style>
+          <a:lnRef idx="2">
+            <a:schemeClr val="accent1">
+              <a:shade val="50000"/>
+            </a:schemeClr>
+          </a:lnRef>
+          <a:fillRef idx="1">
+            <a:schemeClr val="accent1"/>
+          </a:fillRef>
+          <a:effectRef idx="0">
+            <a:schemeClr val="accent1"/>
+          </a:effectRef>
+          <a:fontRef idx="minor">
+            <a:schemeClr val="lt1"/>
+          </a:fontRef>
+        </p:style>
+        <p:txBody>
+          <a:bodyPr rtlCol="0" anchor="ctr"/>
           <a:lstStyle/>
           <a:p>
+            <a:pPr algn="ctr"/>
             <a:endParaRPr lang="en-US"/>
           </a:p>
         </p:txBody>
       </p:sp>
+      <p:cxnSp>
+        <p:nvCxnSpPr>
+          <p:cNvPr id="19" name="Straight Connector 18">
+            <a:extLst>
+              <a:ext uri="{FF2B5EF4-FFF2-40B4-BE49-F238E27FC236}">
+                <a16:creationId xmlns:a16="http://schemas.microsoft.com/office/drawing/2014/main" id="{0133533D-248A-71A0-69FE-B917B5D29677}"/>
+              </a:ext>
+            </a:extLst>
+          </p:cNvPr>
+          <p:cNvCxnSpPr>
+            <a:cxnSpLocks/>
+            <a:stCxn id="16" idx="0"/>
+            <a:endCxn id="16" idx="0"/>
+          </p:cNvCxnSpPr>
+          <p:nvPr/>
+        </p:nvCxnSpPr>
+        <p:spPr>
+          <a:xfrm>
+            <a:off x="7315200" y="4757193"/>
+            <a:ext cx="0" cy="0"/>
+          </a:xfrm>
+          <a:prstGeom prst="line">
+            <a:avLst/>
+          </a:prstGeom>
+        </p:spPr>
+        <p:style>
+          <a:lnRef idx="1">
+            <a:schemeClr val="accent1"/>
+          </a:lnRef>
+          <a:fillRef idx="0">
+            <a:schemeClr val="accent1"/>
+          </a:fillRef>
+          <a:effectRef idx="0">
+            <a:schemeClr val="accent1"/>
+          </a:effectRef>
+          <a:fontRef idx="minor">
+            <a:schemeClr val="tx1"/>
+          </a:fontRef>
+        </p:style>
+      </p:cxnSp>
+      <p:grpSp>
+        <p:nvGrpSpPr>
+          <p:cNvPr id="56" name="Group 55">
+            <a:extLst>
+              <a:ext uri="{FF2B5EF4-FFF2-40B4-BE49-F238E27FC236}">
+                <a16:creationId xmlns:a16="http://schemas.microsoft.com/office/drawing/2014/main" id="{29395E47-8B1B-75DA-1AEE-2F9C3619071F}"/>
+              </a:ext>
+            </a:extLst>
+          </p:cNvPr>
+          <p:cNvGrpSpPr/>
+          <p:nvPr/>
+        </p:nvGrpSpPr>
+        <p:grpSpPr>
+          <a:xfrm>
+            <a:off x="7315200" y="1932973"/>
+            <a:ext cx="4114800" cy="2824219"/>
+            <a:chOff x="7315200" y="1932973"/>
+            <a:chExt cx="4114800" cy="2824220"/>
+          </a:xfrm>
+        </p:grpSpPr>
+        <p:cxnSp>
+          <p:nvCxnSpPr>
+            <p:cNvPr id="25" name="Straight Connector 24">
+              <a:extLst>
+                <a:ext uri="{FF2B5EF4-FFF2-40B4-BE49-F238E27FC236}">
+                  <a16:creationId xmlns:a16="http://schemas.microsoft.com/office/drawing/2014/main" id="{BD2EA76B-2D27-F84F-120C-C6E089BF97BB}"/>
+                </a:ext>
+              </a:extLst>
+            </p:cNvPr>
+            <p:cNvCxnSpPr>
+              <a:cxnSpLocks/>
+              <a:endCxn id="16" idx="1"/>
+            </p:cNvCxnSpPr>
+            <p:nvPr/>
+          </p:nvCxnSpPr>
+          <p:spPr>
+            <a:xfrm flipV="1">
+              <a:off x="7315200" y="2943746"/>
+              <a:ext cx="1165160" cy="1813447"/>
+            </a:xfrm>
+            <a:prstGeom prst="line">
+              <a:avLst/>
+            </a:prstGeom>
+            <a:ln w="38100">
+              <a:solidFill>
+                <a:srgbClr val="C00000"/>
+              </a:solidFill>
+            </a:ln>
+          </p:spPr>
+          <p:style>
+            <a:lnRef idx="1">
+              <a:schemeClr val="accent1"/>
+            </a:lnRef>
+            <a:fillRef idx="0">
+              <a:schemeClr val="accent1"/>
+            </a:fillRef>
+            <a:effectRef idx="0">
+              <a:schemeClr val="accent1"/>
+            </a:effectRef>
+            <a:fontRef idx="minor">
+              <a:schemeClr val="tx1"/>
+            </a:fontRef>
+          </p:style>
+        </p:cxnSp>
+        <p:cxnSp>
+          <p:nvCxnSpPr>
+            <p:cNvPr id="28" name="Straight Connector 27">
+              <a:extLst>
+                <a:ext uri="{FF2B5EF4-FFF2-40B4-BE49-F238E27FC236}">
+                  <a16:creationId xmlns:a16="http://schemas.microsoft.com/office/drawing/2014/main" id="{FBFE5953-EEC6-D0AC-F66A-A3133B4F4A3E}"/>
+                </a:ext>
+              </a:extLst>
+            </p:cNvPr>
+            <p:cNvCxnSpPr>
+              <a:cxnSpLocks/>
+              <a:stCxn id="16" idx="2"/>
+              <a:endCxn id="16" idx="1"/>
+            </p:cNvCxnSpPr>
+            <p:nvPr/>
+          </p:nvCxnSpPr>
+          <p:spPr>
+            <a:xfrm flipH="1" flipV="1">
+              <a:off x="8480360" y="2943746"/>
+              <a:ext cx="1427584" cy="966181"/>
+            </a:xfrm>
+            <a:prstGeom prst="line">
+              <a:avLst/>
+            </a:prstGeom>
+            <a:ln w="38100">
+              <a:solidFill>
+                <a:srgbClr val="C00000"/>
+              </a:solidFill>
+            </a:ln>
+          </p:spPr>
+          <p:style>
+            <a:lnRef idx="1">
+              <a:schemeClr val="accent1"/>
+            </a:lnRef>
+            <a:fillRef idx="0">
+              <a:schemeClr val="accent1"/>
+            </a:fillRef>
+            <a:effectRef idx="0">
+              <a:schemeClr val="accent1"/>
+            </a:effectRef>
+            <a:fontRef idx="minor">
+              <a:schemeClr val="tx1"/>
+            </a:fontRef>
+          </p:style>
+        </p:cxnSp>
+        <p:cxnSp>
+          <p:nvCxnSpPr>
+            <p:cNvPr id="31" name="Straight Connector 30">
+              <a:extLst>
+                <a:ext uri="{FF2B5EF4-FFF2-40B4-BE49-F238E27FC236}">
+                  <a16:creationId xmlns:a16="http://schemas.microsoft.com/office/drawing/2014/main" id="{73A0D5EF-645B-6069-8340-885892A4E67B}"/>
+                </a:ext>
+              </a:extLst>
+            </p:cNvPr>
+            <p:cNvCxnSpPr>
+              <a:cxnSpLocks/>
+              <a:stCxn id="16" idx="3"/>
+              <a:endCxn id="16" idx="2"/>
+            </p:cNvCxnSpPr>
+            <p:nvPr/>
+          </p:nvCxnSpPr>
+          <p:spPr>
+            <a:xfrm flipH="1">
+              <a:off x="9907944" y="1932973"/>
+              <a:ext cx="1522056" cy="1976954"/>
+            </a:xfrm>
+            <a:prstGeom prst="line">
+              <a:avLst/>
+            </a:prstGeom>
+            <a:ln w="38100">
+              <a:solidFill>
+                <a:srgbClr val="C00000"/>
+              </a:solidFill>
+            </a:ln>
+          </p:spPr>
+          <p:style>
+            <a:lnRef idx="1">
+              <a:schemeClr val="accent1"/>
+            </a:lnRef>
+            <a:fillRef idx="0">
+              <a:schemeClr val="accent1"/>
+            </a:fillRef>
+            <a:effectRef idx="0">
+              <a:schemeClr val="accent1"/>
+            </a:effectRef>
+            <a:fontRef idx="minor">
+              <a:schemeClr val="tx1"/>
+            </a:fontRef>
+          </p:style>
+        </p:cxnSp>
+      </p:grpSp>
+      <p:cxnSp>
+        <p:nvCxnSpPr>
+          <p:cNvPr id="58" name="Straight Arrow Connector 57">
+            <a:extLst>
+              <a:ext uri="{FF2B5EF4-FFF2-40B4-BE49-F238E27FC236}">
+                <a16:creationId xmlns:a16="http://schemas.microsoft.com/office/drawing/2014/main" id="{7F0D392A-9A06-C371-6E49-EEC86A6C64DE}"/>
+              </a:ext>
+            </a:extLst>
+          </p:cNvPr>
+          <p:cNvCxnSpPr/>
+          <p:nvPr/>
+        </p:nvCxnSpPr>
+        <p:spPr>
+          <a:xfrm>
+            <a:off x="7957820" y="3429000"/>
+            <a:ext cx="0" cy="332740"/>
+          </a:xfrm>
+          <a:prstGeom prst="straightConnector1">
+            <a:avLst/>
+          </a:prstGeom>
+          <a:ln w="38100">
+            <a:solidFill>
+              <a:srgbClr val="FFC000"/>
+            </a:solidFill>
+            <a:headEnd type="triangle"/>
+            <a:tailEnd type="triangle"/>
+          </a:ln>
+        </p:spPr>
+        <p:style>
+          <a:lnRef idx="1">
+            <a:schemeClr val="accent1"/>
+          </a:lnRef>
+          <a:fillRef idx="0">
+            <a:schemeClr val="accent1"/>
+          </a:fillRef>
+          <a:effectRef idx="0">
+            <a:schemeClr val="accent1"/>
+          </a:effectRef>
+          <a:fontRef idx="minor">
+            <a:schemeClr val="tx1"/>
+          </a:fontRef>
+        </p:style>
+      </p:cxnSp>
+      <p:cxnSp>
+        <p:nvCxnSpPr>
+          <p:cNvPr id="10" name="Straight Connector 9">
+            <a:extLst>
+              <a:ext uri="{FF2B5EF4-FFF2-40B4-BE49-F238E27FC236}">
+                <a16:creationId xmlns:a16="http://schemas.microsoft.com/office/drawing/2014/main" id="{67AEDF50-97D4-31AF-8F0A-04E80D37D5C9}"/>
+              </a:ext>
+            </a:extLst>
+          </p:cNvPr>
+          <p:cNvCxnSpPr>
+            <a:cxnSpLocks/>
+          </p:cNvCxnSpPr>
+          <p:nvPr/>
+        </p:nvCxnSpPr>
+        <p:spPr>
+          <a:xfrm flipV="1">
+            <a:off x="7305040" y="914400"/>
+            <a:ext cx="0" cy="4572000"/>
+          </a:xfrm>
+          <a:prstGeom prst="line">
+            <a:avLst/>
+          </a:prstGeom>
+          <a:ln w="38100">
+            <a:solidFill>
+              <a:schemeClr val="bg1">
+                <a:lumMod val="50000"/>
+              </a:schemeClr>
+            </a:solidFill>
+          </a:ln>
+        </p:spPr>
+        <p:style>
+          <a:lnRef idx="1">
+            <a:schemeClr val="accent1"/>
+          </a:lnRef>
+          <a:fillRef idx="0">
+            <a:schemeClr val="accent1"/>
+          </a:fillRef>
+          <a:effectRef idx="0">
+            <a:schemeClr val="accent1"/>
+          </a:effectRef>
+          <a:fontRef idx="minor">
+            <a:schemeClr val="tx1"/>
+          </a:fontRef>
+        </p:style>
+      </p:cxnSp>
+      <p:cxnSp>
+        <p:nvCxnSpPr>
+          <p:cNvPr id="12" name="Straight Connector 11">
+            <a:extLst>
+              <a:ext uri="{FF2B5EF4-FFF2-40B4-BE49-F238E27FC236}">
+                <a16:creationId xmlns:a16="http://schemas.microsoft.com/office/drawing/2014/main" id="{573136CE-DEE5-DE82-1A70-B95A5E2CB3B7}"/>
+              </a:ext>
+            </a:extLst>
+          </p:cNvPr>
+          <p:cNvCxnSpPr>
+            <a:cxnSpLocks/>
+          </p:cNvCxnSpPr>
+          <p:nvPr/>
+        </p:nvCxnSpPr>
+        <p:spPr>
+          <a:xfrm flipV="1">
+            <a:off x="11440160" y="914400"/>
+            <a:ext cx="0" cy="4572000"/>
+          </a:xfrm>
+          <a:prstGeom prst="line">
+            <a:avLst/>
+          </a:prstGeom>
+          <a:ln w="38100">
+            <a:solidFill>
+              <a:schemeClr val="bg1">
+                <a:lumMod val="50000"/>
+              </a:schemeClr>
+            </a:solidFill>
+          </a:ln>
+        </p:spPr>
+        <p:style>
+          <a:lnRef idx="1">
+            <a:schemeClr val="accent1"/>
+          </a:lnRef>
+          <a:fillRef idx="0">
+            <a:schemeClr val="accent1"/>
+          </a:fillRef>
+          <a:effectRef idx="0">
+            <a:schemeClr val="accent1"/>
+          </a:effectRef>
+          <a:fontRef idx="minor">
+            <a:schemeClr val="tx1"/>
+          </a:fontRef>
+        </p:style>
+      </p:cxnSp>
     </p:spTree>
     <p:extLst>
       <p:ext uri="{BB962C8B-B14F-4D97-AF65-F5344CB8AC3E}">
-        <p14:creationId xmlns:p14="http://schemas.microsoft.com/office/powerpoint/2010/main" val="3173564647"/>
+        <p14:creationId xmlns:p14="http://schemas.microsoft.com/office/powerpoint/2010/main" val="2920197768"/>
       </p:ext>
     </p:extLst>
   </p:cSld>
@@ -6434,7 +7563,7 @@
           <p:cNvPr id="2" name="Title 1">
             <a:extLst>
               <a:ext uri="{FF2B5EF4-FFF2-40B4-BE49-F238E27FC236}">
-                <a16:creationId xmlns:a16="http://schemas.microsoft.com/office/drawing/2014/main" id="{16764117-189B-1877-CA45-9F7123D63B76}"/>
+                <a16:creationId xmlns:a16="http://schemas.microsoft.com/office/drawing/2014/main" id="{52E5C877-FCC4-8B10-50C2-924FFD68CD9A}"/>
               </a:ext>
             </a:extLst>
           </p:cNvPr>
@@ -6452,7 +7581,7 @@
           <a:p>
             <a:r>
               <a:rPr lang="en-US" dirty="0"/>
-              <a:t>Pooling layer</a:t>
+              <a:t>Convolutional layer</a:t>
             </a:r>
           </a:p>
         </p:txBody>
@@ -6462,7 +7591,7 @@
           <p:cNvPr id="3" name="Content Placeholder 2">
             <a:extLst>
               <a:ext uri="{FF2B5EF4-FFF2-40B4-BE49-F238E27FC236}">
-                <a16:creationId xmlns:a16="http://schemas.microsoft.com/office/drawing/2014/main" id="{22E0D011-8745-6293-698B-6437B9781305}"/>
+                <a16:creationId xmlns:a16="http://schemas.microsoft.com/office/drawing/2014/main" id="{98167828-7134-6384-2712-0B3A039FCF08}"/>
               </a:ext>
             </a:extLst>
           </p:cNvPr>
@@ -6485,7 +7614,7 @@
     </p:spTree>
     <p:extLst>
       <p:ext uri="{BB962C8B-B14F-4D97-AF65-F5344CB8AC3E}">
-        <p14:creationId xmlns:p14="http://schemas.microsoft.com/office/powerpoint/2010/main" val="1112517747"/>
+        <p14:creationId xmlns:p14="http://schemas.microsoft.com/office/powerpoint/2010/main" val="3173564647"/>
       </p:ext>
     </p:extLst>
   </p:cSld>
@@ -6517,7 +7646,7 @@
           <p:cNvPr id="2" name="Title 1">
             <a:extLst>
               <a:ext uri="{FF2B5EF4-FFF2-40B4-BE49-F238E27FC236}">
-                <a16:creationId xmlns:a16="http://schemas.microsoft.com/office/drawing/2014/main" id="{5A21BA05-7638-0136-E7AA-B527B05967B9}"/>
+                <a16:creationId xmlns:a16="http://schemas.microsoft.com/office/drawing/2014/main" id="{16764117-189B-1877-CA45-9F7123D63B76}"/>
               </a:ext>
             </a:extLst>
           </p:cNvPr>
@@ -6535,7 +7664,7 @@
           <a:p>
             <a:r>
               <a:rPr lang="en-US" dirty="0"/>
-              <a:t>SoftMax Layer</a:t>
+              <a:t>Pooling layer</a:t>
             </a:r>
           </a:p>
         </p:txBody>
@@ -6545,7 +7674,7 @@
           <p:cNvPr id="3" name="Content Placeholder 2">
             <a:extLst>
               <a:ext uri="{FF2B5EF4-FFF2-40B4-BE49-F238E27FC236}">
-                <a16:creationId xmlns:a16="http://schemas.microsoft.com/office/drawing/2014/main" id="{164E258A-F80A-420F-EC17-E3E0064F7DEB}"/>
+                <a16:creationId xmlns:a16="http://schemas.microsoft.com/office/drawing/2014/main" id="{22E0D011-8745-6293-698B-6437B9781305}"/>
               </a:ext>
             </a:extLst>
           </p:cNvPr>
@@ -6568,7 +7697,7 @@
     </p:spTree>
     <p:extLst>
       <p:ext uri="{BB962C8B-B14F-4D97-AF65-F5344CB8AC3E}">
-        <p14:creationId xmlns:p14="http://schemas.microsoft.com/office/powerpoint/2010/main" val="3949010796"/>
+        <p14:creationId xmlns:p14="http://schemas.microsoft.com/office/powerpoint/2010/main" val="1112517747"/>
       </p:ext>
     </p:extLst>
   </p:cSld>

--- a/Slides_4.pptx
+++ b/Slides_4.pptx
@@ -7586,28 +7586,93 @@
           </a:p>
         </p:txBody>
       </p:sp>
-      <p:sp>
-        <p:nvSpPr>
-          <p:cNvPr id="3" name="Content Placeholder 2">
-            <a:extLst>
-              <a:ext uri="{FF2B5EF4-FFF2-40B4-BE49-F238E27FC236}">
-                <a16:creationId xmlns:a16="http://schemas.microsoft.com/office/drawing/2014/main" id="{98167828-7134-6384-2712-0B3A039FCF08}"/>
-              </a:ext>
-            </a:extLst>
-          </p:cNvPr>
-          <p:cNvSpPr>
-            <a:spLocks noGrp="1"/>
-          </p:cNvSpPr>
+      <p:pic>
+        <p:nvPicPr>
+          <p:cNvPr id="7" name="Content Placeholder 6" descr="Diagram, engineering drawing&#10;&#10;Description automatically generated">
+            <a:extLst>
+              <a:ext uri="{FF2B5EF4-FFF2-40B4-BE49-F238E27FC236}">
+                <a16:creationId xmlns:a16="http://schemas.microsoft.com/office/drawing/2014/main" id="{E3663BC4-474B-BC4A-F6F9-169B39248D20}"/>
+              </a:ext>
+            </a:extLst>
+          </p:cNvPr>
+          <p:cNvPicPr>
+            <a:picLocks noGrp="1" noChangeAspect="1"/>
+          </p:cNvPicPr>
           <p:nvPr>
             <p:ph idx="1"/>
           </p:nvPr>
-        </p:nvSpPr>
-        <p:spPr/>
-        <p:txBody>
-          <a:bodyPr/>
+        </p:nvPicPr>
+        <p:blipFill>
+          <a:blip r:embed="rId2">
+            <a:extLst>
+              <a:ext uri="{28A0092B-C50C-407E-A947-70E740481C1C}">
+                <a14:useLocalDpi xmlns:a14="http://schemas.microsoft.com/office/drawing/2010/main" val="0"/>
+              </a:ext>
+            </a:extLst>
+          </a:blip>
+          <a:stretch>
+            <a:fillRect/>
+          </a:stretch>
+        </p:blipFill>
+        <p:spPr>
+          <a:xfrm>
+            <a:off x="838200" y="2227981"/>
+            <a:ext cx="10515600" cy="3546625"/>
+          </a:xfrm>
+        </p:spPr>
+      </p:pic>
+      <p:sp>
+        <p:nvSpPr>
+          <p:cNvPr id="8" name="TextBox 7">
+            <a:extLst>
+              <a:ext uri="{FF2B5EF4-FFF2-40B4-BE49-F238E27FC236}">
+                <a16:creationId xmlns:a16="http://schemas.microsoft.com/office/drawing/2014/main" id="{3D110AF0-E3A4-4C57-0020-1FAE7C1DC7B0}"/>
+              </a:ext>
+            </a:extLst>
+          </p:cNvPr>
+          <p:cNvSpPr txBox="1"/>
+          <p:nvPr/>
+        </p:nvSpPr>
+        <p:spPr>
+          <a:xfrm>
+            <a:off x="0" y="6211669"/>
+            <a:ext cx="11514819" cy="646331"/>
+          </a:xfrm>
+          <a:prstGeom prst="rect">
+            <a:avLst/>
+          </a:prstGeom>
+          <a:noFill/>
+        </p:spPr>
+        <p:txBody>
+          <a:bodyPr wrap="none" rtlCol="0">
+            <a:spAutoFit/>
+          </a:bodyPr>
           <a:lstStyle/>
           <a:p>
-            <a:endParaRPr lang="en-US"/>
+            <a:r>
+              <a:rPr lang="en-US" dirty="0"/>
+              <a:t>Image credit for this section: “</a:t>
+            </a:r>
+            <a:r>
+              <a:rPr lang="en-US" b="1" dirty="0"/>
+              <a:t>A Comprehensive Guide to Convolutional Neural Networks</a:t>
+            </a:r>
+            <a:r>
+              <a:rPr lang="en-US" dirty="0"/>
+              <a:t>“</a:t>
+            </a:r>
+          </a:p>
+          <a:p>
+            <a:r>
+              <a:rPr lang="en-US" dirty="0">
+                <a:hlinkClick r:id="rId3"/>
+              </a:rPr>
+              <a:t>https://towardsdatascience.com/a-comprehensive-guide-to-convolutional-neural-networks-the-eli5-way-3bd2b1164a53</a:t>
+            </a:r>
+            <a:r>
+              <a:rPr lang="en-US" dirty="0"/>
+              <a:t> </a:t>
+            </a:r>
           </a:p>
         </p:txBody>
       </p:sp>

--- a/Slides_4.pptx
+++ b/Slides_4.pptx
@@ -13,8 +13,9 @@
     <p:sldId id="266" r:id="rId7"/>
     <p:sldId id="267" r:id="rId8"/>
     <p:sldId id="258" r:id="rId9"/>
-    <p:sldId id="260" r:id="rId10"/>
-    <p:sldId id="259" r:id="rId11"/>
+    <p:sldId id="268" r:id="rId10"/>
+    <p:sldId id="260" r:id="rId11"/>
+    <p:sldId id="259" r:id="rId12"/>
   </p:sldIdLst>
   <p:sldSz cx="12192000" cy="6858000"/>
   <p:notesSz cx="6858000" cy="9144000"/>
@@ -3411,6 +3412,89 @@
 </file>
 
 <file path=ppt/slides/slide10.xml><?xml version="1.0" encoding="utf-8"?>
+<p:sld xmlns:a="http://schemas.openxmlformats.org/drawingml/2006/main" xmlns:r="http://schemas.openxmlformats.org/officeDocument/2006/relationships" xmlns:p="http://schemas.openxmlformats.org/presentationml/2006/main">
+  <p:cSld>
+    <p:spTree>
+      <p:nvGrpSpPr>
+        <p:cNvPr id="1" name=""/>
+        <p:cNvGrpSpPr/>
+        <p:nvPr/>
+      </p:nvGrpSpPr>
+      <p:grpSpPr>
+        <a:xfrm>
+          <a:off x="0" y="0"/>
+          <a:ext cx="0" cy="0"/>
+          <a:chOff x="0" y="0"/>
+          <a:chExt cx="0" cy="0"/>
+        </a:xfrm>
+      </p:grpSpPr>
+      <p:sp>
+        <p:nvSpPr>
+          <p:cNvPr id="2" name="Title 1">
+            <a:extLst>
+              <a:ext uri="{FF2B5EF4-FFF2-40B4-BE49-F238E27FC236}">
+                <a16:creationId xmlns:a16="http://schemas.microsoft.com/office/drawing/2014/main" id="{16764117-189B-1877-CA45-9F7123D63B76}"/>
+              </a:ext>
+            </a:extLst>
+          </p:cNvPr>
+          <p:cNvSpPr>
+            <a:spLocks noGrp="1"/>
+          </p:cNvSpPr>
+          <p:nvPr>
+            <p:ph type="title"/>
+          </p:nvPr>
+        </p:nvSpPr>
+        <p:spPr/>
+        <p:txBody>
+          <a:bodyPr/>
+          <a:lstStyle/>
+          <a:p>
+            <a:r>
+              <a:rPr lang="en-US" dirty="0"/>
+              <a:t>Pooling layer</a:t>
+            </a:r>
+          </a:p>
+        </p:txBody>
+      </p:sp>
+      <p:sp>
+        <p:nvSpPr>
+          <p:cNvPr id="3" name="Content Placeholder 2">
+            <a:extLst>
+              <a:ext uri="{FF2B5EF4-FFF2-40B4-BE49-F238E27FC236}">
+                <a16:creationId xmlns:a16="http://schemas.microsoft.com/office/drawing/2014/main" id="{22E0D011-8745-6293-698B-6437B9781305}"/>
+              </a:ext>
+            </a:extLst>
+          </p:cNvPr>
+          <p:cNvSpPr>
+            <a:spLocks noGrp="1"/>
+          </p:cNvSpPr>
+          <p:nvPr>
+            <p:ph idx="1"/>
+          </p:nvPr>
+        </p:nvSpPr>
+        <p:spPr/>
+        <p:txBody>
+          <a:bodyPr/>
+          <a:lstStyle/>
+          <a:p>
+            <a:endParaRPr lang="en-US"/>
+          </a:p>
+        </p:txBody>
+      </p:sp>
+    </p:spTree>
+    <p:extLst>
+      <p:ext uri="{BB962C8B-B14F-4D97-AF65-F5344CB8AC3E}">
+        <p14:creationId xmlns:p14="http://schemas.microsoft.com/office/powerpoint/2010/main" val="1112517747"/>
+      </p:ext>
+    </p:extLst>
+  </p:cSld>
+  <p:clrMapOvr>
+    <a:masterClrMapping/>
+  </p:clrMapOvr>
+</p:sld>
+</file>
+
+<file path=ppt/slides/slide11.xml><?xml version="1.0" encoding="utf-8"?>
 <p:sld xmlns:a="http://schemas.openxmlformats.org/drawingml/2006/main" xmlns:r="http://schemas.openxmlformats.org/officeDocument/2006/relationships" xmlns:p="http://schemas.openxmlformats.org/presentationml/2006/main">
   <p:cSld>
     <p:spTree>
@@ -7711,7 +7795,7 @@
           <p:cNvPr id="2" name="Title 1">
             <a:extLst>
               <a:ext uri="{FF2B5EF4-FFF2-40B4-BE49-F238E27FC236}">
-                <a16:creationId xmlns:a16="http://schemas.microsoft.com/office/drawing/2014/main" id="{16764117-189B-1877-CA45-9F7123D63B76}"/>
+                <a16:creationId xmlns:a16="http://schemas.microsoft.com/office/drawing/2014/main" id="{D8298E56-9D12-BDBD-1B31-D67024B6BBFA}"/>
               </a:ext>
             </a:extLst>
           </p:cNvPr>
@@ -7729,40 +7813,54 @@
           <a:p>
             <a:r>
               <a:rPr lang="en-US" dirty="0"/>
-              <a:t>Pooling layer</a:t>
-            </a:r>
-          </a:p>
-        </p:txBody>
-      </p:sp>
-      <p:sp>
-        <p:nvSpPr>
-          <p:cNvPr id="3" name="Content Placeholder 2">
-            <a:extLst>
-              <a:ext uri="{FF2B5EF4-FFF2-40B4-BE49-F238E27FC236}">
-                <a16:creationId xmlns:a16="http://schemas.microsoft.com/office/drawing/2014/main" id="{22E0D011-8745-6293-698B-6437B9781305}"/>
-              </a:ext>
-            </a:extLst>
-          </p:cNvPr>
-          <p:cNvSpPr>
-            <a:spLocks noGrp="1"/>
-          </p:cNvSpPr>
+              <a:t>What is wrong with </a:t>
+            </a:r>
+            <a:r>
+              <a:rPr lang="en-US"/>
+              <a:t>dense layers?</a:t>
+            </a:r>
+          </a:p>
+        </p:txBody>
+      </p:sp>
+      <p:pic>
+        <p:nvPicPr>
+          <p:cNvPr id="5" name="Content Placeholder 4" descr="Diagram&#10;&#10;Description automatically generated">
+            <a:extLst>
+              <a:ext uri="{FF2B5EF4-FFF2-40B4-BE49-F238E27FC236}">
+                <a16:creationId xmlns:a16="http://schemas.microsoft.com/office/drawing/2014/main" id="{E77D1B06-6218-DA0F-0EAE-78A99E9861E5}"/>
+              </a:ext>
+            </a:extLst>
+          </p:cNvPr>
+          <p:cNvPicPr>
+            <a:picLocks noGrp="1" noChangeAspect="1"/>
+          </p:cNvPicPr>
           <p:nvPr>
             <p:ph idx="1"/>
           </p:nvPr>
-        </p:nvSpPr>
-        <p:spPr/>
-        <p:txBody>
-          <a:bodyPr/>
-          <a:lstStyle/>
-          <a:p>
-            <a:endParaRPr lang="en-US"/>
-          </a:p>
-        </p:txBody>
-      </p:sp>
+        </p:nvPicPr>
+        <p:blipFill>
+          <a:blip r:embed="rId2">
+            <a:extLst>
+              <a:ext uri="{28A0092B-C50C-407E-A947-70E740481C1C}">
+                <a14:useLocalDpi xmlns:a14="http://schemas.microsoft.com/office/drawing/2010/main" val="0"/>
+              </a:ext>
+            </a:extLst>
+          </a:blip>
+          <a:stretch>
+            <a:fillRect/>
+          </a:stretch>
+        </p:blipFill>
+        <p:spPr>
+          <a:xfrm>
+            <a:off x="3461643" y="1825625"/>
+            <a:ext cx="5268713" cy="4351338"/>
+          </a:xfrm>
+        </p:spPr>
+      </p:pic>
     </p:spTree>
     <p:extLst>
       <p:ext uri="{BB962C8B-B14F-4D97-AF65-F5344CB8AC3E}">
-        <p14:creationId xmlns:p14="http://schemas.microsoft.com/office/powerpoint/2010/main" val="1112517747"/>
+        <p14:creationId xmlns:p14="http://schemas.microsoft.com/office/powerpoint/2010/main" val="504622095"/>
       </p:ext>
     </p:extLst>
   </p:cSld>

--- a/Slides_4.pptx
+++ b/Slides_4.pptx
@@ -14,8 +14,9 @@
     <p:sldId id="267" r:id="rId8"/>
     <p:sldId id="258" r:id="rId9"/>
     <p:sldId id="268" r:id="rId10"/>
-    <p:sldId id="260" r:id="rId11"/>
-    <p:sldId id="259" r:id="rId12"/>
+    <p:sldId id="269" r:id="rId11"/>
+    <p:sldId id="260" r:id="rId12"/>
+    <p:sldId id="259" r:id="rId13"/>
   </p:sldIdLst>
   <p:sldSz cx="12192000" cy="6858000"/>
   <p:notesSz cx="6858000" cy="9144000"/>
@@ -3433,6 +3434,86 @@
           <p:cNvPr id="2" name="Title 1">
             <a:extLst>
               <a:ext uri="{FF2B5EF4-FFF2-40B4-BE49-F238E27FC236}">
+                <a16:creationId xmlns:a16="http://schemas.microsoft.com/office/drawing/2014/main" id="{9AE8BE8C-A721-B74D-3006-F67AD94846D6}"/>
+              </a:ext>
+            </a:extLst>
+          </p:cNvPr>
+          <p:cNvSpPr>
+            <a:spLocks noGrp="1"/>
+          </p:cNvSpPr>
+          <p:nvPr>
+            <p:ph type="title"/>
+          </p:nvPr>
+        </p:nvSpPr>
+        <p:spPr/>
+        <p:txBody>
+          <a:bodyPr/>
+          <a:lstStyle/>
+          <a:p>
+            <a:endParaRPr lang="en-US"/>
+          </a:p>
+        </p:txBody>
+      </p:sp>
+      <p:sp>
+        <p:nvSpPr>
+          <p:cNvPr id="3" name="Content Placeholder 2">
+            <a:extLst>
+              <a:ext uri="{FF2B5EF4-FFF2-40B4-BE49-F238E27FC236}">
+                <a16:creationId xmlns:a16="http://schemas.microsoft.com/office/drawing/2014/main" id="{F6CE7FB8-41CB-1449-E238-0D1BD7E01C07}"/>
+              </a:ext>
+            </a:extLst>
+          </p:cNvPr>
+          <p:cNvSpPr>
+            <a:spLocks noGrp="1"/>
+          </p:cNvSpPr>
+          <p:nvPr>
+            <p:ph idx="1"/>
+          </p:nvPr>
+        </p:nvSpPr>
+        <p:spPr/>
+        <p:txBody>
+          <a:bodyPr/>
+          <a:lstStyle/>
+          <a:p>
+            <a:endParaRPr lang="en-US"/>
+          </a:p>
+        </p:txBody>
+      </p:sp>
+    </p:spTree>
+    <p:extLst>
+      <p:ext uri="{BB962C8B-B14F-4D97-AF65-F5344CB8AC3E}">
+        <p14:creationId xmlns:p14="http://schemas.microsoft.com/office/powerpoint/2010/main" val="4116401629"/>
+      </p:ext>
+    </p:extLst>
+  </p:cSld>
+  <p:clrMapOvr>
+    <a:masterClrMapping/>
+  </p:clrMapOvr>
+</p:sld>
+</file>
+
+<file path=ppt/slides/slide11.xml><?xml version="1.0" encoding="utf-8"?>
+<p:sld xmlns:a="http://schemas.openxmlformats.org/drawingml/2006/main" xmlns:r="http://schemas.openxmlformats.org/officeDocument/2006/relationships" xmlns:p="http://schemas.openxmlformats.org/presentationml/2006/main">
+  <p:cSld>
+    <p:spTree>
+      <p:nvGrpSpPr>
+        <p:cNvPr id="1" name=""/>
+        <p:cNvGrpSpPr/>
+        <p:nvPr/>
+      </p:nvGrpSpPr>
+      <p:grpSpPr>
+        <a:xfrm>
+          <a:off x="0" y="0"/>
+          <a:ext cx="0" cy="0"/>
+          <a:chOff x="0" y="0"/>
+          <a:chExt cx="0" cy="0"/>
+        </a:xfrm>
+      </p:grpSpPr>
+      <p:sp>
+        <p:nvSpPr>
+          <p:cNvPr id="2" name="Title 1">
+            <a:extLst>
+              <a:ext uri="{FF2B5EF4-FFF2-40B4-BE49-F238E27FC236}">
                 <a16:creationId xmlns:a16="http://schemas.microsoft.com/office/drawing/2014/main" id="{16764117-189B-1877-CA45-9F7123D63B76}"/>
               </a:ext>
             </a:extLst>
@@ -3494,7 +3575,7 @@
 </p:sld>
 </file>
 
-<file path=ppt/slides/slide11.xml><?xml version="1.0" encoding="utf-8"?>
+<file path=ppt/slides/slide12.xml><?xml version="1.0" encoding="utf-8"?>
 <p:sld xmlns:a="http://schemas.openxmlformats.org/drawingml/2006/main" xmlns:r="http://schemas.openxmlformats.org/officeDocument/2006/relationships" xmlns:p="http://schemas.openxmlformats.org/presentationml/2006/main">
   <p:cSld>
     <p:spTree>
@@ -7813,11 +7894,7 @@
           <a:p>
             <a:r>
               <a:rPr lang="en-US" dirty="0"/>
-              <a:t>What is wrong with </a:t>
-            </a:r>
-            <a:r>
-              <a:rPr lang="en-US"/>
-              <a:t>dense layers?</a:t>
+              <a:t>What is wrong with dense layers?</a:t>
             </a:r>
           </a:p>
         </p:txBody>
@@ -7852,11 +7929,84 @@
         </p:blipFill>
         <p:spPr>
           <a:xfrm>
-            <a:off x="3461643" y="1825625"/>
+            <a:off x="129163" y="1825625"/>
             <a:ext cx="5268713" cy="4351338"/>
           </a:xfrm>
         </p:spPr>
       </p:pic>
+      <p:pic>
+        <p:nvPicPr>
+          <p:cNvPr id="7" name="Picture 6" descr="Diagram&#10;&#10;Description automatically generated">
+            <a:extLst>
+              <a:ext uri="{FF2B5EF4-FFF2-40B4-BE49-F238E27FC236}">
+                <a16:creationId xmlns:a16="http://schemas.microsoft.com/office/drawing/2014/main" id="{66211A17-5C57-8254-ABCE-7B1AE1B844DD}"/>
+              </a:ext>
+            </a:extLst>
+          </p:cNvPr>
+          <p:cNvPicPr>
+            <a:picLocks noChangeAspect="1"/>
+          </p:cNvPicPr>
+          <p:nvPr/>
+        </p:nvPicPr>
+        <p:blipFill>
+          <a:blip r:embed="rId3">
+            <a:extLst>
+              <a:ext uri="{28A0092B-C50C-407E-A947-70E740481C1C}">
+                <a14:useLocalDpi xmlns:a14="http://schemas.microsoft.com/office/drawing/2010/main" val="0"/>
+              </a:ext>
+            </a:extLst>
+          </a:blip>
+          <a:stretch>
+            <a:fillRect/>
+          </a:stretch>
+        </p:blipFill>
+        <p:spPr>
+          <a:xfrm>
+            <a:off x="5730318" y="1825624"/>
+            <a:ext cx="5983089" cy="4351337"/>
+          </a:xfrm>
+          <a:prstGeom prst="rect">
+            <a:avLst/>
+          </a:prstGeom>
+        </p:spPr>
+      </p:pic>
+      <p:cxnSp>
+        <p:nvCxnSpPr>
+          <p:cNvPr id="9" name="Straight Connector 8">
+            <a:extLst>
+              <a:ext uri="{FF2B5EF4-FFF2-40B4-BE49-F238E27FC236}">
+                <a16:creationId xmlns:a16="http://schemas.microsoft.com/office/drawing/2014/main" id="{8DA56396-BF6C-2DD3-443B-1B47AE49C94B}"/>
+              </a:ext>
+            </a:extLst>
+          </p:cNvPr>
+          <p:cNvCxnSpPr/>
+          <p:nvPr/>
+        </p:nvCxnSpPr>
+        <p:spPr>
+          <a:xfrm>
+            <a:off x="5397876" y="1534160"/>
+            <a:ext cx="0" cy="5049520"/>
+          </a:xfrm>
+          <a:prstGeom prst="line">
+            <a:avLst/>
+          </a:prstGeom>
+          <a:ln w="57150"/>
+        </p:spPr>
+        <p:style>
+          <a:lnRef idx="1">
+            <a:schemeClr val="dk1"/>
+          </a:lnRef>
+          <a:fillRef idx="0">
+            <a:schemeClr val="dk1"/>
+          </a:fillRef>
+          <a:effectRef idx="0">
+            <a:schemeClr val="dk1"/>
+          </a:effectRef>
+          <a:fontRef idx="minor">
+            <a:schemeClr val="tx1"/>
+          </a:fontRef>
+        </p:style>
+      </p:cxnSp>
     </p:spTree>
     <p:extLst>
       <p:ext uri="{BB962C8B-B14F-4D97-AF65-F5344CB8AC3E}">

--- a/Slides_4.pptx
+++ b/Slides_4.pptx
@@ -3450,32 +3450,689 @@
           <a:bodyPr/>
           <a:lstStyle/>
           <a:p>
-            <a:endParaRPr lang="en-US"/>
+            <a:r>
+              <a:rPr lang="en-US" dirty="0"/>
+              <a:t>What is a convolution?</a:t>
+            </a:r>
           </a:p>
         </p:txBody>
       </p:sp>
-      <p:sp>
-        <p:nvSpPr>
-          <p:cNvPr id="3" name="Content Placeholder 2">
-            <a:extLst>
-              <a:ext uri="{FF2B5EF4-FFF2-40B4-BE49-F238E27FC236}">
-                <a16:creationId xmlns:a16="http://schemas.microsoft.com/office/drawing/2014/main" id="{F6CE7FB8-41CB-1449-E238-0D1BD7E01C07}"/>
-              </a:ext>
-            </a:extLst>
-          </p:cNvPr>
-          <p:cNvSpPr>
-            <a:spLocks noGrp="1"/>
-          </p:cNvSpPr>
+      <p:pic>
+        <p:nvPicPr>
+          <p:cNvPr id="5" name="Content Placeholder 4" descr="A picture containing shape&#10;&#10;Description automatically generated">
+            <a:extLst>
+              <a:ext uri="{FF2B5EF4-FFF2-40B4-BE49-F238E27FC236}">
+                <a16:creationId xmlns:a16="http://schemas.microsoft.com/office/drawing/2014/main" id="{D6B23995-AF73-C360-56EA-0281A0ABA645}"/>
+              </a:ext>
+            </a:extLst>
+          </p:cNvPr>
+          <p:cNvPicPr>
+            <a:picLocks noGrp="1" noChangeAspect="1"/>
+          </p:cNvPicPr>
           <p:nvPr>
             <p:ph idx="1"/>
           </p:nvPr>
+        </p:nvPicPr>
+        <p:blipFill>
+          <a:blip r:embed="rId2">
+            <a:extLst>
+              <a:ext uri="{28A0092B-C50C-407E-A947-70E740481C1C}">
+                <a14:useLocalDpi xmlns:a14="http://schemas.microsoft.com/office/drawing/2010/main" val="0"/>
+              </a:ext>
+            </a:extLst>
+          </a:blip>
+          <a:stretch>
+            <a:fillRect/>
+          </a:stretch>
+        </p:blipFill>
+        <p:spPr>
+          <a:xfrm>
+            <a:off x="3749853" y="1509713"/>
+            <a:ext cx="6825894" cy="4983162"/>
+          </a:xfrm>
+        </p:spPr>
+      </p:pic>
+      <p:graphicFrame>
+        <p:nvGraphicFramePr>
+          <p:cNvPr id="7" name="Table 7">
+            <a:extLst>
+              <a:ext uri="{FF2B5EF4-FFF2-40B4-BE49-F238E27FC236}">
+                <a16:creationId xmlns:a16="http://schemas.microsoft.com/office/drawing/2014/main" id="{21B69939-B5EF-8029-2542-71190747CB43}"/>
+              </a:ext>
+            </a:extLst>
+          </p:cNvPr>
+          <p:cNvGraphicFramePr>
+            <a:graphicFrameLocks noGrp="1"/>
+          </p:cNvGraphicFramePr>
+          <p:nvPr>
+            <p:extLst>
+              <p:ext uri="{D42A27DB-BD31-4B8C-83A1-F6EECF244321}">
+                <p14:modId xmlns:p14="http://schemas.microsoft.com/office/powerpoint/2010/main" val="2666279857"/>
+              </p:ext>
+            </p:extLst>
+          </p:nvPr>
+        </p:nvGraphicFramePr>
+        <p:xfrm>
+          <a:off x="1911810" y="2761615"/>
+          <a:ext cx="1784697" cy="1861185"/>
+        </p:xfrm>
+        <a:graphic>
+          <a:graphicData uri="http://schemas.openxmlformats.org/drawingml/2006/table">
+            <a:tbl>
+              <a:tblPr firstRow="1" bandRow="1">
+                <a:tableStyleId>{5C22544A-7EE6-4342-B048-85BDC9FD1C3A}</a:tableStyleId>
+              </a:tblPr>
+              <a:tblGrid>
+                <a:gridCol w="594899">
+                  <a:extLst>
+                    <a:ext uri="{9D8B030D-6E8A-4147-A177-3AD203B41FA5}">
+                      <a16:colId xmlns:a16="http://schemas.microsoft.com/office/drawing/2014/main" val="3444401050"/>
+                    </a:ext>
+                  </a:extLst>
+                </a:gridCol>
+                <a:gridCol w="594899">
+                  <a:extLst>
+                    <a:ext uri="{9D8B030D-6E8A-4147-A177-3AD203B41FA5}">
+                      <a16:colId xmlns:a16="http://schemas.microsoft.com/office/drawing/2014/main" val="955021344"/>
+                    </a:ext>
+                  </a:extLst>
+                </a:gridCol>
+                <a:gridCol w="594899">
+                  <a:extLst>
+                    <a:ext uri="{9D8B030D-6E8A-4147-A177-3AD203B41FA5}">
+                      <a16:colId xmlns:a16="http://schemas.microsoft.com/office/drawing/2014/main" val="562493384"/>
+                    </a:ext>
+                  </a:extLst>
+                </a:gridCol>
+              </a:tblGrid>
+              <a:tr h="620395">
+                <a:tc>
+                  <a:txBody>
+                    <a:bodyPr/>
+                    <a:lstStyle/>
+                    <a:p>
+                      <a:pPr algn="ctr"/>
+                      <a:r>
+                        <a:rPr lang="en-US" sz="3000" b="1" dirty="0">
+                          <a:solidFill>
+                            <a:schemeClr val="bg1"/>
+                          </a:solidFill>
+                          <a:latin typeface="+mn-lt"/>
+                        </a:rPr>
+                        <a:t>1</a:t>
+                      </a:r>
+                    </a:p>
+                  </a:txBody>
+                  <a:tcPr marL="152974" marR="152974" marT="76487" marB="76487">
+                    <a:lnL w="12700" cap="flat" cmpd="sng" algn="ctr">
+                      <a:solidFill>
+                        <a:schemeClr val="tx1"/>
+                      </a:solidFill>
+                      <a:prstDash val="solid"/>
+                      <a:round/>
+                      <a:headEnd type="none" w="med" len="med"/>
+                      <a:tailEnd type="none" w="med" len="med"/>
+                    </a:lnL>
+                    <a:lnR w="12700" cap="flat" cmpd="sng" algn="ctr">
+                      <a:solidFill>
+                        <a:schemeClr val="tx1"/>
+                      </a:solidFill>
+                      <a:prstDash val="solid"/>
+                      <a:round/>
+                      <a:headEnd type="none" w="med" len="med"/>
+                      <a:tailEnd type="none" w="med" len="med"/>
+                    </a:lnR>
+                    <a:lnT w="12700" cap="flat" cmpd="sng" algn="ctr">
+                      <a:solidFill>
+                        <a:schemeClr val="tx1"/>
+                      </a:solidFill>
+                      <a:prstDash val="solid"/>
+                      <a:round/>
+                      <a:headEnd type="none" w="med" len="med"/>
+                      <a:tailEnd type="none" w="med" len="med"/>
+                    </a:lnT>
+                    <a:lnB w="12700" cap="flat" cmpd="sng" algn="ctr">
+                      <a:solidFill>
+                        <a:schemeClr val="tx1"/>
+                      </a:solidFill>
+                      <a:prstDash val="solid"/>
+                      <a:round/>
+                      <a:headEnd type="none" w="med" len="med"/>
+                      <a:tailEnd type="none" w="med" len="med"/>
+                    </a:lnB>
+                    <a:solidFill>
+                      <a:srgbClr val="FFC000"/>
+                    </a:solidFill>
+                  </a:tcPr>
+                </a:tc>
+                <a:tc>
+                  <a:txBody>
+                    <a:bodyPr/>
+                    <a:lstStyle/>
+                    <a:p>
+                      <a:pPr algn="ctr"/>
+                      <a:r>
+                        <a:rPr lang="en-US" sz="3000" b="1" dirty="0">
+                          <a:solidFill>
+                            <a:schemeClr val="bg1"/>
+                          </a:solidFill>
+                          <a:latin typeface="+mn-lt"/>
+                        </a:rPr>
+                        <a:t>0</a:t>
+                      </a:r>
+                    </a:p>
+                  </a:txBody>
+                  <a:tcPr marL="152974" marR="152974" marT="76487" marB="76487">
+                    <a:lnL w="12700" cap="flat" cmpd="sng" algn="ctr">
+                      <a:solidFill>
+                        <a:schemeClr val="tx1"/>
+                      </a:solidFill>
+                      <a:prstDash val="solid"/>
+                      <a:round/>
+                      <a:headEnd type="none" w="med" len="med"/>
+                      <a:tailEnd type="none" w="med" len="med"/>
+                    </a:lnL>
+                    <a:lnR w="12700" cap="flat" cmpd="sng" algn="ctr">
+                      <a:solidFill>
+                        <a:schemeClr val="tx1"/>
+                      </a:solidFill>
+                      <a:prstDash val="solid"/>
+                      <a:round/>
+                      <a:headEnd type="none" w="med" len="med"/>
+                      <a:tailEnd type="none" w="med" len="med"/>
+                    </a:lnR>
+                    <a:lnT w="12700" cap="flat" cmpd="sng" algn="ctr">
+                      <a:solidFill>
+                        <a:schemeClr val="tx1"/>
+                      </a:solidFill>
+                      <a:prstDash val="solid"/>
+                      <a:round/>
+                      <a:headEnd type="none" w="med" len="med"/>
+                      <a:tailEnd type="none" w="med" len="med"/>
+                    </a:lnT>
+                    <a:lnB w="12700" cap="flat" cmpd="sng" algn="ctr">
+                      <a:solidFill>
+                        <a:schemeClr val="tx1"/>
+                      </a:solidFill>
+                      <a:prstDash val="solid"/>
+                      <a:round/>
+                      <a:headEnd type="none" w="med" len="med"/>
+                      <a:tailEnd type="none" w="med" len="med"/>
+                    </a:lnB>
+                    <a:solidFill>
+                      <a:srgbClr val="FFC000"/>
+                    </a:solidFill>
+                  </a:tcPr>
+                </a:tc>
+                <a:tc>
+                  <a:txBody>
+                    <a:bodyPr/>
+                    <a:lstStyle/>
+                    <a:p>
+                      <a:pPr algn="ctr"/>
+                      <a:r>
+                        <a:rPr lang="en-US" sz="3000" b="1" dirty="0">
+                          <a:solidFill>
+                            <a:schemeClr val="bg1"/>
+                          </a:solidFill>
+                          <a:latin typeface="+mn-lt"/>
+                        </a:rPr>
+                        <a:t>1</a:t>
+                      </a:r>
+                    </a:p>
+                  </a:txBody>
+                  <a:tcPr marL="152974" marR="152974" marT="76487" marB="76487">
+                    <a:lnL w="12700" cap="flat" cmpd="sng" algn="ctr">
+                      <a:solidFill>
+                        <a:schemeClr val="tx1"/>
+                      </a:solidFill>
+                      <a:prstDash val="solid"/>
+                      <a:round/>
+                      <a:headEnd type="none" w="med" len="med"/>
+                      <a:tailEnd type="none" w="med" len="med"/>
+                    </a:lnL>
+                    <a:lnR w="12700" cap="flat" cmpd="sng" algn="ctr">
+                      <a:solidFill>
+                        <a:schemeClr val="tx1"/>
+                      </a:solidFill>
+                      <a:prstDash val="solid"/>
+                      <a:round/>
+                      <a:headEnd type="none" w="med" len="med"/>
+                      <a:tailEnd type="none" w="med" len="med"/>
+                    </a:lnR>
+                    <a:lnT w="12700" cap="flat" cmpd="sng" algn="ctr">
+                      <a:solidFill>
+                        <a:schemeClr val="tx1"/>
+                      </a:solidFill>
+                      <a:prstDash val="solid"/>
+                      <a:round/>
+                      <a:headEnd type="none" w="med" len="med"/>
+                      <a:tailEnd type="none" w="med" len="med"/>
+                    </a:lnT>
+                    <a:lnB w="12700" cap="flat" cmpd="sng" algn="ctr">
+                      <a:solidFill>
+                        <a:schemeClr val="tx1"/>
+                      </a:solidFill>
+                      <a:prstDash val="solid"/>
+                      <a:round/>
+                      <a:headEnd type="none" w="med" len="med"/>
+                      <a:tailEnd type="none" w="med" len="med"/>
+                    </a:lnB>
+                    <a:solidFill>
+                      <a:srgbClr val="FFC000"/>
+                    </a:solidFill>
+                  </a:tcPr>
+                </a:tc>
+                <a:extLst>
+                  <a:ext uri="{0D108BD9-81ED-4DB2-BD59-A6C34878D82A}">
+                    <a16:rowId xmlns:a16="http://schemas.microsoft.com/office/drawing/2014/main" val="2423288027"/>
+                  </a:ext>
+                </a:extLst>
+              </a:tr>
+              <a:tr h="620395">
+                <a:tc>
+                  <a:txBody>
+                    <a:bodyPr/>
+                    <a:lstStyle/>
+                    <a:p>
+                      <a:pPr algn="ctr"/>
+                      <a:r>
+                        <a:rPr lang="en-US" sz="3000" b="1" dirty="0">
+                          <a:solidFill>
+                            <a:schemeClr val="bg1"/>
+                          </a:solidFill>
+                          <a:latin typeface="+mn-lt"/>
+                        </a:rPr>
+                        <a:t>0</a:t>
+                      </a:r>
+                    </a:p>
+                  </a:txBody>
+                  <a:tcPr marL="152974" marR="152974" marT="76487" marB="76487">
+                    <a:lnL w="12700" cap="flat" cmpd="sng" algn="ctr">
+                      <a:solidFill>
+                        <a:schemeClr val="tx1"/>
+                      </a:solidFill>
+                      <a:prstDash val="solid"/>
+                      <a:round/>
+                      <a:headEnd type="none" w="med" len="med"/>
+                      <a:tailEnd type="none" w="med" len="med"/>
+                    </a:lnL>
+                    <a:lnR w="12700" cap="flat" cmpd="sng" algn="ctr">
+                      <a:solidFill>
+                        <a:schemeClr val="tx1"/>
+                      </a:solidFill>
+                      <a:prstDash val="solid"/>
+                      <a:round/>
+                      <a:headEnd type="none" w="med" len="med"/>
+                      <a:tailEnd type="none" w="med" len="med"/>
+                    </a:lnR>
+                    <a:lnT w="12700" cap="flat" cmpd="sng" algn="ctr">
+                      <a:solidFill>
+                        <a:schemeClr val="tx1"/>
+                      </a:solidFill>
+                      <a:prstDash val="solid"/>
+                      <a:round/>
+                      <a:headEnd type="none" w="med" len="med"/>
+                      <a:tailEnd type="none" w="med" len="med"/>
+                    </a:lnT>
+                    <a:lnB w="12700" cap="flat" cmpd="sng" algn="ctr">
+                      <a:solidFill>
+                        <a:schemeClr val="tx1"/>
+                      </a:solidFill>
+                      <a:prstDash val="solid"/>
+                      <a:round/>
+                      <a:headEnd type="none" w="med" len="med"/>
+                      <a:tailEnd type="none" w="med" len="med"/>
+                    </a:lnB>
+                    <a:solidFill>
+                      <a:srgbClr val="FFC000"/>
+                    </a:solidFill>
+                  </a:tcPr>
+                </a:tc>
+                <a:tc>
+                  <a:txBody>
+                    <a:bodyPr/>
+                    <a:lstStyle/>
+                    <a:p>
+                      <a:pPr algn="ctr"/>
+                      <a:r>
+                        <a:rPr lang="en-US" sz="3000" b="1" dirty="0">
+                          <a:solidFill>
+                            <a:schemeClr val="bg1"/>
+                          </a:solidFill>
+                          <a:latin typeface="+mn-lt"/>
+                        </a:rPr>
+                        <a:t>1</a:t>
+                      </a:r>
+                    </a:p>
+                  </a:txBody>
+                  <a:tcPr marL="152974" marR="152974" marT="76487" marB="76487">
+                    <a:lnL w="12700" cap="flat" cmpd="sng" algn="ctr">
+                      <a:solidFill>
+                        <a:schemeClr val="tx1"/>
+                      </a:solidFill>
+                      <a:prstDash val="solid"/>
+                      <a:round/>
+                      <a:headEnd type="none" w="med" len="med"/>
+                      <a:tailEnd type="none" w="med" len="med"/>
+                    </a:lnL>
+                    <a:lnR w="12700" cap="flat" cmpd="sng" algn="ctr">
+                      <a:solidFill>
+                        <a:schemeClr val="tx1"/>
+                      </a:solidFill>
+                      <a:prstDash val="solid"/>
+                      <a:round/>
+                      <a:headEnd type="none" w="med" len="med"/>
+                      <a:tailEnd type="none" w="med" len="med"/>
+                    </a:lnR>
+                    <a:lnT w="12700" cap="flat" cmpd="sng" algn="ctr">
+                      <a:solidFill>
+                        <a:schemeClr val="tx1"/>
+                      </a:solidFill>
+                      <a:prstDash val="solid"/>
+                      <a:round/>
+                      <a:headEnd type="none" w="med" len="med"/>
+                      <a:tailEnd type="none" w="med" len="med"/>
+                    </a:lnT>
+                    <a:lnB w="12700" cap="flat" cmpd="sng" algn="ctr">
+                      <a:solidFill>
+                        <a:schemeClr val="tx1"/>
+                      </a:solidFill>
+                      <a:prstDash val="solid"/>
+                      <a:round/>
+                      <a:headEnd type="none" w="med" len="med"/>
+                      <a:tailEnd type="none" w="med" len="med"/>
+                    </a:lnB>
+                    <a:solidFill>
+                      <a:srgbClr val="FFC000"/>
+                    </a:solidFill>
+                  </a:tcPr>
+                </a:tc>
+                <a:tc>
+                  <a:txBody>
+                    <a:bodyPr/>
+                    <a:lstStyle/>
+                    <a:p>
+                      <a:pPr algn="ctr"/>
+                      <a:r>
+                        <a:rPr lang="en-US" sz="3000" b="1" dirty="0">
+                          <a:solidFill>
+                            <a:schemeClr val="bg1"/>
+                          </a:solidFill>
+                          <a:latin typeface="+mn-lt"/>
+                        </a:rPr>
+                        <a:t>0</a:t>
+                      </a:r>
+                    </a:p>
+                  </a:txBody>
+                  <a:tcPr marL="152974" marR="152974" marT="76487" marB="76487">
+                    <a:lnL w="12700" cap="flat" cmpd="sng" algn="ctr">
+                      <a:solidFill>
+                        <a:schemeClr val="tx1"/>
+                      </a:solidFill>
+                      <a:prstDash val="solid"/>
+                      <a:round/>
+                      <a:headEnd type="none" w="med" len="med"/>
+                      <a:tailEnd type="none" w="med" len="med"/>
+                    </a:lnL>
+                    <a:lnR w="12700" cap="flat" cmpd="sng" algn="ctr">
+                      <a:solidFill>
+                        <a:schemeClr val="tx1"/>
+                      </a:solidFill>
+                      <a:prstDash val="solid"/>
+                      <a:round/>
+                      <a:headEnd type="none" w="med" len="med"/>
+                      <a:tailEnd type="none" w="med" len="med"/>
+                    </a:lnR>
+                    <a:lnT w="12700" cap="flat" cmpd="sng" algn="ctr">
+                      <a:solidFill>
+                        <a:schemeClr val="tx1"/>
+                      </a:solidFill>
+                      <a:prstDash val="solid"/>
+                      <a:round/>
+                      <a:headEnd type="none" w="med" len="med"/>
+                      <a:tailEnd type="none" w="med" len="med"/>
+                    </a:lnT>
+                    <a:lnB w="12700" cap="flat" cmpd="sng" algn="ctr">
+                      <a:solidFill>
+                        <a:schemeClr val="tx1"/>
+                      </a:solidFill>
+                      <a:prstDash val="solid"/>
+                      <a:round/>
+                      <a:headEnd type="none" w="med" len="med"/>
+                      <a:tailEnd type="none" w="med" len="med"/>
+                    </a:lnB>
+                    <a:solidFill>
+                      <a:srgbClr val="FFC000"/>
+                    </a:solidFill>
+                  </a:tcPr>
+                </a:tc>
+                <a:extLst>
+                  <a:ext uri="{0D108BD9-81ED-4DB2-BD59-A6C34878D82A}">
+                    <a16:rowId xmlns:a16="http://schemas.microsoft.com/office/drawing/2014/main" val="1576531531"/>
+                  </a:ext>
+                </a:extLst>
+              </a:tr>
+              <a:tr h="620395">
+                <a:tc>
+                  <a:txBody>
+                    <a:bodyPr/>
+                    <a:lstStyle/>
+                    <a:p>
+                      <a:pPr algn="ctr"/>
+                      <a:r>
+                        <a:rPr lang="en-US" sz="3000" b="1" dirty="0">
+                          <a:solidFill>
+                            <a:schemeClr val="bg1"/>
+                          </a:solidFill>
+                          <a:latin typeface="+mn-lt"/>
+                        </a:rPr>
+                        <a:t>1</a:t>
+                      </a:r>
+                    </a:p>
+                  </a:txBody>
+                  <a:tcPr marL="152974" marR="152974" marT="76487" marB="76487">
+                    <a:lnL w="12700" cap="flat" cmpd="sng" algn="ctr">
+                      <a:solidFill>
+                        <a:schemeClr val="tx1"/>
+                      </a:solidFill>
+                      <a:prstDash val="solid"/>
+                      <a:round/>
+                      <a:headEnd type="none" w="med" len="med"/>
+                      <a:tailEnd type="none" w="med" len="med"/>
+                    </a:lnL>
+                    <a:lnR w="12700" cap="flat" cmpd="sng" algn="ctr">
+                      <a:solidFill>
+                        <a:schemeClr val="tx1"/>
+                      </a:solidFill>
+                      <a:prstDash val="solid"/>
+                      <a:round/>
+                      <a:headEnd type="none" w="med" len="med"/>
+                      <a:tailEnd type="none" w="med" len="med"/>
+                    </a:lnR>
+                    <a:lnT w="12700" cap="flat" cmpd="sng" algn="ctr">
+                      <a:solidFill>
+                        <a:schemeClr val="tx1"/>
+                      </a:solidFill>
+                      <a:prstDash val="solid"/>
+                      <a:round/>
+                      <a:headEnd type="none" w="med" len="med"/>
+                      <a:tailEnd type="none" w="med" len="med"/>
+                    </a:lnT>
+                    <a:lnB w="12700" cap="flat" cmpd="sng" algn="ctr">
+                      <a:solidFill>
+                        <a:schemeClr val="tx1"/>
+                      </a:solidFill>
+                      <a:prstDash val="solid"/>
+                      <a:round/>
+                      <a:headEnd type="none" w="med" len="med"/>
+                      <a:tailEnd type="none" w="med" len="med"/>
+                    </a:lnB>
+                    <a:solidFill>
+                      <a:srgbClr val="FFC000"/>
+                    </a:solidFill>
+                  </a:tcPr>
+                </a:tc>
+                <a:tc>
+                  <a:txBody>
+                    <a:bodyPr/>
+                    <a:lstStyle/>
+                    <a:p>
+                      <a:pPr algn="ctr"/>
+                      <a:r>
+                        <a:rPr lang="en-US" sz="3000" b="1" dirty="0">
+                          <a:solidFill>
+                            <a:schemeClr val="bg1"/>
+                          </a:solidFill>
+                          <a:latin typeface="+mn-lt"/>
+                        </a:rPr>
+                        <a:t>0</a:t>
+                      </a:r>
+                    </a:p>
+                  </a:txBody>
+                  <a:tcPr marL="152974" marR="152974" marT="76487" marB="76487">
+                    <a:lnL w="12700" cap="flat" cmpd="sng" algn="ctr">
+                      <a:solidFill>
+                        <a:schemeClr val="tx1"/>
+                      </a:solidFill>
+                      <a:prstDash val="solid"/>
+                      <a:round/>
+                      <a:headEnd type="none" w="med" len="med"/>
+                      <a:tailEnd type="none" w="med" len="med"/>
+                    </a:lnL>
+                    <a:lnR w="12700" cap="flat" cmpd="sng" algn="ctr">
+                      <a:solidFill>
+                        <a:schemeClr val="tx1"/>
+                      </a:solidFill>
+                      <a:prstDash val="solid"/>
+                      <a:round/>
+                      <a:headEnd type="none" w="med" len="med"/>
+                      <a:tailEnd type="none" w="med" len="med"/>
+                    </a:lnR>
+                    <a:lnT w="12700" cap="flat" cmpd="sng" algn="ctr">
+                      <a:solidFill>
+                        <a:schemeClr val="tx1"/>
+                      </a:solidFill>
+                      <a:prstDash val="solid"/>
+                      <a:round/>
+                      <a:headEnd type="none" w="med" len="med"/>
+                      <a:tailEnd type="none" w="med" len="med"/>
+                    </a:lnT>
+                    <a:lnB w="12700" cap="flat" cmpd="sng" algn="ctr">
+                      <a:solidFill>
+                        <a:schemeClr val="tx1"/>
+                      </a:solidFill>
+                      <a:prstDash val="solid"/>
+                      <a:round/>
+                      <a:headEnd type="none" w="med" len="med"/>
+                      <a:tailEnd type="none" w="med" len="med"/>
+                    </a:lnB>
+                    <a:solidFill>
+                      <a:srgbClr val="FFC000"/>
+                    </a:solidFill>
+                  </a:tcPr>
+                </a:tc>
+                <a:tc>
+                  <a:txBody>
+                    <a:bodyPr/>
+                    <a:lstStyle/>
+                    <a:p>
+                      <a:pPr algn="ctr"/>
+                      <a:r>
+                        <a:rPr lang="en-US" sz="3000" b="1" dirty="0">
+                          <a:solidFill>
+                            <a:schemeClr val="bg1"/>
+                          </a:solidFill>
+                          <a:latin typeface="+mn-lt"/>
+                        </a:rPr>
+                        <a:t>1</a:t>
+                      </a:r>
+                    </a:p>
+                  </a:txBody>
+                  <a:tcPr marL="152974" marR="152974" marT="76487" marB="76487">
+                    <a:lnL w="12700" cap="flat" cmpd="sng" algn="ctr">
+                      <a:solidFill>
+                        <a:schemeClr val="tx1"/>
+                      </a:solidFill>
+                      <a:prstDash val="solid"/>
+                      <a:round/>
+                      <a:headEnd type="none" w="med" len="med"/>
+                      <a:tailEnd type="none" w="med" len="med"/>
+                    </a:lnL>
+                    <a:lnR w="12700" cap="flat" cmpd="sng" algn="ctr">
+                      <a:solidFill>
+                        <a:schemeClr val="tx1"/>
+                      </a:solidFill>
+                      <a:prstDash val="solid"/>
+                      <a:round/>
+                      <a:headEnd type="none" w="med" len="med"/>
+                      <a:tailEnd type="none" w="med" len="med"/>
+                    </a:lnR>
+                    <a:lnT w="12700" cap="flat" cmpd="sng" algn="ctr">
+                      <a:solidFill>
+                        <a:schemeClr val="tx1"/>
+                      </a:solidFill>
+                      <a:prstDash val="solid"/>
+                      <a:round/>
+                      <a:headEnd type="none" w="med" len="med"/>
+                      <a:tailEnd type="none" w="med" len="med"/>
+                    </a:lnT>
+                    <a:lnB w="12700" cap="flat" cmpd="sng" algn="ctr">
+                      <a:solidFill>
+                        <a:schemeClr val="tx1"/>
+                      </a:solidFill>
+                      <a:prstDash val="solid"/>
+                      <a:round/>
+                      <a:headEnd type="none" w="med" len="med"/>
+                      <a:tailEnd type="none" w="med" len="med"/>
+                    </a:lnB>
+                    <a:solidFill>
+                      <a:srgbClr val="FFC000"/>
+                    </a:solidFill>
+                  </a:tcPr>
+                </a:tc>
+                <a:extLst>
+                  <a:ext uri="{0D108BD9-81ED-4DB2-BD59-A6C34878D82A}">
+                    <a16:rowId xmlns:a16="http://schemas.microsoft.com/office/drawing/2014/main" val="4209199157"/>
+                  </a:ext>
+                </a:extLst>
+              </a:tr>
+            </a:tbl>
+          </a:graphicData>
+        </a:graphic>
+      </p:graphicFrame>
+      <p:sp>
+        <p:nvSpPr>
+          <p:cNvPr id="8" name="TextBox 7">
+            <a:extLst>
+              <a:ext uri="{FF2B5EF4-FFF2-40B4-BE49-F238E27FC236}">
+                <a16:creationId xmlns:a16="http://schemas.microsoft.com/office/drawing/2014/main" id="{8FF052F6-DC23-D053-A126-89085658566D}"/>
+              </a:ext>
+            </a:extLst>
+          </p:cNvPr>
+          <p:cNvSpPr txBox="1"/>
+          <p:nvPr/>
         </p:nvSpPr>
-        <p:spPr/>
+        <p:spPr>
+          <a:xfrm>
+            <a:off x="2172350" y="4876800"/>
+            <a:ext cx="1263616" cy="461665"/>
+          </a:xfrm>
+          <a:prstGeom prst="rect">
+            <a:avLst/>
+          </a:prstGeom>
+          <a:noFill/>
+        </p:spPr>
         <p:txBody>
-          <a:bodyPr/>
+          <a:bodyPr wrap="none" rtlCol="0">
+            <a:spAutoFit/>
+          </a:bodyPr>
           <a:lstStyle/>
           <a:p>
-            <a:endParaRPr lang="en-US"/>
+            <a:r>
+              <a:rPr lang="en-US" sz="2400" b="1" i="1" dirty="0"/>
+              <a:t>“Kernel”</a:t>
+            </a:r>
           </a:p>
         </p:txBody>
       </p:sp>

--- a/Slides_4.pptx
+++ b/Slides_4.pptx
@@ -15,8 +15,9 @@
     <p:sldId id="258" r:id="rId9"/>
     <p:sldId id="268" r:id="rId10"/>
     <p:sldId id="269" r:id="rId11"/>
-    <p:sldId id="260" r:id="rId12"/>
-    <p:sldId id="259" r:id="rId13"/>
+    <p:sldId id="270" r:id="rId12"/>
+    <p:sldId id="260" r:id="rId13"/>
+    <p:sldId id="259" r:id="rId14"/>
   </p:sldIdLst>
   <p:sldSz cx="12192000" cy="6858000"/>
   <p:notesSz cx="6858000" cy="9144000"/>
@@ -4171,6 +4172,172 @@
           <p:cNvPr id="2" name="Title 1">
             <a:extLst>
               <a:ext uri="{FF2B5EF4-FFF2-40B4-BE49-F238E27FC236}">
+                <a16:creationId xmlns:a16="http://schemas.microsoft.com/office/drawing/2014/main" id="{E92F7210-EBD1-B3B0-559F-4D169A9D6372}"/>
+              </a:ext>
+            </a:extLst>
+          </p:cNvPr>
+          <p:cNvSpPr>
+            <a:spLocks noGrp="1"/>
+          </p:cNvSpPr>
+          <p:nvPr>
+            <p:ph type="title"/>
+          </p:nvPr>
+        </p:nvSpPr>
+        <p:spPr/>
+        <p:txBody>
+          <a:bodyPr/>
+          <a:lstStyle/>
+          <a:p>
+            <a:r>
+              <a:rPr lang="en-US" dirty="0"/>
+              <a:t>What if image is RGB?</a:t>
+            </a:r>
+          </a:p>
+        </p:txBody>
+      </p:sp>
+      <p:pic>
+        <p:nvPicPr>
+          <p:cNvPr id="5" name="Content Placeholder 4" descr="Diagram&#10;&#10;Description automatically generated">
+            <a:extLst>
+              <a:ext uri="{FF2B5EF4-FFF2-40B4-BE49-F238E27FC236}">
+                <a16:creationId xmlns:a16="http://schemas.microsoft.com/office/drawing/2014/main" id="{4F2A7F37-9AF8-A9D3-A10E-A866655EB8CF}"/>
+              </a:ext>
+            </a:extLst>
+          </p:cNvPr>
+          <p:cNvPicPr>
+            <a:picLocks noGrp="1" noChangeAspect="1"/>
+          </p:cNvPicPr>
+          <p:nvPr>
+            <p:ph idx="1"/>
+          </p:nvPr>
+        </p:nvPicPr>
+        <p:blipFill>
+          <a:blip r:embed="rId2">
+            <a:extLst>
+              <a:ext uri="{28A0092B-C50C-407E-A947-70E740481C1C}">
+                <a14:useLocalDpi xmlns:a14="http://schemas.microsoft.com/office/drawing/2010/main" val="0"/>
+              </a:ext>
+            </a:extLst>
+          </a:blip>
+          <a:stretch>
+            <a:fillRect/>
+          </a:stretch>
+        </p:blipFill>
+        <p:spPr>
+          <a:xfrm>
+            <a:off x="154664" y="1825625"/>
+            <a:ext cx="3063792" cy="4351338"/>
+          </a:xfrm>
+        </p:spPr>
+      </p:pic>
+      <p:pic>
+        <p:nvPicPr>
+          <p:cNvPr id="7" name="Picture 6" descr="A picture containing calendar&#10;&#10;Description automatically generated">
+            <a:extLst>
+              <a:ext uri="{FF2B5EF4-FFF2-40B4-BE49-F238E27FC236}">
+                <a16:creationId xmlns:a16="http://schemas.microsoft.com/office/drawing/2014/main" id="{5346C863-616C-F451-094F-F19956EDD69E}"/>
+              </a:ext>
+            </a:extLst>
+          </p:cNvPr>
+          <p:cNvPicPr>
+            <a:picLocks noChangeAspect="1"/>
+          </p:cNvPicPr>
+          <p:nvPr/>
+        </p:nvPicPr>
+        <p:blipFill>
+          <a:blip r:embed="rId3">
+            <a:extLst>
+              <a:ext uri="{28A0092B-C50C-407E-A947-70E740481C1C}">
+                <a14:useLocalDpi xmlns:a14="http://schemas.microsoft.com/office/drawing/2010/main" val="0"/>
+              </a:ext>
+            </a:extLst>
+          </a:blip>
+          <a:stretch>
+            <a:fillRect/>
+          </a:stretch>
+        </p:blipFill>
+        <p:spPr>
+          <a:xfrm>
+            <a:off x="4099196" y="1690688"/>
+            <a:ext cx="7985279" cy="4486275"/>
+          </a:xfrm>
+          <a:prstGeom prst="rect">
+            <a:avLst/>
+          </a:prstGeom>
+        </p:spPr>
+      </p:pic>
+      <p:cxnSp>
+        <p:nvCxnSpPr>
+          <p:cNvPr id="8" name="Straight Connector 7">
+            <a:extLst>
+              <a:ext uri="{FF2B5EF4-FFF2-40B4-BE49-F238E27FC236}">
+                <a16:creationId xmlns:a16="http://schemas.microsoft.com/office/drawing/2014/main" id="{D0E894D3-F8CD-32A1-8355-6CEABE54DA73}"/>
+              </a:ext>
+            </a:extLst>
+          </p:cNvPr>
+          <p:cNvCxnSpPr/>
+          <p:nvPr/>
+        </p:nvCxnSpPr>
+        <p:spPr>
+          <a:xfrm>
+            <a:off x="3660516" y="1534160"/>
+            <a:ext cx="0" cy="5049520"/>
+          </a:xfrm>
+          <a:prstGeom prst="line">
+            <a:avLst/>
+          </a:prstGeom>
+          <a:ln w="57150"/>
+        </p:spPr>
+        <p:style>
+          <a:lnRef idx="1">
+            <a:schemeClr val="dk1"/>
+          </a:lnRef>
+          <a:fillRef idx="0">
+            <a:schemeClr val="dk1"/>
+          </a:fillRef>
+          <a:effectRef idx="0">
+            <a:schemeClr val="dk1"/>
+          </a:effectRef>
+          <a:fontRef idx="minor">
+            <a:schemeClr val="tx1"/>
+          </a:fontRef>
+        </p:style>
+      </p:cxnSp>
+    </p:spTree>
+    <p:extLst>
+      <p:ext uri="{BB962C8B-B14F-4D97-AF65-F5344CB8AC3E}">
+        <p14:creationId xmlns:p14="http://schemas.microsoft.com/office/powerpoint/2010/main" val="895538054"/>
+      </p:ext>
+    </p:extLst>
+  </p:cSld>
+  <p:clrMapOvr>
+    <a:masterClrMapping/>
+  </p:clrMapOvr>
+</p:sld>
+</file>
+
+<file path=ppt/slides/slide12.xml><?xml version="1.0" encoding="utf-8"?>
+<p:sld xmlns:a="http://schemas.openxmlformats.org/drawingml/2006/main" xmlns:r="http://schemas.openxmlformats.org/officeDocument/2006/relationships" xmlns:p="http://schemas.openxmlformats.org/presentationml/2006/main">
+  <p:cSld>
+    <p:spTree>
+      <p:nvGrpSpPr>
+        <p:cNvPr id="1" name=""/>
+        <p:cNvGrpSpPr/>
+        <p:nvPr/>
+      </p:nvGrpSpPr>
+      <p:grpSpPr>
+        <a:xfrm>
+          <a:off x="0" y="0"/>
+          <a:ext cx="0" cy="0"/>
+          <a:chOff x="0" y="0"/>
+          <a:chExt cx="0" cy="0"/>
+        </a:xfrm>
+      </p:grpSpPr>
+      <p:sp>
+        <p:nvSpPr>
+          <p:cNvPr id="2" name="Title 1">
+            <a:extLst>
+              <a:ext uri="{FF2B5EF4-FFF2-40B4-BE49-F238E27FC236}">
                 <a16:creationId xmlns:a16="http://schemas.microsoft.com/office/drawing/2014/main" id="{16764117-189B-1877-CA45-9F7123D63B76}"/>
               </a:ext>
             </a:extLst>
@@ -4232,7 +4399,7 @@
 </p:sld>
 </file>
 
-<file path=ppt/slides/slide12.xml><?xml version="1.0" encoding="utf-8"?>
+<file path=ppt/slides/slide13.xml><?xml version="1.0" encoding="utf-8"?>
 <p:sld xmlns:a="http://schemas.openxmlformats.org/drawingml/2006/main" xmlns:r="http://schemas.openxmlformats.org/officeDocument/2006/relationships" xmlns:p="http://schemas.openxmlformats.org/presentationml/2006/main">
   <p:cSld>
     <p:spTree>
